--- a/BD/BD Proiect.pptx
+++ b/BD/BD Proiect.pptx
@@ -21,18 +21,19 @@
     <p:sldId id="269" r:id="rId15"/>
     <p:sldId id="270" r:id="rId16"/>
     <p:sldId id="271" r:id="rId17"/>
-    <p:sldId id="272" r:id="rId18"/>
-    <p:sldId id="273" r:id="rId19"/>
-    <p:sldId id="274" r:id="rId20"/>
-    <p:sldId id="275" r:id="rId21"/>
-    <p:sldId id="276" r:id="rId22"/>
-    <p:sldId id="277" r:id="rId23"/>
-    <p:sldId id="278" r:id="rId24"/>
-    <p:sldId id="279" r:id="rId25"/>
-    <p:sldId id="280" r:id="rId26"/>
-    <p:sldId id="281" r:id="rId27"/>
-    <p:sldId id="282" r:id="rId28"/>
-    <p:sldId id="283" r:id="rId29"/>
+    <p:sldId id="284" r:id="rId18"/>
+    <p:sldId id="272" r:id="rId19"/>
+    <p:sldId id="273" r:id="rId20"/>
+    <p:sldId id="274" r:id="rId21"/>
+    <p:sldId id="275" r:id="rId22"/>
+    <p:sldId id="276" r:id="rId23"/>
+    <p:sldId id="277" r:id="rId24"/>
+    <p:sldId id="278" r:id="rId25"/>
+    <p:sldId id="279" r:id="rId26"/>
+    <p:sldId id="280" r:id="rId27"/>
+    <p:sldId id="281" r:id="rId28"/>
+    <p:sldId id="282" r:id="rId29"/>
+    <p:sldId id="283" r:id="rId30"/>
   </p:sldIdLst>
   <p:sldSz cx="12192000" cy="6858000"/>
   <p:notesSz cx="6858000" cy="9144000"/>
@@ -131,6 +132,11 @@
       </a:defRPr>
     </a:lvl9pPr>
   </p:defaultTextStyle>
+  <p:extLst>
+    <p:ext uri="{EFAFB233-063F-42B5-8137-9DF3F51BA10A}">
+      <p15:sldGuideLst xmlns:p15="http://schemas.microsoft.com/office/powerpoint/2012/main"/>
+    </p:ext>
+  </p:extLst>
 </p:presentation>
 </file>
 
@@ -303,7 +309,7 @@
           <a:p>
             <a:fld id="{C4B83D44-4220-49C1-AD43-A8AAEB850BC9}" type="datetimeFigureOut">
               <a:rPr lang="ru-RU" smtClean="0"/>
-              <a:t>18.12.2021</a:t>
+              <a:t>19.12.2021</a:t>
             </a:fld>
             <a:endParaRPr lang="ru-RU"/>
           </a:p>
@@ -633,7 +639,7 @@
           <a:p>
             <a:fld id="{C4B83D44-4220-49C1-AD43-A8AAEB850BC9}" type="datetimeFigureOut">
               <a:rPr lang="ru-RU" smtClean="0"/>
-              <a:t>18.12.2021</a:t>
+              <a:t>19.12.2021</a:t>
             </a:fld>
             <a:endParaRPr lang="ru-RU"/>
           </a:p>
@@ -813,7 +819,7 @@
           <a:p>
             <a:fld id="{C4B83D44-4220-49C1-AD43-A8AAEB850BC9}" type="datetimeFigureOut">
               <a:rPr lang="ru-RU" smtClean="0"/>
-              <a:t>18.12.2021</a:t>
+              <a:t>19.12.2021</a:t>
             </a:fld>
             <a:endParaRPr lang="ru-RU"/>
           </a:p>
@@ -983,7 +989,7 @@
           <a:p>
             <a:fld id="{C4B83D44-4220-49C1-AD43-A8AAEB850BC9}" type="datetimeFigureOut">
               <a:rPr lang="ru-RU" smtClean="0"/>
-              <a:t>18.12.2021</a:t>
+              <a:t>19.12.2021</a:t>
             </a:fld>
             <a:endParaRPr lang="ru-RU"/>
           </a:p>
@@ -1260,7 +1266,7 @@
           <a:p>
             <a:fld id="{C4B83D44-4220-49C1-AD43-A8AAEB850BC9}" type="datetimeFigureOut">
               <a:rPr lang="ru-RU" smtClean="0"/>
-              <a:t>18.12.2021</a:t>
+              <a:t>19.12.2021</a:t>
             </a:fld>
             <a:endParaRPr lang="ru-RU"/>
           </a:p>
@@ -1654,7 +1660,7 @@
           <a:p>
             <a:fld id="{C4B83D44-4220-49C1-AD43-A8AAEB850BC9}" type="datetimeFigureOut">
               <a:rPr lang="ru-RU" smtClean="0"/>
-              <a:t>18.12.2021</a:t>
+              <a:t>19.12.2021</a:t>
             </a:fld>
             <a:endParaRPr lang="ru-RU"/>
           </a:p>
@@ -2131,7 +2137,7 @@
           <a:p>
             <a:fld id="{C4B83D44-4220-49C1-AD43-A8AAEB850BC9}" type="datetimeFigureOut">
               <a:rPr lang="ru-RU" smtClean="0"/>
-              <a:t>18.12.2021</a:t>
+              <a:t>19.12.2021</a:t>
             </a:fld>
             <a:endParaRPr lang="ru-RU"/>
           </a:p>
@@ -2249,7 +2255,7 @@
           <a:p>
             <a:fld id="{C4B83D44-4220-49C1-AD43-A8AAEB850BC9}" type="datetimeFigureOut">
               <a:rPr lang="ru-RU" smtClean="0"/>
-              <a:t>18.12.2021</a:t>
+              <a:t>19.12.2021</a:t>
             </a:fld>
             <a:endParaRPr lang="ru-RU"/>
           </a:p>
@@ -2344,7 +2350,7 @@
           <a:p>
             <a:fld id="{C4B83D44-4220-49C1-AD43-A8AAEB850BC9}" type="datetimeFigureOut">
               <a:rPr lang="ru-RU" smtClean="0"/>
-              <a:t>18.12.2021</a:t>
+              <a:t>19.12.2021</a:t>
             </a:fld>
             <a:endParaRPr lang="ru-RU"/>
           </a:p>
@@ -2690,7 +2696,7 @@
           <a:p>
             <a:fld id="{C4B83D44-4220-49C1-AD43-A8AAEB850BC9}" type="datetimeFigureOut">
               <a:rPr lang="ru-RU" smtClean="0"/>
-              <a:t>18.12.2021</a:t>
+              <a:t>19.12.2021</a:t>
             </a:fld>
             <a:endParaRPr lang="ru-RU"/>
           </a:p>
@@ -3078,7 +3084,7 @@
           <a:p>
             <a:fld id="{C4B83D44-4220-49C1-AD43-A8AAEB850BC9}" type="datetimeFigureOut">
               <a:rPr lang="ru-RU" smtClean="0"/>
-              <a:t>18.12.2021</a:t>
+              <a:t>19.12.2021</a:t>
             </a:fld>
             <a:endParaRPr lang="ru-RU"/>
           </a:p>
@@ -3356,7 +3362,7 @@
           <a:p>
             <a:fld id="{C4B83D44-4220-49C1-AD43-A8AAEB850BC9}" type="datetimeFigureOut">
               <a:rPr lang="ru-RU" smtClean="0"/>
-              <a:t>18.12.2021</a:t>
+              <a:t>19.12.2021</a:t>
             </a:fld>
             <a:endParaRPr lang="ru-RU"/>
           </a:p>
@@ -5172,6 +5178,156 @@
           <p:cNvPr id="2" name="Заголовок 1">
             <a:extLst>
               <a:ext uri="{FF2B5EF4-FFF2-40B4-BE49-F238E27FC236}">
+                <a16:creationId xmlns:a16="http://schemas.microsoft.com/office/drawing/2014/main" id="{D73505E8-5891-4982-94F5-EDC5EA7E4F9B}"/>
+              </a:ext>
+            </a:extLst>
+          </p:cNvPr>
+          <p:cNvSpPr>
+            <a:spLocks noGrp="1"/>
+          </p:cNvSpPr>
+          <p:nvPr>
+            <p:ph type="title"/>
+          </p:nvPr>
+        </p:nvSpPr>
+        <p:spPr>
+          <a:xfrm>
+            <a:off x="1371600" y="685800"/>
+            <a:ext cx="9601200" cy="565484"/>
+          </a:xfrm>
+        </p:spPr>
+        <p:txBody>
+          <a:bodyPr>
+            <a:normAutofit fontScale="90000"/>
+          </a:bodyPr>
+          <a:lstStyle/>
+          <a:p>
+            <a:r>
+              <a:rPr lang="en-US" dirty="0" err="1"/>
+              <a:t>Sinonime</a:t>
+            </a:r>
+            <a:endParaRPr lang="ru-RU" dirty="0"/>
+          </a:p>
+        </p:txBody>
+      </p:sp>
+      <p:pic>
+        <p:nvPicPr>
+          <p:cNvPr id="4" name="Объект 3">
+            <a:extLst>
+              <a:ext uri="{FF2B5EF4-FFF2-40B4-BE49-F238E27FC236}">
+                <a16:creationId xmlns:a16="http://schemas.microsoft.com/office/drawing/2014/main" id="{B9649B0A-D21D-4BA1-B0CF-BF1C092DED6A}"/>
+              </a:ext>
+            </a:extLst>
+          </p:cNvPr>
+          <p:cNvPicPr>
+            <a:picLocks noGrp="1" noChangeAspect="1"/>
+          </p:cNvPicPr>
+          <p:nvPr>
+            <p:ph idx="1"/>
+          </p:nvPr>
+        </p:nvPicPr>
+        <p:blipFill>
+          <a:blip r:embed="rId2">
+            <a:extLst>
+              <a:ext uri="{28A0092B-C50C-407E-A947-70E740481C1C}">
+                <a14:useLocalDpi xmlns:a14="http://schemas.microsoft.com/office/drawing/2010/main" val="0"/>
+              </a:ext>
+            </a:extLst>
+          </a:blip>
+          <a:srcRect/>
+          <a:stretch>
+            <a:fillRect/>
+          </a:stretch>
+        </p:blipFill>
+        <p:spPr bwMode="auto">
+          <a:xfrm>
+            <a:off x="1371600" y="1720516"/>
+            <a:ext cx="3787602" cy="3581400"/>
+          </a:xfrm>
+          <a:prstGeom prst="rect">
+            <a:avLst/>
+          </a:prstGeom>
+          <a:noFill/>
+          <a:ln>
+            <a:noFill/>
+          </a:ln>
+        </p:spPr>
+      </p:pic>
+      <p:pic>
+        <p:nvPicPr>
+          <p:cNvPr id="5" name="Рисунок 4">
+            <a:extLst>
+              <a:ext uri="{FF2B5EF4-FFF2-40B4-BE49-F238E27FC236}">
+                <a16:creationId xmlns:a16="http://schemas.microsoft.com/office/drawing/2014/main" id="{18C42220-E9B5-4A43-93F6-EE6854D2C3B0}"/>
+              </a:ext>
+            </a:extLst>
+          </p:cNvPr>
+          <p:cNvPicPr>
+            <a:picLocks noChangeAspect="1"/>
+          </p:cNvPicPr>
+          <p:nvPr/>
+        </p:nvPicPr>
+        <p:blipFill>
+          <a:blip r:embed="rId3">
+            <a:extLst>
+              <a:ext uri="{28A0092B-C50C-407E-A947-70E740481C1C}">
+                <a14:useLocalDpi xmlns:a14="http://schemas.microsoft.com/office/drawing/2010/main" val="0"/>
+              </a:ext>
+            </a:extLst>
+          </a:blip>
+          <a:srcRect/>
+          <a:stretch>
+            <a:fillRect/>
+          </a:stretch>
+        </p:blipFill>
+        <p:spPr bwMode="auto">
+          <a:xfrm>
+            <a:off x="6172200" y="1734553"/>
+            <a:ext cx="5181600" cy="2184400"/>
+          </a:xfrm>
+          <a:prstGeom prst="rect">
+            <a:avLst/>
+          </a:prstGeom>
+          <a:noFill/>
+          <a:ln>
+            <a:noFill/>
+          </a:ln>
+        </p:spPr>
+      </p:pic>
+    </p:spTree>
+    <p:extLst>
+      <p:ext uri="{BB962C8B-B14F-4D97-AF65-F5344CB8AC3E}">
+        <p14:creationId xmlns:p14="http://schemas.microsoft.com/office/powerpoint/2010/main" val="4027608656"/>
+      </p:ext>
+    </p:extLst>
+  </p:cSld>
+  <p:clrMapOvr>
+    <a:masterClrMapping/>
+  </p:clrMapOvr>
+</p:sld>
+</file>
+
+<file path=ppt/slides/slide18.xml><?xml version="1.0" encoding="utf-8"?>
+<p:sld xmlns:a="http://schemas.openxmlformats.org/drawingml/2006/main" xmlns:r="http://schemas.openxmlformats.org/officeDocument/2006/relationships" xmlns:p="http://schemas.openxmlformats.org/presentationml/2006/main">
+  <p:cSld>
+    <p:spTree>
+      <p:nvGrpSpPr>
+        <p:cNvPr id="1" name=""/>
+        <p:cNvGrpSpPr/>
+        <p:nvPr/>
+      </p:nvGrpSpPr>
+      <p:grpSpPr>
+        <a:xfrm>
+          <a:off x="0" y="0"/>
+          <a:ext cx="0" cy="0"/>
+          <a:chOff x="0" y="0"/>
+          <a:chExt cx="0" cy="0"/>
+        </a:xfrm>
+      </p:grpSpPr>
+      <p:sp>
+        <p:nvSpPr>
+          <p:cNvPr id="2" name="Заголовок 1">
+            <a:extLst>
+              <a:ext uri="{FF2B5EF4-FFF2-40B4-BE49-F238E27FC236}">
                 <a16:creationId xmlns:a16="http://schemas.microsoft.com/office/drawing/2014/main" id="{AE29CDA2-2C84-491B-A046-87FC5FD71452}"/>
               </a:ext>
             </a:extLst>
@@ -5306,7 +5462,7 @@
 </p:sld>
 </file>
 
-<file path=ppt/slides/slide18.xml><?xml version="1.0" encoding="utf-8"?>
+<file path=ppt/slides/slide19.xml><?xml version="1.0" encoding="utf-8"?>
 <p:sld xmlns:a="http://schemas.openxmlformats.org/drawingml/2006/main" xmlns:r="http://schemas.openxmlformats.org/officeDocument/2006/relationships" xmlns:p="http://schemas.openxmlformats.org/presentationml/2006/main">
   <p:cSld>
     <p:spTree>
@@ -5398,7 +5554,275 @@
 </p:sld>
 </file>
 
-<file path=ppt/slides/slide19.xml><?xml version="1.0" encoding="utf-8"?>
+<file path=ppt/slides/slide2.xml><?xml version="1.0" encoding="utf-8"?>
+<p:sld xmlns:a="http://schemas.openxmlformats.org/drawingml/2006/main" xmlns:r="http://schemas.openxmlformats.org/officeDocument/2006/relationships" xmlns:p="http://schemas.openxmlformats.org/presentationml/2006/main">
+  <p:cSld>
+    <p:spTree>
+      <p:nvGrpSpPr>
+        <p:cNvPr id="1" name=""/>
+        <p:cNvGrpSpPr/>
+        <p:nvPr/>
+      </p:nvGrpSpPr>
+      <p:grpSpPr>
+        <a:xfrm>
+          <a:off x="0" y="0"/>
+          <a:ext cx="0" cy="0"/>
+          <a:chOff x="0" y="0"/>
+          <a:chExt cx="0" cy="0"/>
+        </a:xfrm>
+      </p:grpSpPr>
+      <p:sp>
+        <p:nvSpPr>
+          <p:cNvPr id="2" name="Заголовок 1">
+            <a:extLst>
+              <a:ext uri="{FF2B5EF4-FFF2-40B4-BE49-F238E27FC236}">
+                <a16:creationId xmlns:a16="http://schemas.microsoft.com/office/drawing/2014/main" id="{8771968F-3C6E-4280-89AD-C15E6A12A87A}"/>
+              </a:ext>
+            </a:extLst>
+          </p:cNvPr>
+          <p:cNvSpPr>
+            <a:spLocks noGrp="1"/>
+          </p:cNvSpPr>
+          <p:nvPr>
+            <p:ph type="title"/>
+          </p:nvPr>
+        </p:nvSpPr>
+        <p:spPr>
+          <a:xfrm>
+            <a:off x="1371600" y="685800"/>
+            <a:ext cx="9601200" cy="677779"/>
+          </a:xfrm>
+        </p:spPr>
+        <p:txBody>
+          <a:bodyPr>
+            <a:normAutofit fontScale="90000"/>
+          </a:bodyPr>
+          <a:lstStyle/>
+          <a:p>
+            <a:r>
+              <a:rPr lang="en-US" dirty="0" err="1"/>
+              <a:t>Limbajul</a:t>
+            </a:r>
+            <a:r>
+              <a:rPr lang="en-US" dirty="0"/>
+              <a:t> de </a:t>
+            </a:r>
+            <a:r>
+              <a:rPr lang="en-US" dirty="0" err="1"/>
+              <a:t>definire</a:t>
+            </a:r>
+            <a:r>
+              <a:rPr lang="en-US" dirty="0"/>
+              <a:t> a </a:t>
+            </a:r>
+            <a:r>
+              <a:rPr lang="en-US" dirty="0" err="1"/>
+              <a:t>datelor</a:t>
+            </a:r>
+            <a:endParaRPr lang="ru-RU" dirty="0"/>
+          </a:p>
+        </p:txBody>
+      </p:sp>
+      <p:sp>
+        <p:nvSpPr>
+          <p:cNvPr id="3" name="Объект 2">
+            <a:extLst>
+              <a:ext uri="{FF2B5EF4-FFF2-40B4-BE49-F238E27FC236}">
+                <a16:creationId xmlns:a16="http://schemas.microsoft.com/office/drawing/2014/main" id="{57DEBBA8-5D7A-4D0C-BB7A-7D5CEE8DDD81}"/>
+              </a:ext>
+            </a:extLst>
+          </p:cNvPr>
+          <p:cNvSpPr>
+            <a:spLocks noGrp="1"/>
+          </p:cNvSpPr>
+          <p:nvPr>
+            <p:ph idx="1"/>
+          </p:nvPr>
+        </p:nvSpPr>
+        <p:spPr/>
+        <p:txBody>
+          <a:bodyPr>
+            <a:normAutofit/>
+          </a:bodyPr>
+          <a:lstStyle/>
+          <a:p>
+            <a:r>
+              <a:rPr lang="ro-RO" sz="2800" dirty="0">
+                <a:effectLst/>
+                <a:latin typeface="Times New Roman" panose="02020603050405020304" pitchFamily="18" charset="0"/>
+                <a:ea typeface="Times New Roman" panose="02020603050405020304" pitchFamily="18" charset="0"/>
+              </a:rPr>
+              <a:t>În contextul SQL , definirea datelor sau limbajul de descriere a datelor ( DDL ) este o</a:t>
+            </a:r>
+            <a:r>
+              <a:rPr lang="ro-RO" sz="2800" spc="5" dirty="0">
+                <a:effectLst/>
+                <a:latin typeface="Times New Roman" panose="02020603050405020304" pitchFamily="18" charset="0"/>
+                <a:ea typeface="Times New Roman" panose="02020603050405020304" pitchFamily="18" charset="0"/>
+              </a:rPr>
+              <a:t> </a:t>
+            </a:r>
+            <a:r>
+              <a:rPr lang="ro-RO" sz="2800" dirty="0">
+                <a:effectLst/>
+                <a:latin typeface="Times New Roman" panose="02020603050405020304" pitchFamily="18" charset="0"/>
+                <a:ea typeface="Times New Roman" panose="02020603050405020304" pitchFamily="18" charset="0"/>
+              </a:rPr>
+              <a:t>sintaxă pentru crearea și modificarea obiectelor bazei de date, cum ar fi tabele, indici și</a:t>
+            </a:r>
+            <a:r>
+              <a:rPr lang="ro-RO" sz="2800" spc="5" dirty="0">
+                <a:effectLst/>
+                <a:latin typeface="Times New Roman" panose="02020603050405020304" pitchFamily="18" charset="0"/>
+                <a:ea typeface="Times New Roman" panose="02020603050405020304" pitchFamily="18" charset="0"/>
+              </a:rPr>
+              <a:t> </a:t>
+            </a:r>
+            <a:r>
+              <a:rPr lang="ro-RO" sz="2800" dirty="0">
+                <a:effectLst/>
+                <a:latin typeface="Times New Roman" panose="02020603050405020304" pitchFamily="18" charset="0"/>
+                <a:ea typeface="Times New Roman" panose="02020603050405020304" pitchFamily="18" charset="0"/>
+              </a:rPr>
+              <a:t>utilizatori. Instrucțiunile DDL sunt similare cu un limbaj de programare pentru computer pentru</a:t>
+            </a:r>
+            <a:r>
+              <a:rPr lang="ro-RO" sz="2800" spc="5" dirty="0">
+                <a:effectLst/>
+                <a:latin typeface="Times New Roman" panose="02020603050405020304" pitchFamily="18" charset="0"/>
+                <a:ea typeface="Times New Roman" panose="02020603050405020304" pitchFamily="18" charset="0"/>
+              </a:rPr>
+              <a:t> </a:t>
+            </a:r>
+            <a:r>
+              <a:rPr lang="ro-RO" sz="2800" dirty="0">
+                <a:effectLst/>
+                <a:latin typeface="Times New Roman" panose="02020603050405020304" pitchFamily="18" charset="0"/>
+                <a:ea typeface="Times New Roman" panose="02020603050405020304" pitchFamily="18" charset="0"/>
+              </a:rPr>
+              <a:t>definirea structurilor de date , în special a schemelor de baze de date . Exemple obișnuite de</a:t>
+            </a:r>
+            <a:r>
+              <a:rPr lang="ro-RO" sz="2800" spc="5" dirty="0">
+                <a:effectLst/>
+                <a:latin typeface="Times New Roman" panose="02020603050405020304" pitchFamily="18" charset="0"/>
+                <a:ea typeface="Times New Roman" panose="02020603050405020304" pitchFamily="18" charset="0"/>
+              </a:rPr>
+              <a:t> </a:t>
+            </a:r>
+            <a:r>
+              <a:rPr lang="ro-RO" sz="2800" dirty="0">
+                <a:effectLst/>
+                <a:latin typeface="Times New Roman" panose="02020603050405020304" pitchFamily="18" charset="0"/>
+                <a:ea typeface="Times New Roman" panose="02020603050405020304" pitchFamily="18" charset="0"/>
+              </a:rPr>
+              <a:t>DDL</a:t>
+            </a:r>
+            <a:r>
+              <a:rPr lang="ro-RO" sz="2800" spc="-10" dirty="0">
+                <a:effectLst/>
+                <a:latin typeface="Times New Roman" panose="02020603050405020304" pitchFamily="18" charset="0"/>
+                <a:ea typeface="Times New Roman" panose="02020603050405020304" pitchFamily="18" charset="0"/>
+              </a:rPr>
+              <a:t> </a:t>
+            </a:r>
+            <a:r>
+              <a:rPr lang="ro-RO" sz="2800" dirty="0">
+                <a:effectLst/>
+                <a:latin typeface="Times New Roman" panose="02020603050405020304" pitchFamily="18" charset="0"/>
+                <a:ea typeface="Times New Roman" panose="02020603050405020304" pitchFamily="18" charset="0"/>
+              </a:rPr>
+              <a:t>includ</a:t>
+            </a:r>
+            <a:r>
+              <a:rPr lang="ro-RO" sz="2800" spc="5" dirty="0">
+                <a:effectLst/>
+                <a:latin typeface="Times New Roman" panose="02020603050405020304" pitchFamily="18" charset="0"/>
+                <a:ea typeface="Times New Roman" panose="02020603050405020304" pitchFamily="18" charset="0"/>
+              </a:rPr>
+              <a:t> </a:t>
+            </a:r>
+            <a:r>
+              <a:rPr lang="ro-RO" sz="2800" dirty="0">
+                <a:effectLst/>
+                <a:latin typeface="Times New Roman" panose="02020603050405020304" pitchFamily="18" charset="0"/>
+                <a:ea typeface="Times New Roman" panose="02020603050405020304" pitchFamily="18" charset="0"/>
+              </a:rPr>
+              <a:t>CREATE,</a:t>
+            </a:r>
+            <a:r>
+              <a:rPr lang="ro-RO" sz="2800" spc="20" dirty="0">
+                <a:effectLst/>
+                <a:latin typeface="Times New Roman" panose="02020603050405020304" pitchFamily="18" charset="0"/>
+                <a:ea typeface="Times New Roman" panose="02020603050405020304" pitchFamily="18" charset="0"/>
+              </a:rPr>
+              <a:t> </a:t>
+            </a:r>
+            <a:r>
+              <a:rPr lang="ro-RO" sz="2800" dirty="0">
+                <a:effectLst/>
+                <a:latin typeface="Times New Roman" panose="02020603050405020304" pitchFamily="18" charset="0"/>
+                <a:ea typeface="Times New Roman" panose="02020603050405020304" pitchFamily="18" charset="0"/>
+              </a:rPr>
+              <a:t>ALTER</a:t>
+            </a:r>
+            <a:r>
+              <a:rPr lang="ro-RO" sz="2800" spc="20" dirty="0">
+                <a:effectLst/>
+                <a:latin typeface="Times New Roman" panose="02020603050405020304" pitchFamily="18" charset="0"/>
+                <a:ea typeface="Times New Roman" panose="02020603050405020304" pitchFamily="18" charset="0"/>
+              </a:rPr>
+              <a:t> </a:t>
+            </a:r>
+            <a:r>
+              <a:rPr lang="ro-RO" sz="2800" dirty="0">
+                <a:effectLst/>
+                <a:latin typeface="Times New Roman" panose="02020603050405020304" pitchFamily="18" charset="0"/>
+                <a:ea typeface="Times New Roman" panose="02020603050405020304" pitchFamily="18" charset="0"/>
+              </a:rPr>
+              <a:t>și</a:t>
+            </a:r>
+            <a:r>
+              <a:rPr lang="ro-RO" sz="2800" spc="-25" dirty="0">
+                <a:effectLst/>
+                <a:latin typeface="Times New Roman" panose="02020603050405020304" pitchFamily="18" charset="0"/>
+                <a:ea typeface="Times New Roman" panose="02020603050405020304" pitchFamily="18" charset="0"/>
+              </a:rPr>
+              <a:t> </a:t>
+            </a:r>
+            <a:r>
+              <a:rPr lang="ro-RO" sz="2800" dirty="0">
+                <a:effectLst/>
+                <a:latin typeface="Times New Roman" panose="02020603050405020304" pitchFamily="18" charset="0"/>
+                <a:ea typeface="Times New Roman" panose="02020603050405020304" pitchFamily="18" charset="0"/>
+              </a:rPr>
+              <a:t>DROP.</a:t>
+            </a:r>
+            <a:endParaRPr lang="ru-RU" sz="2800" dirty="0">
+              <a:effectLst/>
+              <a:latin typeface="Times New Roman" panose="02020603050405020304" pitchFamily="18" charset="0"/>
+              <a:ea typeface="Times New Roman" panose="02020603050405020304" pitchFamily="18" charset="0"/>
+            </a:endParaRPr>
+          </a:p>
+          <a:p>
+            <a:endParaRPr lang="ru-RU" sz="2800" dirty="0"/>
+          </a:p>
+        </p:txBody>
+      </p:sp>
+    </p:spTree>
+    <p:extLst>
+      <p:ext uri="{BB962C8B-B14F-4D97-AF65-F5344CB8AC3E}">
+        <p14:creationId xmlns:p14="http://schemas.microsoft.com/office/powerpoint/2010/main" val="1216597556"/>
+      </p:ext>
+    </p:extLst>
+  </p:cSld>
+  <p:clrMapOvr>
+    <a:masterClrMapping/>
+  </p:clrMapOvr>
+</p:sld>
+</file>
+
+<file path=ppt/slides/slide20.xml><?xml version="1.0" encoding="utf-8"?>
 <p:sld xmlns:a="http://schemas.openxmlformats.org/drawingml/2006/main" xmlns:r="http://schemas.openxmlformats.org/officeDocument/2006/relationships" xmlns:p="http://schemas.openxmlformats.org/presentationml/2006/main">
   <p:cSld>
     <p:spTree>
@@ -5764,275 +6188,7 @@
 </p:sld>
 </file>
 
-<file path=ppt/slides/slide2.xml><?xml version="1.0" encoding="utf-8"?>
-<p:sld xmlns:a="http://schemas.openxmlformats.org/drawingml/2006/main" xmlns:r="http://schemas.openxmlformats.org/officeDocument/2006/relationships" xmlns:p="http://schemas.openxmlformats.org/presentationml/2006/main">
-  <p:cSld>
-    <p:spTree>
-      <p:nvGrpSpPr>
-        <p:cNvPr id="1" name=""/>
-        <p:cNvGrpSpPr/>
-        <p:nvPr/>
-      </p:nvGrpSpPr>
-      <p:grpSpPr>
-        <a:xfrm>
-          <a:off x="0" y="0"/>
-          <a:ext cx="0" cy="0"/>
-          <a:chOff x="0" y="0"/>
-          <a:chExt cx="0" cy="0"/>
-        </a:xfrm>
-      </p:grpSpPr>
-      <p:sp>
-        <p:nvSpPr>
-          <p:cNvPr id="2" name="Заголовок 1">
-            <a:extLst>
-              <a:ext uri="{FF2B5EF4-FFF2-40B4-BE49-F238E27FC236}">
-                <a16:creationId xmlns:a16="http://schemas.microsoft.com/office/drawing/2014/main" id="{8771968F-3C6E-4280-89AD-C15E6A12A87A}"/>
-              </a:ext>
-            </a:extLst>
-          </p:cNvPr>
-          <p:cNvSpPr>
-            <a:spLocks noGrp="1"/>
-          </p:cNvSpPr>
-          <p:nvPr>
-            <p:ph type="title"/>
-          </p:nvPr>
-        </p:nvSpPr>
-        <p:spPr>
-          <a:xfrm>
-            <a:off x="1371600" y="685800"/>
-            <a:ext cx="9601200" cy="677779"/>
-          </a:xfrm>
-        </p:spPr>
-        <p:txBody>
-          <a:bodyPr>
-            <a:normAutofit fontScale="90000"/>
-          </a:bodyPr>
-          <a:lstStyle/>
-          <a:p>
-            <a:r>
-              <a:rPr lang="en-US" dirty="0" err="1"/>
-              <a:t>Limbajul</a:t>
-            </a:r>
-            <a:r>
-              <a:rPr lang="en-US" dirty="0"/>
-              <a:t> de </a:t>
-            </a:r>
-            <a:r>
-              <a:rPr lang="en-US" dirty="0" err="1"/>
-              <a:t>definire</a:t>
-            </a:r>
-            <a:r>
-              <a:rPr lang="en-US" dirty="0"/>
-              <a:t> a </a:t>
-            </a:r>
-            <a:r>
-              <a:rPr lang="en-US" dirty="0" err="1"/>
-              <a:t>datelor</a:t>
-            </a:r>
-            <a:endParaRPr lang="ru-RU" dirty="0"/>
-          </a:p>
-        </p:txBody>
-      </p:sp>
-      <p:sp>
-        <p:nvSpPr>
-          <p:cNvPr id="3" name="Объект 2">
-            <a:extLst>
-              <a:ext uri="{FF2B5EF4-FFF2-40B4-BE49-F238E27FC236}">
-                <a16:creationId xmlns:a16="http://schemas.microsoft.com/office/drawing/2014/main" id="{57DEBBA8-5D7A-4D0C-BB7A-7D5CEE8DDD81}"/>
-              </a:ext>
-            </a:extLst>
-          </p:cNvPr>
-          <p:cNvSpPr>
-            <a:spLocks noGrp="1"/>
-          </p:cNvSpPr>
-          <p:nvPr>
-            <p:ph idx="1"/>
-          </p:nvPr>
-        </p:nvSpPr>
-        <p:spPr/>
-        <p:txBody>
-          <a:bodyPr>
-            <a:normAutofit/>
-          </a:bodyPr>
-          <a:lstStyle/>
-          <a:p>
-            <a:r>
-              <a:rPr lang="ro-RO" sz="2800" dirty="0">
-                <a:effectLst/>
-                <a:latin typeface="Times New Roman" panose="02020603050405020304" pitchFamily="18" charset="0"/>
-                <a:ea typeface="Times New Roman" panose="02020603050405020304" pitchFamily="18" charset="0"/>
-              </a:rPr>
-              <a:t>În contextul SQL , definirea datelor sau limbajul de descriere a datelor ( DDL ) este o</a:t>
-            </a:r>
-            <a:r>
-              <a:rPr lang="ro-RO" sz="2800" spc="5" dirty="0">
-                <a:effectLst/>
-                <a:latin typeface="Times New Roman" panose="02020603050405020304" pitchFamily="18" charset="0"/>
-                <a:ea typeface="Times New Roman" panose="02020603050405020304" pitchFamily="18" charset="0"/>
-              </a:rPr>
-              <a:t> </a:t>
-            </a:r>
-            <a:r>
-              <a:rPr lang="ro-RO" sz="2800" dirty="0">
-                <a:effectLst/>
-                <a:latin typeface="Times New Roman" panose="02020603050405020304" pitchFamily="18" charset="0"/>
-                <a:ea typeface="Times New Roman" panose="02020603050405020304" pitchFamily="18" charset="0"/>
-              </a:rPr>
-              <a:t>sintaxă pentru crearea și modificarea obiectelor bazei de date, cum ar fi tabele, indici și</a:t>
-            </a:r>
-            <a:r>
-              <a:rPr lang="ro-RO" sz="2800" spc="5" dirty="0">
-                <a:effectLst/>
-                <a:latin typeface="Times New Roman" panose="02020603050405020304" pitchFamily="18" charset="0"/>
-                <a:ea typeface="Times New Roman" panose="02020603050405020304" pitchFamily="18" charset="0"/>
-              </a:rPr>
-              <a:t> </a:t>
-            </a:r>
-            <a:r>
-              <a:rPr lang="ro-RO" sz="2800" dirty="0">
-                <a:effectLst/>
-                <a:latin typeface="Times New Roman" panose="02020603050405020304" pitchFamily="18" charset="0"/>
-                <a:ea typeface="Times New Roman" panose="02020603050405020304" pitchFamily="18" charset="0"/>
-              </a:rPr>
-              <a:t>utilizatori. Instrucțiunile DDL sunt similare cu un limbaj de programare pentru computer pentru</a:t>
-            </a:r>
-            <a:r>
-              <a:rPr lang="ro-RO" sz="2800" spc="5" dirty="0">
-                <a:effectLst/>
-                <a:latin typeface="Times New Roman" panose="02020603050405020304" pitchFamily="18" charset="0"/>
-                <a:ea typeface="Times New Roman" panose="02020603050405020304" pitchFamily="18" charset="0"/>
-              </a:rPr>
-              <a:t> </a:t>
-            </a:r>
-            <a:r>
-              <a:rPr lang="ro-RO" sz="2800" dirty="0">
-                <a:effectLst/>
-                <a:latin typeface="Times New Roman" panose="02020603050405020304" pitchFamily="18" charset="0"/>
-                <a:ea typeface="Times New Roman" panose="02020603050405020304" pitchFamily="18" charset="0"/>
-              </a:rPr>
-              <a:t>definirea structurilor de date , în special a schemelor de baze de date . Exemple obișnuite de</a:t>
-            </a:r>
-            <a:r>
-              <a:rPr lang="ro-RO" sz="2800" spc="5" dirty="0">
-                <a:effectLst/>
-                <a:latin typeface="Times New Roman" panose="02020603050405020304" pitchFamily="18" charset="0"/>
-                <a:ea typeface="Times New Roman" panose="02020603050405020304" pitchFamily="18" charset="0"/>
-              </a:rPr>
-              <a:t> </a:t>
-            </a:r>
-            <a:r>
-              <a:rPr lang="ro-RO" sz="2800" dirty="0">
-                <a:effectLst/>
-                <a:latin typeface="Times New Roman" panose="02020603050405020304" pitchFamily="18" charset="0"/>
-                <a:ea typeface="Times New Roman" panose="02020603050405020304" pitchFamily="18" charset="0"/>
-              </a:rPr>
-              <a:t>DDL</a:t>
-            </a:r>
-            <a:r>
-              <a:rPr lang="ro-RO" sz="2800" spc="-10" dirty="0">
-                <a:effectLst/>
-                <a:latin typeface="Times New Roman" panose="02020603050405020304" pitchFamily="18" charset="0"/>
-                <a:ea typeface="Times New Roman" panose="02020603050405020304" pitchFamily="18" charset="0"/>
-              </a:rPr>
-              <a:t> </a:t>
-            </a:r>
-            <a:r>
-              <a:rPr lang="ro-RO" sz="2800" dirty="0">
-                <a:effectLst/>
-                <a:latin typeface="Times New Roman" panose="02020603050405020304" pitchFamily="18" charset="0"/>
-                <a:ea typeface="Times New Roman" panose="02020603050405020304" pitchFamily="18" charset="0"/>
-              </a:rPr>
-              <a:t>includ</a:t>
-            </a:r>
-            <a:r>
-              <a:rPr lang="ro-RO" sz="2800" spc="5" dirty="0">
-                <a:effectLst/>
-                <a:latin typeface="Times New Roman" panose="02020603050405020304" pitchFamily="18" charset="0"/>
-                <a:ea typeface="Times New Roman" panose="02020603050405020304" pitchFamily="18" charset="0"/>
-              </a:rPr>
-              <a:t> </a:t>
-            </a:r>
-            <a:r>
-              <a:rPr lang="ro-RO" sz="2800" dirty="0">
-                <a:effectLst/>
-                <a:latin typeface="Times New Roman" panose="02020603050405020304" pitchFamily="18" charset="0"/>
-                <a:ea typeface="Times New Roman" panose="02020603050405020304" pitchFamily="18" charset="0"/>
-              </a:rPr>
-              <a:t>CREATE,</a:t>
-            </a:r>
-            <a:r>
-              <a:rPr lang="ro-RO" sz="2800" spc="20" dirty="0">
-                <a:effectLst/>
-                <a:latin typeface="Times New Roman" panose="02020603050405020304" pitchFamily="18" charset="0"/>
-                <a:ea typeface="Times New Roman" panose="02020603050405020304" pitchFamily="18" charset="0"/>
-              </a:rPr>
-              <a:t> </a:t>
-            </a:r>
-            <a:r>
-              <a:rPr lang="ro-RO" sz="2800" dirty="0">
-                <a:effectLst/>
-                <a:latin typeface="Times New Roman" panose="02020603050405020304" pitchFamily="18" charset="0"/>
-                <a:ea typeface="Times New Roman" panose="02020603050405020304" pitchFamily="18" charset="0"/>
-              </a:rPr>
-              <a:t>ALTER</a:t>
-            </a:r>
-            <a:r>
-              <a:rPr lang="ro-RO" sz="2800" spc="20" dirty="0">
-                <a:effectLst/>
-                <a:latin typeface="Times New Roman" panose="02020603050405020304" pitchFamily="18" charset="0"/>
-                <a:ea typeface="Times New Roman" panose="02020603050405020304" pitchFamily="18" charset="0"/>
-              </a:rPr>
-              <a:t> </a:t>
-            </a:r>
-            <a:r>
-              <a:rPr lang="ro-RO" sz="2800" dirty="0">
-                <a:effectLst/>
-                <a:latin typeface="Times New Roman" panose="02020603050405020304" pitchFamily="18" charset="0"/>
-                <a:ea typeface="Times New Roman" panose="02020603050405020304" pitchFamily="18" charset="0"/>
-              </a:rPr>
-              <a:t>și</a:t>
-            </a:r>
-            <a:r>
-              <a:rPr lang="ro-RO" sz="2800" spc="-25" dirty="0">
-                <a:effectLst/>
-                <a:latin typeface="Times New Roman" panose="02020603050405020304" pitchFamily="18" charset="0"/>
-                <a:ea typeface="Times New Roman" panose="02020603050405020304" pitchFamily="18" charset="0"/>
-              </a:rPr>
-              <a:t> </a:t>
-            </a:r>
-            <a:r>
-              <a:rPr lang="ro-RO" sz="2800" dirty="0">
-                <a:effectLst/>
-                <a:latin typeface="Times New Roman" panose="02020603050405020304" pitchFamily="18" charset="0"/>
-                <a:ea typeface="Times New Roman" panose="02020603050405020304" pitchFamily="18" charset="0"/>
-              </a:rPr>
-              <a:t>DROP.</a:t>
-            </a:r>
-            <a:endParaRPr lang="ru-RU" sz="2800" dirty="0">
-              <a:effectLst/>
-              <a:latin typeface="Times New Roman" panose="02020603050405020304" pitchFamily="18" charset="0"/>
-              <a:ea typeface="Times New Roman" panose="02020603050405020304" pitchFamily="18" charset="0"/>
-            </a:endParaRPr>
-          </a:p>
-          <a:p>
-            <a:endParaRPr lang="ru-RU" sz="2800" dirty="0"/>
-          </a:p>
-        </p:txBody>
-      </p:sp>
-    </p:spTree>
-    <p:extLst>
-      <p:ext uri="{BB962C8B-B14F-4D97-AF65-F5344CB8AC3E}">
-        <p14:creationId xmlns:p14="http://schemas.microsoft.com/office/powerpoint/2010/main" val="1216597556"/>
-      </p:ext>
-    </p:extLst>
-  </p:cSld>
-  <p:clrMapOvr>
-    <a:masterClrMapping/>
-  </p:clrMapOvr>
-</p:sld>
-</file>
-
-<file path=ppt/slides/slide20.xml><?xml version="1.0" encoding="utf-8"?>
+<file path=ppt/slides/slide21.xml><?xml version="1.0" encoding="utf-8"?>
 <p:sld xmlns:a="http://schemas.openxmlformats.org/drawingml/2006/main" xmlns:r="http://schemas.openxmlformats.org/officeDocument/2006/relationships" xmlns:p="http://schemas.openxmlformats.org/presentationml/2006/main">
   <p:cSld>
     <p:spTree>
@@ -6339,7 +6495,7 @@
 </p:sld>
 </file>
 
-<file path=ppt/slides/slide21.xml><?xml version="1.0" encoding="utf-8"?>
+<file path=ppt/slides/slide22.xml><?xml version="1.0" encoding="utf-8"?>
 <p:sld xmlns:a="http://schemas.openxmlformats.org/drawingml/2006/main" xmlns:r="http://schemas.openxmlformats.org/officeDocument/2006/relationships" xmlns:p="http://schemas.openxmlformats.org/presentationml/2006/main">
   <p:cSld>
     <p:spTree>
@@ -6449,7 +6605,7 @@
 </p:sld>
 </file>
 
-<file path=ppt/slides/slide22.xml><?xml version="1.0" encoding="utf-8"?>
+<file path=ppt/slides/slide23.xml><?xml version="1.0" encoding="utf-8"?>
 <p:sld xmlns:a="http://schemas.openxmlformats.org/drawingml/2006/main" xmlns:r="http://schemas.openxmlformats.org/officeDocument/2006/relationships" xmlns:p="http://schemas.openxmlformats.org/presentationml/2006/main">
   <p:cSld>
     <p:spTree>
@@ -6511,7 +6667,7 @@
 </p:sld>
 </file>
 
-<file path=ppt/slides/slide23.xml><?xml version="1.0" encoding="utf-8"?>
+<file path=ppt/slides/slide24.xml><?xml version="1.0" encoding="utf-8"?>
 <p:sld xmlns:a="http://schemas.openxmlformats.org/drawingml/2006/main" xmlns:r="http://schemas.openxmlformats.org/officeDocument/2006/relationships" xmlns:p="http://schemas.openxmlformats.org/presentationml/2006/main">
   <p:cSld>
     <p:spTree>
@@ -6663,7 +6819,7 @@
 </p:sld>
 </file>
 
-<file path=ppt/slides/slide24.xml><?xml version="1.0" encoding="utf-8"?>
+<file path=ppt/slides/slide25.xml><?xml version="1.0" encoding="utf-8"?>
 <p:sld xmlns:a="http://schemas.openxmlformats.org/drawingml/2006/main" xmlns:r="http://schemas.openxmlformats.org/officeDocument/2006/relationships" xmlns:p="http://schemas.openxmlformats.org/presentationml/2006/main">
   <p:cSld>
     <p:spTree>
@@ -6785,7 +6941,7 @@
 </p:sld>
 </file>
 
-<file path=ppt/slides/slide25.xml><?xml version="1.0" encoding="utf-8"?>
+<file path=ppt/slides/slide26.xml><?xml version="1.0" encoding="utf-8"?>
 <p:sld xmlns:a="http://schemas.openxmlformats.org/drawingml/2006/main" xmlns:r="http://schemas.openxmlformats.org/officeDocument/2006/relationships" xmlns:p="http://schemas.openxmlformats.org/presentationml/2006/main">
   <p:cSld>
     <p:spTree>
@@ -6847,7 +7003,7 @@
 </p:sld>
 </file>
 
-<file path=ppt/slides/slide26.xml><?xml version="1.0" encoding="utf-8"?>
+<file path=ppt/slides/slide27.xml><?xml version="1.0" encoding="utf-8"?>
 <p:sld xmlns:a="http://schemas.openxmlformats.org/drawingml/2006/main" xmlns:r="http://schemas.openxmlformats.org/officeDocument/2006/relationships" xmlns:p="http://schemas.openxmlformats.org/presentationml/2006/main">
   <p:cSld>
     <p:spTree>
@@ -7748,7 +7904,7 @@
 </p:sld>
 </file>
 
-<file path=ppt/slides/slide27.xml><?xml version="1.0" encoding="utf-8"?>
+<file path=ppt/slides/slide28.xml><?xml version="1.0" encoding="utf-8"?>
 <p:sld xmlns:a="http://schemas.openxmlformats.org/drawingml/2006/main" xmlns:r="http://schemas.openxmlformats.org/officeDocument/2006/relationships" xmlns:p="http://schemas.openxmlformats.org/presentationml/2006/main">
   <p:cSld>
     <p:spTree>
@@ -8824,7 +8980,7 @@
 </p:sld>
 </file>
 
-<file path=ppt/slides/slide28.xml><?xml version="1.0" encoding="utf-8"?>
+<file path=ppt/slides/slide29.xml><?xml version="1.0" encoding="utf-8"?>
 <p:sld xmlns:a="http://schemas.openxmlformats.org/drawingml/2006/main" xmlns:r="http://schemas.openxmlformats.org/officeDocument/2006/relationships" xmlns:p="http://schemas.openxmlformats.org/presentationml/2006/main">
   <p:cSld>
     <p:spTree>

--- a/BD/BD Proiect.pptx
+++ b/BD/BD Proiect.pptx
@@ -6,34 +6,32 @@
   </p:sldMasterIdLst>
   <p:sldIdLst>
     <p:sldId id="256" r:id="rId2"/>
-    <p:sldId id="257" r:id="rId3"/>
-    <p:sldId id="258" r:id="rId4"/>
-    <p:sldId id="259" r:id="rId5"/>
-    <p:sldId id="260" r:id="rId6"/>
-    <p:sldId id="261" r:id="rId7"/>
-    <p:sldId id="262" r:id="rId8"/>
-    <p:sldId id="263" r:id="rId9"/>
-    <p:sldId id="264" r:id="rId10"/>
-    <p:sldId id="265" r:id="rId11"/>
-    <p:sldId id="266" r:id="rId12"/>
-    <p:sldId id="267" r:id="rId13"/>
-    <p:sldId id="268" r:id="rId14"/>
-    <p:sldId id="269" r:id="rId15"/>
-    <p:sldId id="270" r:id="rId16"/>
-    <p:sldId id="271" r:id="rId17"/>
-    <p:sldId id="284" r:id="rId18"/>
-    <p:sldId id="272" r:id="rId19"/>
-    <p:sldId id="273" r:id="rId20"/>
-    <p:sldId id="274" r:id="rId21"/>
-    <p:sldId id="275" r:id="rId22"/>
-    <p:sldId id="276" r:id="rId23"/>
-    <p:sldId id="277" r:id="rId24"/>
-    <p:sldId id="278" r:id="rId25"/>
-    <p:sldId id="279" r:id="rId26"/>
-    <p:sldId id="280" r:id="rId27"/>
-    <p:sldId id="281" r:id="rId28"/>
-    <p:sldId id="282" r:id="rId29"/>
-    <p:sldId id="283" r:id="rId30"/>
+    <p:sldId id="259" r:id="rId3"/>
+    <p:sldId id="260" r:id="rId4"/>
+    <p:sldId id="261" r:id="rId5"/>
+    <p:sldId id="262" r:id="rId6"/>
+    <p:sldId id="263" r:id="rId7"/>
+    <p:sldId id="264" r:id="rId8"/>
+    <p:sldId id="265" r:id="rId9"/>
+    <p:sldId id="266" r:id="rId10"/>
+    <p:sldId id="267" r:id="rId11"/>
+    <p:sldId id="268" r:id="rId12"/>
+    <p:sldId id="269" r:id="rId13"/>
+    <p:sldId id="270" r:id="rId14"/>
+    <p:sldId id="271" r:id="rId15"/>
+    <p:sldId id="284" r:id="rId16"/>
+    <p:sldId id="272" r:id="rId17"/>
+    <p:sldId id="273" r:id="rId18"/>
+    <p:sldId id="274" r:id="rId19"/>
+    <p:sldId id="275" r:id="rId20"/>
+    <p:sldId id="276" r:id="rId21"/>
+    <p:sldId id="277" r:id="rId22"/>
+    <p:sldId id="278" r:id="rId23"/>
+    <p:sldId id="279" r:id="rId24"/>
+    <p:sldId id="280" r:id="rId25"/>
+    <p:sldId id="281" r:id="rId26"/>
+    <p:sldId id="282" r:id="rId27"/>
+    <p:sldId id="283" r:id="rId28"/>
   </p:sldIdLst>
   <p:sldSz cx="12192000" cy="6858000"/>
   <p:notesSz cx="6858000" cy="9144000"/>
@@ -309,7 +307,7 @@
           <a:p>
             <a:fld id="{C4B83D44-4220-49C1-AD43-A8AAEB850BC9}" type="datetimeFigureOut">
               <a:rPr lang="ru-RU" smtClean="0"/>
-              <a:t>19.12.2021</a:t>
+              <a:t>20.12.2021</a:t>
             </a:fld>
             <a:endParaRPr lang="ru-RU"/>
           </a:p>
@@ -639,7 +637,7 @@
           <a:p>
             <a:fld id="{C4B83D44-4220-49C1-AD43-A8AAEB850BC9}" type="datetimeFigureOut">
               <a:rPr lang="ru-RU" smtClean="0"/>
-              <a:t>19.12.2021</a:t>
+              <a:t>20.12.2021</a:t>
             </a:fld>
             <a:endParaRPr lang="ru-RU"/>
           </a:p>
@@ -819,7 +817,7 @@
           <a:p>
             <a:fld id="{C4B83D44-4220-49C1-AD43-A8AAEB850BC9}" type="datetimeFigureOut">
               <a:rPr lang="ru-RU" smtClean="0"/>
-              <a:t>19.12.2021</a:t>
+              <a:t>20.12.2021</a:t>
             </a:fld>
             <a:endParaRPr lang="ru-RU"/>
           </a:p>
@@ -989,7 +987,7 @@
           <a:p>
             <a:fld id="{C4B83D44-4220-49C1-AD43-A8AAEB850BC9}" type="datetimeFigureOut">
               <a:rPr lang="ru-RU" smtClean="0"/>
-              <a:t>19.12.2021</a:t>
+              <a:t>20.12.2021</a:t>
             </a:fld>
             <a:endParaRPr lang="ru-RU"/>
           </a:p>
@@ -1266,7 +1264,7 @@
           <a:p>
             <a:fld id="{C4B83D44-4220-49C1-AD43-A8AAEB850BC9}" type="datetimeFigureOut">
               <a:rPr lang="ru-RU" smtClean="0"/>
-              <a:t>19.12.2021</a:t>
+              <a:t>20.12.2021</a:t>
             </a:fld>
             <a:endParaRPr lang="ru-RU"/>
           </a:p>
@@ -1660,7 +1658,7 @@
           <a:p>
             <a:fld id="{C4B83D44-4220-49C1-AD43-A8AAEB850BC9}" type="datetimeFigureOut">
               <a:rPr lang="ru-RU" smtClean="0"/>
-              <a:t>19.12.2021</a:t>
+              <a:t>20.12.2021</a:t>
             </a:fld>
             <a:endParaRPr lang="ru-RU"/>
           </a:p>
@@ -2137,7 +2135,7 @@
           <a:p>
             <a:fld id="{C4B83D44-4220-49C1-AD43-A8AAEB850BC9}" type="datetimeFigureOut">
               <a:rPr lang="ru-RU" smtClean="0"/>
-              <a:t>19.12.2021</a:t>
+              <a:t>20.12.2021</a:t>
             </a:fld>
             <a:endParaRPr lang="ru-RU"/>
           </a:p>
@@ -2255,7 +2253,7 @@
           <a:p>
             <a:fld id="{C4B83D44-4220-49C1-AD43-A8AAEB850BC9}" type="datetimeFigureOut">
               <a:rPr lang="ru-RU" smtClean="0"/>
-              <a:t>19.12.2021</a:t>
+              <a:t>20.12.2021</a:t>
             </a:fld>
             <a:endParaRPr lang="ru-RU"/>
           </a:p>
@@ -2350,7 +2348,7 @@
           <a:p>
             <a:fld id="{C4B83D44-4220-49C1-AD43-A8AAEB850BC9}" type="datetimeFigureOut">
               <a:rPr lang="ru-RU" smtClean="0"/>
-              <a:t>19.12.2021</a:t>
+              <a:t>20.12.2021</a:t>
             </a:fld>
             <a:endParaRPr lang="ru-RU"/>
           </a:p>
@@ -2696,7 +2694,7 @@
           <a:p>
             <a:fld id="{C4B83D44-4220-49C1-AD43-A8AAEB850BC9}" type="datetimeFigureOut">
               <a:rPr lang="ru-RU" smtClean="0"/>
-              <a:t>19.12.2021</a:t>
+              <a:t>20.12.2021</a:t>
             </a:fld>
             <a:endParaRPr lang="ru-RU"/>
           </a:p>
@@ -3084,7 +3082,7 @@
           <a:p>
             <a:fld id="{C4B83D44-4220-49C1-AD43-A8AAEB850BC9}" type="datetimeFigureOut">
               <a:rPr lang="ru-RU" smtClean="0"/>
-              <a:t>19.12.2021</a:t>
+              <a:t>20.12.2021</a:t>
             </a:fld>
             <a:endParaRPr lang="ru-RU"/>
           </a:p>
@@ -3362,7 +3360,7 @@
           <a:p>
             <a:fld id="{C4B83D44-4220-49C1-AD43-A8AAEB850BC9}" type="datetimeFigureOut">
               <a:rPr lang="ru-RU" smtClean="0"/>
-              <a:t>19.12.2021</a:t>
+              <a:t>20.12.2021</a:t>
             </a:fld>
             <a:endParaRPr lang="ru-RU"/>
           </a:p>
@@ -4058,365 +4056,6 @@
       </p:grpSpPr>
       <p:pic>
         <p:nvPicPr>
-          <p:cNvPr id="5" name="Picture 17">
-            <a:extLst>
-              <a:ext uri="{FF2B5EF4-FFF2-40B4-BE49-F238E27FC236}">
-                <a16:creationId xmlns:a16="http://schemas.microsoft.com/office/drawing/2014/main" id="{E908B59B-70E4-46CF-A8AC-789AEAF9ABC5}"/>
-              </a:ext>
-            </a:extLst>
-          </p:cNvPr>
-          <p:cNvPicPr>
-            <a:picLocks noGrp="1" noChangeAspect="1"/>
-          </p:cNvPicPr>
-          <p:nvPr>
-            <p:ph idx="1"/>
-          </p:nvPr>
-        </p:nvPicPr>
-        <p:blipFill>
-          <a:blip r:embed="rId2">
-            <a:extLst>
-              <a:ext uri="{28A0092B-C50C-407E-A947-70E740481C1C}">
-                <a14:useLocalDpi xmlns:a14="http://schemas.microsoft.com/office/drawing/2010/main" val="0"/>
-              </a:ext>
-            </a:extLst>
-          </a:blip>
-          <a:srcRect/>
-          <a:stretch>
-            <a:fillRect/>
-          </a:stretch>
-        </p:blipFill>
-        <p:spPr bwMode="auto">
-          <a:xfrm>
-            <a:off x="841520" y="344904"/>
-            <a:ext cx="3235623" cy="4352925"/>
-          </a:xfrm>
-          <a:prstGeom prst="rect">
-            <a:avLst/>
-          </a:prstGeom>
-          <a:noFill/>
-          <a:ln>
-            <a:noFill/>
-          </a:ln>
-        </p:spPr>
-      </p:pic>
-      <p:pic>
-        <p:nvPicPr>
-          <p:cNvPr id="6" name="Picture 1">
-            <a:extLst>
-              <a:ext uri="{FF2B5EF4-FFF2-40B4-BE49-F238E27FC236}">
-                <a16:creationId xmlns:a16="http://schemas.microsoft.com/office/drawing/2014/main" id="{7D9FBAF3-F7E4-4DF1-B524-8C9507408750}"/>
-              </a:ext>
-            </a:extLst>
-          </p:cNvPr>
-          <p:cNvPicPr>
-            <a:picLocks noChangeAspect="1"/>
-          </p:cNvPicPr>
-          <p:nvPr/>
-        </p:nvPicPr>
-        <p:blipFill>
-          <a:blip r:embed="rId3"/>
-          <a:stretch>
-            <a:fillRect/>
-          </a:stretch>
-        </p:blipFill>
-        <p:spPr>
-          <a:xfrm>
-            <a:off x="4468663" y="344904"/>
-            <a:ext cx="3486150" cy="4029075"/>
-          </a:xfrm>
-          <a:prstGeom prst="rect">
-            <a:avLst/>
-          </a:prstGeom>
-        </p:spPr>
-      </p:pic>
-      <p:pic>
-        <p:nvPicPr>
-          <p:cNvPr id="7" name="Picture 2">
-            <a:extLst>
-              <a:ext uri="{FF2B5EF4-FFF2-40B4-BE49-F238E27FC236}">
-                <a16:creationId xmlns:a16="http://schemas.microsoft.com/office/drawing/2014/main" id="{D1D39442-3E6E-4014-82EB-9FE03AF298C4}"/>
-              </a:ext>
-            </a:extLst>
-          </p:cNvPr>
-          <p:cNvPicPr>
-            <a:picLocks noChangeAspect="1"/>
-          </p:cNvPicPr>
-          <p:nvPr/>
-        </p:nvPicPr>
-        <p:blipFill>
-          <a:blip r:embed="rId4"/>
-          <a:stretch>
-            <a:fillRect/>
-          </a:stretch>
-        </p:blipFill>
-        <p:spPr>
-          <a:xfrm>
-            <a:off x="8346334" y="344905"/>
-            <a:ext cx="3467100" cy="4352925"/>
-          </a:xfrm>
-          <a:prstGeom prst="rect">
-            <a:avLst/>
-          </a:prstGeom>
-        </p:spPr>
-      </p:pic>
-    </p:spTree>
-    <p:extLst>
-      <p:ext uri="{BB962C8B-B14F-4D97-AF65-F5344CB8AC3E}">
-        <p14:creationId xmlns:p14="http://schemas.microsoft.com/office/powerpoint/2010/main" val="3729711997"/>
-      </p:ext>
-    </p:extLst>
-  </p:cSld>
-  <p:clrMapOvr>
-    <a:masterClrMapping/>
-  </p:clrMapOvr>
-</p:sld>
-</file>
-
-<file path=ppt/slides/slide11.xml><?xml version="1.0" encoding="utf-8"?>
-<p:sld xmlns:a="http://schemas.openxmlformats.org/drawingml/2006/main" xmlns:r="http://schemas.openxmlformats.org/officeDocument/2006/relationships" xmlns:p="http://schemas.openxmlformats.org/presentationml/2006/main">
-  <p:cSld>
-    <p:spTree>
-      <p:nvGrpSpPr>
-        <p:cNvPr id="1" name=""/>
-        <p:cNvGrpSpPr/>
-        <p:nvPr/>
-      </p:nvGrpSpPr>
-      <p:grpSpPr>
-        <a:xfrm>
-          <a:off x="0" y="0"/>
-          <a:ext cx="0" cy="0"/>
-          <a:chOff x="0" y="0"/>
-          <a:chExt cx="0" cy="0"/>
-        </a:xfrm>
-      </p:grpSpPr>
-      <p:sp>
-        <p:nvSpPr>
-          <p:cNvPr id="2" name="Заголовок 1">
-            <a:extLst>
-              <a:ext uri="{FF2B5EF4-FFF2-40B4-BE49-F238E27FC236}">
-                <a16:creationId xmlns:a16="http://schemas.microsoft.com/office/drawing/2014/main" id="{DECB42DC-FED0-46C6-918F-D6916D905816}"/>
-              </a:ext>
-            </a:extLst>
-          </p:cNvPr>
-          <p:cNvSpPr>
-            <a:spLocks noGrp="1"/>
-          </p:cNvSpPr>
-          <p:nvPr>
-            <p:ph type="title"/>
-          </p:nvPr>
-        </p:nvSpPr>
-        <p:spPr>
-          <a:xfrm>
-            <a:off x="1371600" y="685800"/>
-            <a:ext cx="9601200" cy="741947"/>
-          </a:xfrm>
-        </p:spPr>
-        <p:txBody>
-          <a:bodyPr/>
-          <a:lstStyle/>
-          <a:p>
-            <a:r>
-              <a:rPr lang="en-US" dirty="0" err="1"/>
-              <a:t>Crearea</a:t>
-            </a:r>
-            <a:r>
-              <a:rPr lang="en-US" dirty="0"/>
-              <a:t> </a:t>
-            </a:r>
-            <a:r>
-              <a:rPr lang="en-US" dirty="0" err="1"/>
-              <a:t>si</a:t>
-            </a:r>
-            <a:r>
-              <a:rPr lang="en-US" dirty="0"/>
-              <a:t> </a:t>
-            </a:r>
-            <a:r>
-              <a:rPr lang="en-US" dirty="0" err="1"/>
-              <a:t>gestionarea</a:t>
-            </a:r>
-            <a:r>
-              <a:rPr lang="en-US" dirty="0"/>
-              <a:t> </a:t>
-            </a:r>
-            <a:r>
-              <a:rPr lang="en-US" dirty="0" err="1"/>
-              <a:t>interogarilor</a:t>
-            </a:r>
-            <a:r>
-              <a:rPr lang="en-US" dirty="0"/>
-              <a:t> SQL</a:t>
-            </a:r>
-            <a:endParaRPr lang="ru-RU" dirty="0"/>
-          </a:p>
-        </p:txBody>
-      </p:sp>
-      <p:pic>
-        <p:nvPicPr>
-          <p:cNvPr id="4" name="Picture 21">
-            <a:extLst>
-              <a:ext uri="{FF2B5EF4-FFF2-40B4-BE49-F238E27FC236}">
-                <a16:creationId xmlns:a16="http://schemas.microsoft.com/office/drawing/2014/main" id="{0F8F9FE6-9174-4528-900C-217D49B92399}"/>
-              </a:ext>
-            </a:extLst>
-          </p:cNvPr>
-          <p:cNvPicPr>
-            <a:picLocks noGrp="1" noChangeAspect="1"/>
-          </p:cNvPicPr>
-          <p:nvPr>
-            <p:ph idx="1"/>
-          </p:nvPr>
-        </p:nvPicPr>
-        <p:blipFill rotWithShape="1">
-          <a:blip r:embed="rId2">
-            <a:extLst>
-              <a:ext uri="{28A0092B-C50C-407E-A947-70E740481C1C}">
-                <a14:useLocalDpi xmlns:a14="http://schemas.microsoft.com/office/drawing/2010/main" val="0"/>
-              </a:ext>
-            </a:extLst>
-          </a:blip>
-          <a:srcRect t="1274"/>
-          <a:stretch/>
-        </p:blipFill>
-        <p:spPr bwMode="auto">
-          <a:xfrm>
-            <a:off x="1371600" y="1836821"/>
-            <a:ext cx="5109411" cy="4451322"/>
-          </a:xfrm>
-          <a:prstGeom prst="rect">
-            <a:avLst/>
-          </a:prstGeom>
-          <a:noFill/>
-          <a:ln>
-            <a:noFill/>
-          </a:ln>
-          <a:extLst>
-            <a:ext uri="{53640926-AAD7-44D8-BBD7-CCE9431645EC}">
-              <a14:shadowObscured xmlns:a14="http://schemas.microsoft.com/office/drawing/2010/main"/>
-            </a:ext>
-          </a:extLst>
-        </p:spPr>
-      </p:pic>
-      <p:pic>
-        <p:nvPicPr>
-          <p:cNvPr id="5" name="Picture 22">
-            <a:extLst>
-              <a:ext uri="{FF2B5EF4-FFF2-40B4-BE49-F238E27FC236}">
-                <a16:creationId xmlns:a16="http://schemas.microsoft.com/office/drawing/2014/main" id="{BD1E5411-2543-4835-8F4A-7798166D3F61}"/>
-              </a:ext>
-            </a:extLst>
-          </p:cNvPr>
-          <p:cNvPicPr>
-            <a:picLocks noChangeAspect="1"/>
-          </p:cNvPicPr>
-          <p:nvPr/>
-        </p:nvPicPr>
-        <p:blipFill rotWithShape="1">
-          <a:blip r:embed="rId3">
-            <a:extLst>
-              <a:ext uri="{28A0092B-C50C-407E-A947-70E740481C1C}">
-                <a14:useLocalDpi xmlns:a14="http://schemas.microsoft.com/office/drawing/2010/main" val="0"/>
-              </a:ext>
-            </a:extLst>
-          </a:blip>
-          <a:srcRect t="3603"/>
-          <a:stretch/>
-        </p:blipFill>
-        <p:spPr bwMode="auto">
-          <a:xfrm>
-            <a:off x="7826041" y="1836821"/>
-            <a:ext cx="3114675" cy="2038350"/>
-          </a:xfrm>
-          <a:prstGeom prst="rect">
-            <a:avLst/>
-          </a:prstGeom>
-          <a:noFill/>
-          <a:ln>
-            <a:noFill/>
-          </a:ln>
-          <a:extLst>
-            <a:ext uri="{53640926-AAD7-44D8-BBD7-CCE9431645EC}">
-              <a14:shadowObscured xmlns:a14="http://schemas.microsoft.com/office/drawing/2010/main"/>
-            </a:ext>
-          </a:extLst>
-        </p:spPr>
-      </p:pic>
-      <p:pic>
-        <p:nvPicPr>
-          <p:cNvPr id="6" name="Picture 24">
-            <a:extLst>
-              <a:ext uri="{FF2B5EF4-FFF2-40B4-BE49-F238E27FC236}">
-                <a16:creationId xmlns:a16="http://schemas.microsoft.com/office/drawing/2014/main" id="{25898DE5-D101-4633-B867-F7BCB9B75CFA}"/>
-              </a:ext>
-            </a:extLst>
-          </p:cNvPr>
-          <p:cNvPicPr>
-            <a:picLocks noChangeAspect="1"/>
-          </p:cNvPicPr>
-          <p:nvPr/>
-        </p:nvPicPr>
-        <p:blipFill rotWithShape="1">
-          <a:blip r:embed="rId4">
-            <a:extLst>
-              <a:ext uri="{28A0092B-C50C-407E-A947-70E740481C1C}">
-                <a14:useLocalDpi xmlns:a14="http://schemas.microsoft.com/office/drawing/2010/main" val="0"/>
-              </a:ext>
-            </a:extLst>
-          </a:blip>
-          <a:srcRect t="3955"/>
-          <a:stretch/>
-        </p:blipFill>
-        <p:spPr bwMode="auto">
-          <a:xfrm>
-            <a:off x="7597440" y="4328361"/>
-            <a:ext cx="3571875" cy="1619250"/>
-          </a:xfrm>
-          <a:prstGeom prst="rect">
-            <a:avLst/>
-          </a:prstGeom>
-          <a:noFill/>
-          <a:ln>
-            <a:noFill/>
-          </a:ln>
-          <a:extLst>
-            <a:ext uri="{53640926-AAD7-44D8-BBD7-CCE9431645EC}">
-              <a14:shadowObscured xmlns:a14="http://schemas.microsoft.com/office/drawing/2010/main"/>
-            </a:ext>
-          </a:extLst>
-        </p:spPr>
-      </p:pic>
-    </p:spTree>
-    <p:extLst>
-      <p:ext uri="{BB962C8B-B14F-4D97-AF65-F5344CB8AC3E}">
-        <p14:creationId xmlns:p14="http://schemas.microsoft.com/office/powerpoint/2010/main" val="378834972"/>
-      </p:ext>
-    </p:extLst>
-  </p:cSld>
-  <p:clrMapOvr>
-    <a:masterClrMapping/>
-  </p:clrMapOvr>
-</p:sld>
-</file>
-
-<file path=ppt/slides/slide12.xml><?xml version="1.0" encoding="utf-8"?>
-<p:sld xmlns:a="http://schemas.openxmlformats.org/drawingml/2006/main" xmlns:r="http://schemas.openxmlformats.org/officeDocument/2006/relationships" xmlns:p="http://schemas.openxmlformats.org/presentationml/2006/main">
-  <p:cSld>
-    <p:spTree>
-      <p:nvGrpSpPr>
-        <p:cNvPr id="1" name=""/>
-        <p:cNvGrpSpPr/>
-        <p:nvPr/>
-      </p:nvGrpSpPr>
-      <p:grpSpPr>
-        <a:xfrm>
-          <a:off x="0" y="0"/>
-          <a:ext cx="0" cy="0"/>
-          <a:chOff x="0" y="0"/>
-          <a:chExt cx="0" cy="0"/>
-        </a:xfrm>
-      </p:grpSpPr>
-      <p:pic>
-        <p:nvPicPr>
           <p:cNvPr id="4" name="Picture 20">
             <a:extLst>
               <a:ext uri="{FF2B5EF4-FFF2-40B4-BE49-F238E27FC236}">
@@ -4606,7 +4245,7 @@
 </p:sld>
 </file>
 
-<file path=ppt/slides/slide13.xml><?xml version="1.0" encoding="utf-8"?>
+<file path=ppt/slides/slide11.xml><?xml version="1.0" encoding="utf-8"?>
 <p:sld xmlns:a="http://schemas.openxmlformats.org/drawingml/2006/main" xmlns:r="http://schemas.openxmlformats.org/officeDocument/2006/relationships" xmlns:p="http://schemas.openxmlformats.org/presentationml/2006/main">
   <p:cSld>
     <p:spTree>
@@ -4811,7 +4450,7 @@
 </p:sld>
 </file>
 
-<file path=ppt/slides/slide14.xml><?xml version="1.0" encoding="utf-8"?>
+<file path=ppt/slides/slide12.xml><?xml version="1.0" encoding="utf-8"?>
 <p:sld xmlns:a="http://schemas.openxmlformats.org/drawingml/2006/main" xmlns:r="http://schemas.openxmlformats.org/officeDocument/2006/relationships" xmlns:p="http://schemas.openxmlformats.org/presentationml/2006/main">
   <p:cSld>
     <p:spTree>
@@ -4885,7 +4524,7 @@
 </p:sld>
 </file>
 
-<file path=ppt/slides/slide15.xml><?xml version="1.0" encoding="utf-8"?>
+<file path=ppt/slides/slide13.xml><?xml version="1.0" encoding="utf-8"?>
 <p:sld xmlns:a="http://schemas.openxmlformats.org/drawingml/2006/main" xmlns:r="http://schemas.openxmlformats.org/officeDocument/2006/relationships" xmlns:p="http://schemas.openxmlformats.org/presentationml/2006/main">
   <p:cSld>
     <p:spTree>
@@ -5021,7 +4660,7 @@
 </p:sld>
 </file>
 
-<file path=ppt/slides/slide16.xml><?xml version="1.0" encoding="utf-8"?>
+<file path=ppt/slides/slide14.xml><?xml version="1.0" encoding="utf-8"?>
 <p:sld xmlns:a="http://schemas.openxmlformats.org/drawingml/2006/main" xmlns:r="http://schemas.openxmlformats.org/officeDocument/2006/relationships" xmlns:p="http://schemas.openxmlformats.org/presentationml/2006/main">
   <p:cSld>
     <p:spTree>
@@ -5156,7 +4795,7 @@
 </p:sld>
 </file>
 
-<file path=ppt/slides/slide17.xml><?xml version="1.0" encoding="utf-8"?>
+<file path=ppt/slides/slide15.xml><?xml version="1.0" encoding="utf-8"?>
 <p:sld xmlns:a="http://schemas.openxmlformats.org/drawingml/2006/main" xmlns:r="http://schemas.openxmlformats.org/officeDocument/2006/relationships" xmlns:p="http://schemas.openxmlformats.org/presentationml/2006/main">
   <p:cSld>
     <p:spTree>
@@ -5306,7 +4945,7 @@
 </p:sld>
 </file>
 
-<file path=ppt/slides/slide18.xml><?xml version="1.0" encoding="utf-8"?>
+<file path=ppt/slides/slide16.xml><?xml version="1.0" encoding="utf-8"?>
 <p:sld xmlns:a="http://schemas.openxmlformats.org/drawingml/2006/main" xmlns:r="http://schemas.openxmlformats.org/officeDocument/2006/relationships" xmlns:p="http://schemas.openxmlformats.org/presentationml/2006/main">
   <p:cSld>
     <p:spTree>
@@ -5462,7 +5101,7 @@
 </p:sld>
 </file>
 
-<file path=ppt/slides/slide19.xml><?xml version="1.0" encoding="utf-8"?>
+<file path=ppt/slides/slide17.xml><?xml version="1.0" encoding="utf-8"?>
 <p:sld xmlns:a="http://schemas.openxmlformats.org/drawingml/2006/main" xmlns:r="http://schemas.openxmlformats.org/officeDocument/2006/relationships" xmlns:p="http://schemas.openxmlformats.org/presentationml/2006/main">
   <p:cSld>
     <p:spTree>
@@ -5554,275 +5193,7 @@
 </p:sld>
 </file>
 
-<file path=ppt/slides/slide2.xml><?xml version="1.0" encoding="utf-8"?>
-<p:sld xmlns:a="http://schemas.openxmlformats.org/drawingml/2006/main" xmlns:r="http://schemas.openxmlformats.org/officeDocument/2006/relationships" xmlns:p="http://schemas.openxmlformats.org/presentationml/2006/main">
-  <p:cSld>
-    <p:spTree>
-      <p:nvGrpSpPr>
-        <p:cNvPr id="1" name=""/>
-        <p:cNvGrpSpPr/>
-        <p:nvPr/>
-      </p:nvGrpSpPr>
-      <p:grpSpPr>
-        <a:xfrm>
-          <a:off x="0" y="0"/>
-          <a:ext cx="0" cy="0"/>
-          <a:chOff x="0" y="0"/>
-          <a:chExt cx="0" cy="0"/>
-        </a:xfrm>
-      </p:grpSpPr>
-      <p:sp>
-        <p:nvSpPr>
-          <p:cNvPr id="2" name="Заголовок 1">
-            <a:extLst>
-              <a:ext uri="{FF2B5EF4-FFF2-40B4-BE49-F238E27FC236}">
-                <a16:creationId xmlns:a16="http://schemas.microsoft.com/office/drawing/2014/main" id="{8771968F-3C6E-4280-89AD-C15E6A12A87A}"/>
-              </a:ext>
-            </a:extLst>
-          </p:cNvPr>
-          <p:cNvSpPr>
-            <a:spLocks noGrp="1"/>
-          </p:cNvSpPr>
-          <p:nvPr>
-            <p:ph type="title"/>
-          </p:nvPr>
-        </p:nvSpPr>
-        <p:spPr>
-          <a:xfrm>
-            <a:off x="1371600" y="685800"/>
-            <a:ext cx="9601200" cy="677779"/>
-          </a:xfrm>
-        </p:spPr>
-        <p:txBody>
-          <a:bodyPr>
-            <a:normAutofit fontScale="90000"/>
-          </a:bodyPr>
-          <a:lstStyle/>
-          <a:p>
-            <a:r>
-              <a:rPr lang="en-US" dirty="0" err="1"/>
-              <a:t>Limbajul</a:t>
-            </a:r>
-            <a:r>
-              <a:rPr lang="en-US" dirty="0"/>
-              <a:t> de </a:t>
-            </a:r>
-            <a:r>
-              <a:rPr lang="en-US" dirty="0" err="1"/>
-              <a:t>definire</a:t>
-            </a:r>
-            <a:r>
-              <a:rPr lang="en-US" dirty="0"/>
-              <a:t> a </a:t>
-            </a:r>
-            <a:r>
-              <a:rPr lang="en-US" dirty="0" err="1"/>
-              <a:t>datelor</a:t>
-            </a:r>
-            <a:endParaRPr lang="ru-RU" dirty="0"/>
-          </a:p>
-        </p:txBody>
-      </p:sp>
-      <p:sp>
-        <p:nvSpPr>
-          <p:cNvPr id="3" name="Объект 2">
-            <a:extLst>
-              <a:ext uri="{FF2B5EF4-FFF2-40B4-BE49-F238E27FC236}">
-                <a16:creationId xmlns:a16="http://schemas.microsoft.com/office/drawing/2014/main" id="{57DEBBA8-5D7A-4D0C-BB7A-7D5CEE8DDD81}"/>
-              </a:ext>
-            </a:extLst>
-          </p:cNvPr>
-          <p:cNvSpPr>
-            <a:spLocks noGrp="1"/>
-          </p:cNvSpPr>
-          <p:nvPr>
-            <p:ph idx="1"/>
-          </p:nvPr>
-        </p:nvSpPr>
-        <p:spPr/>
-        <p:txBody>
-          <a:bodyPr>
-            <a:normAutofit/>
-          </a:bodyPr>
-          <a:lstStyle/>
-          <a:p>
-            <a:r>
-              <a:rPr lang="ro-RO" sz="2800" dirty="0">
-                <a:effectLst/>
-                <a:latin typeface="Times New Roman" panose="02020603050405020304" pitchFamily="18" charset="0"/>
-                <a:ea typeface="Times New Roman" panose="02020603050405020304" pitchFamily="18" charset="0"/>
-              </a:rPr>
-              <a:t>În contextul SQL , definirea datelor sau limbajul de descriere a datelor ( DDL ) este o</a:t>
-            </a:r>
-            <a:r>
-              <a:rPr lang="ro-RO" sz="2800" spc="5" dirty="0">
-                <a:effectLst/>
-                <a:latin typeface="Times New Roman" panose="02020603050405020304" pitchFamily="18" charset="0"/>
-                <a:ea typeface="Times New Roman" panose="02020603050405020304" pitchFamily="18" charset="0"/>
-              </a:rPr>
-              <a:t> </a:t>
-            </a:r>
-            <a:r>
-              <a:rPr lang="ro-RO" sz="2800" dirty="0">
-                <a:effectLst/>
-                <a:latin typeface="Times New Roman" panose="02020603050405020304" pitchFamily="18" charset="0"/>
-                <a:ea typeface="Times New Roman" panose="02020603050405020304" pitchFamily="18" charset="0"/>
-              </a:rPr>
-              <a:t>sintaxă pentru crearea și modificarea obiectelor bazei de date, cum ar fi tabele, indici și</a:t>
-            </a:r>
-            <a:r>
-              <a:rPr lang="ro-RO" sz="2800" spc="5" dirty="0">
-                <a:effectLst/>
-                <a:latin typeface="Times New Roman" panose="02020603050405020304" pitchFamily="18" charset="0"/>
-                <a:ea typeface="Times New Roman" panose="02020603050405020304" pitchFamily="18" charset="0"/>
-              </a:rPr>
-              <a:t> </a:t>
-            </a:r>
-            <a:r>
-              <a:rPr lang="ro-RO" sz="2800" dirty="0">
-                <a:effectLst/>
-                <a:latin typeface="Times New Roman" panose="02020603050405020304" pitchFamily="18" charset="0"/>
-                <a:ea typeface="Times New Roman" panose="02020603050405020304" pitchFamily="18" charset="0"/>
-              </a:rPr>
-              <a:t>utilizatori. Instrucțiunile DDL sunt similare cu un limbaj de programare pentru computer pentru</a:t>
-            </a:r>
-            <a:r>
-              <a:rPr lang="ro-RO" sz="2800" spc="5" dirty="0">
-                <a:effectLst/>
-                <a:latin typeface="Times New Roman" panose="02020603050405020304" pitchFamily="18" charset="0"/>
-                <a:ea typeface="Times New Roman" panose="02020603050405020304" pitchFamily="18" charset="0"/>
-              </a:rPr>
-              <a:t> </a:t>
-            </a:r>
-            <a:r>
-              <a:rPr lang="ro-RO" sz="2800" dirty="0">
-                <a:effectLst/>
-                <a:latin typeface="Times New Roman" panose="02020603050405020304" pitchFamily="18" charset="0"/>
-                <a:ea typeface="Times New Roman" panose="02020603050405020304" pitchFamily="18" charset="0"/>
-              </a:rPr>
-              <a:t>definirea structurilor de date , în special a schemelor de baze de date . Exemple obișnuite de</a:t>
-            </a:r>
-            <a:r>
-              <a:rPr lang="ro-RO" sz="2800" spc="5" dirty="0">
-                <a:effectLst/>
-                <a:latin typeface="Times New Roman" panose="02020603050405020304" pitchFamily="18" charset="0"/>
-                <a:ea typeface="Times New Roman" panose="02020603050405020304" pitchFamily="18" charset="0"/>
-              </a:rPr>
-              <a:t> </a:t>
-            </a:r>
-            <a:r>
-              <a:rPr lang="ro-RO" sz="2800" dirty="0">
-                <a:effectLst/>
-                <a:latin typeface="Times New Roman" panose="02020603050405020304" pitchFamily="18" charset="0"/>
-                <a:ea typeface="Times New Roman" panose="02020603050405020304" pitchFamily="18" charset="0"/>
-              </a:rPr>
-              <a:t>DDL</a:t>
-            </a:r>
-            <a:r>
-              <a:rPr lang="ro-RO" sz="2800" spc="-10" dirty="0">
-                <a:effectLst/>
-                <a:latin typeface="Times New Roman" panose="02020603050405020304" pitchFamily="18" charset="0"/>
-                <a:ea typeface="Times New Roman" panose="02020603050405020304" pitchFamily="18" charset="0"/>
-              </a:rPr>
-              <a:t> </a:t>
-            </a:r>
-            <a:r>
-              <a:rPr lang="ro-RO" sz="2800" dirty="0">
-                <a:effectLst/>
-                <a:latin typeface="Times New Roman" panose="02020603050405020304" pitchFamily="18" charset="0"/>
-                <a:ea typeface="Times New Roman" panose="02020603050405020304" pitchFamily="18" charset="0"/>
-              </a:rPr>
-              <a:t>includ</a:t>
-            </a:r>
-            <a:r>
-              <a:rPr lang="ro-RO" sz="2800" spc="5" dirty="0">
-                <a:effectLst/>
-                <a:latin typeface="Times New Roman" panose="02020603050405020304" pitchFamily="18" charset="0"/>
-                <a:ea typeface="Times New Roman" panose="02020603050405020304" pitchFamily="18" charset="0"/>
-              </a:rPr>
-              <a:t> </a:t>
-            </a:r>
-            <a:r>
-              <a:rPr lang="ro-RO" sz="2800" dirty="0">
-                <a:effectLst/>
-                <a:latin typeface="Times New Roman" panose="02020603050405020304" pitchFamily="18" charset="0"/>
-                <a:ea typeface="Times New Roman" panose="02020603050405020304" pitchFamily="18" charset="0"/>
-              </a:rPr>
-              <a:t>CREATE,</a:t>
-            </a:r>
-            <a:r>
-              <a:rPr lang="ro-RO" sz="2800" spc="20" dirty="0">
-                <a:effectLst/>
-                <a:latin typeface="Times New Roman" panose="02020603050405020304" pitchFamily="18" charset="0"/>
-                <a:ea typeface="Times New Roman" panose="02020603050405020304" pitchFamily="18" charset="0"/>
-              </a:rPr>
-              <a:t> </a:t>
-            </a:r>
-            <a:r>
-              <a:rPr lang="ro-RO" sz="2800" dirty="0">
-                <a:effectLst/>
-                <a:latin typeface="Times New Roman" panose="02020603050405020304" pitchFamily="18" charset="0"/>
-                <a:ea typeface="Times New Roman" panose="02020603050405020304" pitchFamily="18" charset="0"/>
-              </a:rPr>
-              <a:t>ALTER</a:t>
-            </a:r>
-            <a:r>
-              <a:rPr lang="ro-RO" sz="2800" spc="20" dirty="0">
-                <a:effectLst/>
-                <a:latin typeface="Times New Roman" panose="02020603050405020304" pitchFamily="18" charset="0"/>
-                <a:ea typeface="Times New Roman" panose="02020603050405020304" pitchFamily="18" charset="0"/>
-              </a:rPr>
-              <a:t> </a:t>
-            </a:r>
-            <a:r>
-              <a:rPr lang="ro-RO" sz="2800" dirty="0">
-                <a:effectLst/>
-                <a:latin typeface="Times New Roman" panose="02020603050405020304" pitchFamily="18" charset="0"/>
-                <a:ea typeface="Times New Roman" panose="02020603050405020304" pitchFamily="18" charset="0"/>
-              </a:rPr>
-              <a:t>și</a:t>
-            </a:r>
-            <a:r>
-              <a:rPr lang="ro-RO" sz="2800" spc="-25" dirty="0">
-                <a:effectLst/>
-                <a:latin typeface="Times New Roman" panose="02020603050405020304" pitchFamily="18" charset="0"/>
-                <a:ea typeface="Times New Roman" panose="02020603050405020304" pitchFamily="18" charset="0"/>
-              </a:rPr>
-              <a:t> </a:t>
-            </a:r>
-            <a:r>
-              <a:rPr lang="ro-RO" sz="2800" dirty="0">
-                <a:effectLst/>
-                <a:latin typeface="Times New Roman" panose="02020603050405020304" pitchFamily="18" charset="0"/>
-                <a:ea typeface="Times New Roman" panose="02020603050405020304" pitchFamily="18" charset="0"/>
-              </a:rPr>
-              <a:t>DROP.</a:t>
-            </a:r>
-            <a:endParaRPr lang="ru-RU" sz="2800" dirty="0">
-              <a:effectLst/>
-              <a:latin typeface="Times New Roman" panose="02020603050405020304" pitchFamily="18" charset="0"/>
-              <a:ea typeface="Times New Roman" panose="02020603050405020304" pitchFamily="18" charset="0"/>
-            </a:endParaRPr>
-          </a:p>
-          <a:p>
-            <a:endParaRPr lang="ru-RU" sz="2800" dirty="0"/>
-          </a:p>
-        </p:txBody>
-      </p:sp>
-    </p:spTree>
-    <p:extLst>
-      <p:ext uri="{BB962C8B-B14F-4D97-AF65-F5344CB8AC3E}">
-        <p14:creationId xmlns:p14="http://schemas.microsoft.com/office/powerpoint/2010/main" val="1216597556"/>
-      </p:ext>
-    </p:extLst>
-  </p:cSld>
-  <p:clrMapOvr>
-    <a:masterClrMapping/>
-  </p:clrMapOvr>
-</p:sld>
-</file>
-
-<file path=ppt/slides/slide20.xml><?xml version="1.0" encoding="utf-8"?>
+<file path=ppt/slides/slide18.xml><?xml version="1.0" encoding="utf-8"?>
 <p:sld xmlns:a="http://schemas.openxmlformats.org/drawingml/2006/main" xmlns:r="http://schemas.openxmlformats.org/officeDocument/2006/relationships" xmlns:p="http://schemas.openxmlformats.org/presentationml/2006/main">
   <p:cSld>
     <p:spTree>
@@ -6188,7 +5559,7 @@
 </p:sld>
 </file>
 
-<file path=ppt/slides/slide21.xml><?xml version="1.0" encoding="utf-8"?>
+<file path=ppt/slides/slide19.xml><?xml version="1.0" encoding="utf-8"?>
 <p:sld xmlns:a="http://schemas.openxmlformats.org/drawingml/2006/main" xmlns:r="http://schemas.openxmlformats.org/officeDocument/2006/relationships" xmlns:p="http://schemas.openxmlformats.org/presentationml/2006/main">
   <p:cSld>
     <p:spTree>
@@ -6495,7 +5866,815 @@
 </p:sld>
 </file>
 
-<file path=ppt/slides/slide22.xml><?xml version="1.0" encoding="utf-8"?>
+<file path=ppt/slides/slide2.xml><?xml version="1.0" encoding="utf-8"?>
+<p:sld xmlns:a="http://schemas.openxmlformats.org/drawingml/2006/main" xmlns:r="http://schemas.openxmlformats.org/officeDocument/2006/relationships" xmlns:p="http://schemas.openxmlformats.org/presentationml/2006/main">
+  <p:cSld>
+    <p:spTree>
+      <p:nvGrpSpPr>
+        <p:cNvPr id="1" name=""/>
+        <p:cNvGrpSpPr/>
+        <p:nvPr/>
+      </p:nvGrpSpPr>
+      <p:grpSpPr>
+        <a:xfrm>
+          <a:off x="0" y="0"/>
+          <a:ext cx="0" cy="0"/>
+          <a:chOff x="0" y="0"/>
+          <a:chExt cx="0" cy="0"/>
+        </a:xfrm>
+      </p:grpSpPr>
+      <p:sp>
+        <p:nvSpPr>
+          <p:cNvPr id="2" name="Заголовок 1">
+            <a:extLst>
+              <a:ext uri="{FF2B5EF4-FFF2-40B4-BE49-F238E27FC236}">
+                <a16:creationId xmlns:a16="http://schemas.microsoft.com/office/drawing/2014/main" id="{62D0FC7E-71D6-452C-A081-6B474CC53369}"/>
+              </a:ext>
+            </a:extLst>
+          </p:cNvPr>
+          <p:cNvSpPr>
+            <a:spLocks noGrp="1"/>
+          </p:cNvSpPr>
+          <p:nvPr>
+            <p:ph type="title"/>
+          </p:nvPr>
+        </p:nvSpPr>
+        <p:spPr>
+          <a:xfrm>
+            <a:off x="1371600" y="204537"/>
+            <a:ext cx="9601200" cy="677779"/>
+          </a:xfrm>
+        </p:spPr>
+        <p:txBody>
+          <a:bodyPr>
+            <a:normAutofit fontScale="90000"/>
+          </a:bodyPr>
+          <a:lstStyle/>
+          <a:p>
+            <a:r>
+              <a:rPr lang="en-US" dirty="0" err="1"/>
+              <a:t>Definirea</a:t>
+            </a:r>
+            <a:r>
+              <a:rPr lang="en-US" dirty="0"/>
+              <a:t> </a:t>
+            </a:r>
+            <a:r>
+              <a:rPr lang="en-US" dirty="0" err="1"/>
+              <a:t>temei</a:t>
+            </a:r>
+            <a:r>
+              <a:rPr lang="en-US" dirty="0"/>
+              <a:t> </a:t>
+            </a:r>
+            <a:r>
+              <a:rPr lang="en-US" dirty="0" err="1"/>
+              <a:t>proiectului</a:t>
+            </a:r>
+            <a:endParaRPr lang="ru-RU" dirty="0"/>
+          </a:p>
+        </p:txBody>
+      </p:sp>
+      <p:sp>
+        <p:nvSpPr>
+          <p:cNvPr id="3" name="Объект 2">
+            <a:extLst>
+              <a:ext uri="{FF2B5EF4-FFF2-40B4-BE49-F238E27FC236}">
+                <a16:creationId xmlns:a16="http://schemas.microsoft.com/office/drawing/2014/main" id="{2BA94B1A-74F6-41E3-99E8-51D00660328A}"/>
+              </a:ext>
+            </a:extLst>
+          </p:cNvPr>
+          <p:cNvSpPr>
+            <a:spLocks noGrp="1"/>
+          </p:cNvSpPr>
+          <p:nvPr>
+            <p:ph idx="1"/>
+          </p:nvPr>
+        </p:nvSpPr>
+        <p:spPr>
+          <a:xfrm>
+            <a:off x="1371600" y="882315"/>
+            <a:ext cx="9601200" cy="5771147"/>
+          </a:xfrm>
+        </p:spPr>
+        <p:txBody>
+          <a:bodyPr>
+            <a:noAutofit/>
+          </a:bodyPr>
+          <a:lstStyle/>
+          <a:p>
+            <a:r>
+              <a:rPr lang="ro-RO" sz="2400" dirty="0">
+                <a:solidFill>
+                  <a:schemeClr val="tx1"/>
+                </a:solidFill>
+                <a:effectLst/>
+                <a:latin typeface="Times New Roman" panose="02020603050405020304" pitchFamily="18" charset="0"/>
+                <a:ea typeface="Times New Roman" panose="02020603050405020304" pitchFamily="18" charset="0"/>
+              </a:rPr>
+              <a:t>O carte este o colecție de </a:t>
+            </a:r>
+            <a:r>
+              <a:rPr lang="ro-RO" sz="2400" u="sng" dirty="0">
+                <a:solidFill>
+                  <a:schemeClr val="tx1"/>
+                </a:solidFill>
+                <a:effectLst/>
+                <a:latin typeface="Times New Roman" panose="02020603050405020304" pitchFamily="18" charset="0"/>
+                <a:ea typeface="Times New Roman" panose="02020603050405020304" pitchFamily="18" charset="0"/>
+                <a:hlinkClick r:id="rId2" tooltip="Hârtie">
+                  <a:extLst>
+                    <a:ext uri="{A12FA001-AC4F-418D-AE19-62706E023703}">
+                      <ahyp:hlinkClr xmlns:ahyp="http://schemas.microsoft.com/office/drawing/2018/hyperlinkcolor" val="tx"/>
+                    </a:ext>
+                  </a:extLst>
+                </a:hlinkClick>
+              </a:rPr>
+              <a:t>hârtii</a:t>
+            </a:r>
+            <a:r>
+              <a:rPr lang="ro-RO" sz="2400" dirty="0">
+                <a:solidFill>
+                  <a:schemeClr val="tx1"/>
+                </a:solidFill>
+                <a:effectLst/>
+                <a:latin typeface="Times New Roman" panose="02020603050405020304" pitchFamily="18" charset="0"/>
+                <a:ea typeface="Times New Roman" panose="02020603050405020304" pitchFamily="18" charset="0"/>
+              </a:rPr>
+              <a:t>, </a:t>
+            </a:r>
+            <a:r>
+              <a:rPr lang="ro-RO" sz="2400" u="sng" dirty="0">
+                <a:solidFill>
+                  <a:schemeClr val="tx1"/>
+                </a:solidFill>
+                <a:effectLst/>
+                <a:latin typeface="Times New Roman" panose="02020603050405020304" pitchFamily="18" charset="0"/>
+                <a:ea typeface="Times New Roman" panose="02020603050405020304" pitchFamily="18" charset="0"/>
+                <a:hlinkClick r:id="rId3" tooltip="Pergament">
+                  <a:extLst>
+                    <a:ext uri="{A12FA001-AC4F-418D-AE19-62706E023703}">
+                      <ahyp:hlinkClr xmlns:ahyp="http://schemas.microsoft.com/office/drawing/2018/hyperlinkcolor" val="tx"/>
+                    </a:ext>
+                  </a:extLst>
+                </a:hlinkClick>
+              </a:rPr>
+              <a:t>pergamente</a:t>
+            </a:r>
+            <a:r>
+              <a:rPr lang="ro-RO" sz="2400" dirty="0">
+                <a:solidFill>
+                  <a:schemeClr val="tx1"/>
+                </a:solidFill>
+                <a:effectLst/>
+                <a:latin typeface="Times New Roman" panose="02020603050405020304" pitchFamily="18" charset="0"/>
+                <a:ea typeface="Times New Roman" panose="02020603050405020304" pitchFamily="18" charset="0"/>
+              </a:rPr>
+              <a:t> sau alte astfel de materiale, în formă de coli sau foi de cele mai multe ori egale între ele și legate sau broșate într-un volum. Cărțile sunt de obicei </a:t>
+            </a:r>
+            <a:r>
+              <a:rPr lang="ro-RO" sz="2400" u="sng" dirty="0">
+                <a:solidFill>
+                  <a:schemeClr val="tx1"/>
+                </a:solidFill>
+                <a:effectLst/>
+                <a:latin typeface="Times New Roman" panose="02020603050405020304" pitchFamily="18" charset="0"/>
+                <a:ea typeface="Times New Roman" panose="02020603050405020304" pitchFamily="18" charset="0"/>
+                <a:hlinkClick r:id="rId4" tooltip="Tipărire">
+                  <a:extLst>
+                    <a:ext uri="{A12FA001-AC4F-418D-AE19-62706E023703}">
+                      <ahyp:hlinkClr xmlns:ahyp="http://schemas.microsoft.com/office/drawing/2018/hyperlinkcolor" val="tx"/>
+                    </a:ext>
+                  </a:extLst>
+                </a:hlinkClick>
+              </a:rPr>
+              <a:t>tipărite</a:t>
+            </a:r>
+            <a:r>
+              <a:rPr lang="ro-RO" sz="2400" dirty="0">
+                <a:solidFill>
+                  <a:schemeClr val="tx1"/>
+                </a:solidFill>
+                <a:effectLst/>
+                <a:latin typeface="Times New Roman" panose="02020603050405020304" pitchFamily="18" charset="0"/>
+                <a:ea typeface="Times New Roman" panose="02020603050405020304" pitchFamily="18" charset="0"/>
+              </a:rPr>
+              <a:t> (rareori scrise și de mână) și conțin diverse lucrări </a:t>
+            </a:r>
+            <a:r>
+              <a:rPr lang="ro-RO" sz="2400" u="sng" dirty="0">
+                <a:solidFill>
+                  <a:schemeClr val="tx1"/>
+                </a:solidFill>
+                <a:effectLst/>
+                <a:latin typeface="Times New Roman" panose="02020603050405020304" pitchFamily="18" charset="0"/>
+                <a:ea typeface="Times New Roman" panose="02020603050405020304" pitchFamily="18" charset="0"/>
+                <a:hlinkClick r:id="rId5" tooltip="Scriere">
+                  <a:extLst>
+                    <a:ext uri="{A12FA001-AC4F-418D-AE19-62706E023703}">
+                      <ahyp:hlinkClr xmlns:ahyp="http://schemas.microsoft.com/office/drawing/2018/hyperlinkcolor" val="tx"/>
+                    </a:ext>
+                  </a:extLst>
+                </a:hlinkClick>
+              </a:rPr>
+              <a:t>scrise</a:t>
+            </a:r>
+            <a:r>
+              <a:rPr lang="ro-RO" sz="2400" dirty="0">
+                <a:solidFill>
+                  <a:schemeClr val="tx1"/>
+                </a:solidFill>
+                <a:effectLst/>
+                <a:latin typeface="Times New Roman" panose="02020603050405020304" pitchFamily="18" charset="0"/>
+                <a:ea typeface="Times New Roman" panose="02020603050405020304" pitchFamily="18" charset="0"/>
+              </a:rPr>
+              <a:t>, pe cea mai mare diversitate de teme. O carte este de asemenea o operă literară sau științifică sau o parte semnificativă dintr-o astfel de operă.</a:t>
+            </a:r>
+            <a:endParaRPr lang="en-US" sz="2400" dirty="0">
+              <a:solidFill>
+                <a:schemeClr val="tx1"/>
+              </a:solidFill>
+              <a:effectLst/>
+              <a:latin typeface="Times New Roman" panose="02020603050405020304" pitchFamily="18" charset="0"/>
+              <a:ea typeface="Times New Roman" panose="02020603050405020304" pitchFamily="18" charset="0"/>
+            </a:endParaRPr>
+          </a:p>
+          <a:p>
+            <a:r>
+              <a:rPr lang="ro-RO" sz="2400" dirty="0">
+                <a:solidFill>
+                  <a:schemeClr val="tx1"/>
+                </a:solidFill>
+                <a:effectLst/>
+                <a:latin typeface="Times New Roman" panose="02020603050405020304" pitchFamily="18" charset="0"/>
+                <a:ea typeface="Times New Roman" panose="02020603050405020304" pitchFamily="18" charset="0"/>
+              </a:rPr>
+              <a:t>In zilele noastre pentru a putea detine o carte este destul sa o cumparam de la un magazin de carti, deobicei pe rafturile magazinului se afla la moment cele mai populare carti din diferite domenii si de la diferiti autori.</a:t>
+            </a:r>
+            <a:endParaRPr lang="ru-RU" sz="2400" dirty="0">
+              <a:solidFill>
+                <a:schemeClr val="tx1"/>
+              </a:solidFill>
+              <a:effectLst/>
+              <a:latin typeface="Times New Roman" panose="02020603050405020304" pitchFamily="18" charset="0"/>
+              <a:ea typeface="Times New Roman" panose="02020603050405020304" pitchFamily="18" charset="0"/>
+            </a:endParaRPr>
+          </a:p>
+          <a:p>
+            <a:r>
+              <a:rPr lang="ro-RO" sz="2400" dirty="0">
+                <a:solidFill>
+                  <a:schemeClr val="tx1"/>
+                </a:solidFill>
+                <a:effectLst/>
+                <a:latin typeface="Times New Roman" panose="02020603050405020304" pitchFamily="18" charset="0"/>
+                <a:ea typeface="Times New Roman" panose="02020603050405020304" pitchFamily="18" charset="0"/>
+              </a:rPr>
+              <a:t>Tema</a:t>
+            </a:r>
+            <a:r>
+              <a:rPr lang="ro-RO" sz="2400" spc="5" dirty="0">
+                <a:solidFill>
+                  <a:schemeClr val="tx1"/>
+                </a:solidFill>
+                <a:effectLst/>
+                <a:latin typeface="Times New Roman" panose="02020603050405020304" pitchFamily="18" charset="0"/>
+                <a:ea typeface="Times New Roman" panose="02020603050405020304" pitchFamily="18" charset="0"/>
+              </a:rPr>
+              <a:t> </a:t>
+            </a:r>
+            <a:r>
+              <a:rPr lang="ro-RO" sz="2400" dirty="0">
+                <a:solidFill>
+                  <a:schemeClr val="tx1"/>
+                </a:solidFill>
+                <a:effectLst/>
+                <a:latin typeface="Times New Roman" panose="02020603050405020304" pitchFamily="18" charset="0"/>
+                <a:ea typeface="Times New Roman" panose="02020603050405020304" pitchFamily="18" charset="0"/>
+              </a:rPr>
+              <a:t>proiectului</a:t>
+            </a:r>
+            <a:r>
+              <a:rPr lang="ro-RO" sz="2400" spc="5" dirty="0">
+                <a:solidFill>
+                  <a:schemeClr val="tx1"/>
+                </a:solidFill>
+                <a:effectLst/>
+                <a:latin typeface="Times New Roman" panose="02020603050405020304" pitchFamily="18" charset="0"/>
+                <a:ea typeface="Times New Roman" panose="02020603050405020304" pitchFamily="18" charset="0"/>
+              </a:rPr>
+              <a:t> </a:t>
+            </a:r>
+            <a:r>
+              <a:rPr lang="ro-RO" sz="2400" dirty="0">
+                <a:solidFill>
+                  <a:schemeClr val="tx1"/>
+                </a:solidFill>
+                <a:effectLst/>
+                <a:latin typeface="Times New Roman" panose="02020603050405020304" pitchFamily="18" charset="0"/>
+                <a:ea typeface="Times New Roman" panose="02020603050405020304" pitchFamily="18" charset="0"/>
+              </a:rPr>
+              <a:t>este</a:t>
+            </a:r>
+            <a:r>
+              <a:rPr lang="ro-RO" sz="2400" spc="5" dirty="0">
+                <a:solidFill>
+                  <a:schemeClr val="tx1"/>
+                </a:solidFill>
+                <a:effectLst/>
+                <a:latin typeface="Times New Roman" panose="02020603050405020304" pitchFamily="18" charset="0"/>
+                <a:ea typeface="Times New Roman" panose="02020603050405020304" pitchFamily="18" charset="0"/>
+              </a:rPr>
+              <a:t> </a:t>
+            </a:r>
+            <a:r>
+              <a:rPr lang="ro-RO" sz="2400" dirty="0">
+                <a:solidFill>
+                  <a:schemeClr val="tx1"/>
+                </a:solidFill>
+                <a:effectLst/>
+                <a:latin typeface="Times New Roman" panose="02020603050405020304" pitchFamily="18" charset="0"/>
+                <a:ea typeface="Times New Roman" panose="02020603050405020304" pitchFamily="18" charset="0"/>
+              </a:rPr>
+              <a:t>elaborarea</a:t>
+            </a:r>
+            <a:r>
+              <a:rPr lang="ro-RO" sz="2400" spc="5" dirty="0">
+                <a:solidFill>
+                  <a:schemeClr val="tx1"/>
+                </a:solidFill>
+                <a:effectLst/>
+                <a:latin typeface="Times New Roman" panose="02020603050405020304" pitchFamily="18" charset="0"/>
+                <a:ea typeface="Times New Roman" panose="02020603050405020304" pitchFamily="18" charset="0"/>
+              </a:rPr>
+              <a:t> </a:t>
+            </a:r>
+            <a:r>
+              <a:rPr lang="ro-RO" sz="2400" dirty="0">
+                <a:solidFill>
+                  <a:schemeClr val="tx1"/>
+                </a:solidFill>
+                <a:effectLst/>
+                <a:latin typeface="Times New Roman" panose="02020603050405020304" pitchFamily="18" charset="0"/>
+                <a:ea typeface="Times New Roman" panose="02020603050405020304" pitchFamily="18" charset="0"/>
+              </a:rPr>
+              <a:t>unei baze</a:t>
+            </a:r>
+            <a:r>
+              <a:rPr lang="ro-RO" sz="2400" spc="5" dirty="0">
+                <a:solidFill>
+                  <a:schemeClr val="tx1"/>
+                </a:solidFill>
+                <a:effectLst/>
+                <a:latin typeface="Times New Roman" panose="02020603050405020304" pitchFamily="18" charset="0"/>
+                <a:ea typeface="Times New Roman" panose="02020603050405020304" pitchFamily="18" charset="0"/>
+              </a:rPr>
+              <a:t> </a:t>
+            </a:r>
+            <a:r>
+              <a:rPr lang="ro-RO" sz="2400" dirty="0">
+                <a:solidFill>
+                  <a:schemeClr val="tx1"/>
+                </a:solidFill>
+                <a:effectLst/>
+                <a:latin typeface="Times New Roman" panose="02020603050405020304" pitchFamily="18" charset="0"/>
+                <a:ea typeface="Times New Roman" panose="02020603050405020304" pitchFamily="18" charset="0"/>
+              </a:rPr>
+              <a:t>de date</a:t>
+            </a:r>
+            <a:r>
+              <a:rPr lang="ro-RO" sz="2400" spc="5" dirty="0">
+                <a:solidFill>
+                  <a:schemeClr val="tx1"/>
+                </a:solidFill>
+                <a:effectLst/>
+                <a:latin typeface="Times New Roman" panose="02020603050405020304" pitchFamily="18" charset="0"/>
+                <a:ea typeface="Times New Roman" panose="02020603050405020304" pitchFamily="18" charset="0"/>
+              </a:rPr>
+              <a:t> </a:t>
+            </a:r>
+            <a:r>
+              <a:rPr lang="ro-RO" sz="2400" dirty="0">
+                <a:solidFill>
+                  <a:schemeClr val="tx1"/>
+                </a:solidFill>
+                <a:effectLst/>
+                <a:latin typeface="Times New Roman" panose="02020603050405020304" pitchFamily="18" charset="0"/>
+                <a:ea typeface="Times New Roman" panose="02020603050405020304" pitchFamily="18" charset="0"/>
+              </a:rPr>
+              <a:t>pentru un magazin de carti mediu. Baza de date trebuie să permită</a:t>
+            </a:r>
+            <a:r>
+              <a:rPr lang="ro-RO" sz="2400" spc="5" dirty="0">
+                <a:solidFill>
+                  <a:schemeClr val="tx1"/>
+                </a:solidFill>
+                <a:effectLst/>
+                <a:latin typeface="Times New Roman" panose="02020603050405020304" pitchFamily="18" charset="0"/>
+                <a:ea typeface="Times New Roman" panose="02020603050405020304" pitchFamily="18" charset="0"/>
+              </a:rPr>
+              <a:t> </a:t>
+            </a:r>
+            <a:r>
+              <a:rPr lang="ro-RO" sz="2400" dirty="0">
+                <a:solidFill>
+                  <a:schemeClr val="tx1"/>
+                </a:solidFill>
+                <a:effectLst/>
+                <a:latin typeface="Times New Roman" panose="02020603050405020304" pitchFamily="18" charset="0"/>
+                <a:ea typeface="Times New Roman" panose="02020603050405020304" pitchFamily="18" charset="0"/>
+              </a:rPr>
+              <a:t>posibilitatea</a:t>
+            </a:r>
+            <a:r>
+              <a:rPr lang="ro-RO" sz="2400" spc="5" dirty="0">
+                <a:solidFill>
+                  <a:schemeClr val="tx1"/>
+                </a:solidFill>
+                <a:effectLst/>
+                <a:latin typeface="Times New Roman" panose="02020603050405020304" pitchFamily="18" charset="0"/>
+                <a:ea typeface="Times New Roman" panose="02020603050405020304" pitchFamily="18" charset="0"/>
+              </a:rPr>
+              <a:t> </a:t>
+            </a:r>
+            <a:r>
+              <a:rPr lang="ro-RO" sz="2400" dirty="0">
+                <a:solidFill>
+                  <a:schemeClr val="tx1"/>
+                </a:solidFill>
+                <a:effectLst/>
+                <a:latin typeface="Times New Roman" panose="02020603050405020304" pitchFamily="18" charset="0"/>
+                <a:ea typeface="Times New Roman" panose="02020603050405020304" pitchFamily="18" charset="0"/>
+              </a:rPr>
+              <a:t>de</a:t>
+            </a:r>
+            <a:r>
+              <a:rPr lang="ro-RO" sz="2400" spc="5" dirty="0">
+                <a:solidFill>
+                  <a:schemeClr val="tx1"/>
+                </a:solidFill>
+                <a:effectLst/>
+                <a:latin typeface="Times New Roman" panose="02020603050405020304" pitchFamily="18" charset="0"/>
+                <a:ea typeface="Times New Roman" panose="02020603050405020304" pitchFamily="18" charset="0"/>
+              </a:rPr>
+              <a:t> </a:t>
+            </a:r>
+            <a:r>
+              <a:rPr lang="ro-RO" sz="2400" dirty="0">
+                <a:solidFill>
+                  <a:schemeClr val="tx1"/>
+                </a:solidFill>
+                <a:effectLst/>
+                <a:latin typeface="Times New Roman" panose="02020603050405020304" pitchFamily="18" charset="0"/>
+                <a:ea typeface="Times New Roman" panose="02020603050405020304" pitchFamily="18" charset="0"/>
+              </a:rPr>
+              <a:t>stocare</a:t>
+            </a:r>
+            <a:r>
+              <a:rPr lang="ro-RO" sz="2400" spc="5" dirty="0">
+                <a:solidFill>
+                  <a:schemeClr val="tx1"/>
+                </a:solidFill>
+                <a:effectLst/>
+                <a:latin typeface="Times New Roman" panose="02020603050405020304" pitchFamily="18" charset="0"/>
+                <a:ea typeface="Times New Roman" panose="02020603050405020304" pitchFamily="18" charset="0"/>
+              </a:rPr>
+              <a:t> </a:t>
+            </a:r>
+            <a:r>
+              <a:rPr lang="ro-RO" sz="2400" dirty="0">
+                <a:solidFill>
+                  <a:schemeClr val="tx1"/>
+                </a:solidFill>
+                <a:effectLst/>
+                <a:latin typeface="Times New Roman" panose="02020603050405020304" pitchFamily="18" charset="0"/>
+                <a:ea typeface="Times New Roman" panose="02020603050405020304" pitchFamily="18" charset="0"/>
+              </a:rPr>
+              <a:t>a</a:t>
+            </a:r>
+            <a:r>
+              <a:rPr lang="ro-RO" sz="2400" spc="5" dirty="0">
+                <a:solidFill>
+                  <a:schemeClr val="tx1"/>
+                </a:solidFill>
+                <a:effectLst/>
+                <a:latin typeface="Times New Roman" panose="02020603050405020304" pitchFamily="18" charset="0"/>
+                <a:ea typeface="Times New Roman" panose="02020603050405020304" pitchFamily="18" charset="0"/>
+              </a:rPr>
+              <a:t> </a:t>
+            </a:r>
+            <a:r>
+              <a:rPr lang="ro-RO" sz="2400" dirty="0">
+                <a:solidFill>
+                  <a:schemeClr val="tx1"/>
+                </a:solidFill>
+                <a:effectLst/>
+                <a:latin typeface="Times New Roman" panose="02020603050405020304" pitchFamily="18" charset="0"/>
+                <a:ea typeface="Times New Roman" panose="02020603050405020304" pitchFamily="18" charset="0"/>
+              </a:rPr>
+              <a:t>datelor</a:t>
+            </a:r>
+            <a:r>
+              <a:rPr lang="ro-RO" sz="2400" spc="-5" dirty="0">
+                <a:solidFill>
+                  <a:schemeClr val="tx1"/>
+                </a:solidFill>
+                <a:effectLst/>
+                <a:latin typeface="Times New Roman" panose="02020603050405020304" pitchFamily="18" charset="0"/>
+                <a:ea typeface="Times New Roman" panose="02020603050405020304" pitchFamily="18" charset="0"/>
+              </a:rPr>
+              <a:t> </a:t>
+            </a:r>
+            <a:r>
+              <a:rPr lang="ro-RO" sz="2400" dirty="0">
+                <a:solidFill>
+                  <a:schemeClr val="tx1"/>
+                </a:solidFill>
+                <a:effectLst/>
+                <a:latin typeface="Times New Roman" panose="02020603050405020304" pitchFamily="18" charset="0"/>
+                <a:ea typeface="Times New Roman" panose="02020603050405020304" pitchFamily="18" charset="0"/>
+              </a:rPr>
+              <a:t>pe</a:t>
+            </a:r>
+            <a:r>
+              <a:rPr lang="ro-RO" sz="2400" spc="5" dirty="0">
+                <a:solidFill>
+                  <a:schemeClr val="tx1"/>
+                </a:solidFill>
+                <a:effectLst/>
+                <a:latin typeface="Times New Roman" panose="02020603050405020304" pitchFamily="18" charset="0"/>
+                <a:ea typeface="Times New Roman" panose="02020603050405020304" pitchFamily="18" charset="0"/>
+              </a:rPr>
+              <a:t> </a:t>
+            </a:r>
+            <a:r>
+              <a:rPr lang="ro-RO" sz="2400" dirty="0">
+                <a:solidFill>
+                  <a:schemeClr val="tx1"/>
+                </a:solidFill>
+                <a:effectLst/>
+                <a:latin typeface="Times New Roman" panose="02020603050405020304" pitchFamily="18" charset="0"/>
+                <a:ea typeface="Times New Roman" panose="02020603050405020304" pitchFamily="18" charset="0"/>
+              </a:rPr>
+              <a:t>diverse</a:t>
+            </a:r>
+            <a:r>
+              <a:rPr lang="ro-RO" sz="2400" spc="25" dirty="0">
+                <a:solidFill>
+                  <a:schemeClr val="tx1"/>
+                </a:solidFill>
+                <a:effectLst/>
+                <a:latin typeface="Times New Roman" panose="02020603050405020304" pitchFamily="18" charset="0"/>
+                <a:ea typeface="Times New Roman" panose="02020603050405020304" pitchFamily="18" charset="0"/>
+              </a:rPr>
+              <a:t> </a:t>
+            </a:r>
+            <a:r>
+              <a:rPr lang="ro-RO" sz="2400" dirty="0">
+                <a:solidFill>
+                  <a:schemeClr val="tx1"/>
+                </a:solidFill>
+                <a:effectLst/>
+                <a:latin typeface="Times New Roman" panose="02020603050405020304" pitchFamily="18" charset="0"/>
+                <a:ea typeface="Times New Roman" panose="02020603050405020304" pitchFamily="18" charset="0"/>
+              </a:rPr>
+              <a:t>categorii</a:t>
+            </a:r>
+            <a:r>
+              <a:rPr lang="ro-RO" sz="2400" spc="-30" dirty="0">
+                <a:solidFill>
+                  <a:schemeClr val="tx1"/>
+                </a:solidFill>
+                <a:effectLst/>
+                <a:latin typeface="Times New Roman" panose="02020603050405020304" pitchFamily="18" charset="0"/>
+                <a:ea typeface="Times New Roman" panose="02020603050405020304" pitchFamily="18" charset="0"/>
+              </a:rPr>
+              <a:t> </a:t>
+            </a:r>
+            <a:r>
+              <a:rPr lang="ro-RO" sz="2400" dirty="0">
+                <a:solidFill>
+                  <a:schemeClr val="tx1"/>
+                </a:solidFill>
+                <a:effectLst/>
+                <a:latin typeface="Times New Roman" panose="02020603050405020304" pitchFamily="18" charset="0"/>
+                <a:ea typeface="Times New Roman" panose="02020603050405020304" pitchFamily="18" charset="0"/>
+              </a:rPr>
+              <a:t>de</a:t>
+            </a:r>
+            <a:r>
+              <a:rPr lang="ro-RO" sz="2400" spc="5" dirty="0">
+                <a:solidFill>
+                  <a:schemeClr val="tx1"/>
+                </a:solidFill>
+                <a:effectLst/>
+                <a:latin typeface="Times New Roman" panose="02020603050405020304" pitchFamily="18" charset="0"/>
+                <a:ea typeface="Times New Roman" panose="02020603050405020304" pitchFamily="18" charset="0"/>
+              </a:rPr>
+              <a:t> </a:t>
+            </a:r>
+            <a:r>
+              <a:rPr lang="ro-RO" sz="2400" dirty="0">
+                <a:solidFill>
+                  <a:schemeClr val="tx1"/>
+                </a:solidFill>
+                <a:effectLst/>
+                <a:latin typeface="Times New Roman" panose="02020603050405020304" pitchFamily="18" charset="0"/>
+                <a:ea typeface="Times New Roman" panose="02020603050405020304" pitchFamily="18" charset="0"/>
+              </a:rPr>
+              <a:t>informații</a:t>
+            </a:r>
+            <a:r>
+              <a:rPr lang="ro-RO" sz="2400" spc="-30" dirty="0">
+                <a:solidFill>
+                  <a:schemeClr val="tx1"/>
+                </a:solidFill>
+                <a:effectLst/>
+                <a:latin typeface="Times New Roman" panose="02020603050405020304" pitchFamily="18" charset="0"/>
+                <a:ea typeface="Times New Roman" panose="02020603050405020304" pitchFamily="18" charset="0"/>
+              </a:rPr>
+              <a:t> </a:t>
+            </a:r>
+            <a:r>
+              <a:rPr lang="ro-RO" sz="2400" dirty="0">
+                <a:solidFill>
+                  <a:schemeClr val="tx1"/>
+                </a:solidFill>
+                <a:effectLst/>
+                <a:latin typeface="Times New Roman" panose="02020603050405020304" pitchFamily="18" charset="0"/>
+                <a:ea typeface="Times New Roman" panose="02020603050405020304" pitchFamily="18" charset="0"/>
+              </a:rPr>
+              <a:t>și</a:t>
+            </a:r>
+            <a:r>
+              <a:rPr lang="ro-RO" sz="2400" spc="-25" dirty="0">
+                <a:solidFill>
+                  <a:schemeClr val="tx1"/>
+                </a:solidFill>
+                <a:effectLst/>
+                <a:latin typeface="Times New Roman" panose="02020603050405020304" pitchFamily="18" charset="0"/>
+                <a:ea typeface="Times New Roman" panose="02020603050405020304" pitchFamily="18" charset="0"/>
+              </a:rPr>
+              <a:t> </a:t>
+            </a:r>
+            <a:r>
+              <a:rPr lang="ro-RO" sz="2400" dirty="0">
+                <a:solidFill>
+                  <a:schemeClr val="tx1"/>
+                </a:solidFill>
+                <a:effectLst/>
+                <a:latin typeface="Times New Roman" panose="02020603050405020304" pitchFamily="18" charset="0"/>
+                <a:ea typeface="Times New Roman" panose="02020603050405020304" pitchFamily="18" charset="0"/>
+              </a:rPr>
+              <a:t>anume:</a:t>
+            </a:r>
+            <a:endParaRPr lang="ru-RU" sz="2400" dirty="0">
+              <a:solidFill>
+                <a:schemeClr val="tx1"/>
+              </a:solidFill>
+              <a:effectLst/>
+              <a:latin typeface="Times New Roman" panose="02020603050405020304" pitchFamily="18" charset="0"/>
+              <a:ea typeface="Times New Roman" panose="02020603050405020304" pitchFamily="18" charset="0"/>
+            </a:endParaRPr>
+          </a:p>
+          <a:p>
+            <a:pPr marL="873252" lvl="1" indent="-342900">
+              <a:lnSpc>
+                <a:spcPts val="1700"/>
+              </a:lnSpc>
+              <a:buSzPts val="1400"/>
+              <a:buFont typeface="Symbol" panose="05050102010706020507" pitchFamily="18" charset="2"/>
+              <a:buChar char=""/>
+              <a:tabLst>
+                <a:tab pos="528955" algn="l"/>
+                <a:tab pos="529590" algn="l"/>
+              </a:tabLst>
+            </a:pPr>
+            <a:r>
+              <a:rPr lang="ro-RO" sz="2400" dirty="0">
+                <a:solidFill>
+                  <a:schemeClr val="tx1"/>
+                </a:solidFill>
+                <a:effectLst/>
+                <a:latin typeface="Times New Roman" panose="02020603050405020304" pitchFamily="18" charset="0"/>
+                <a:ea typeface="Symbol" panose="05050102010706020507" pitchFamily="18" charset="2"/>
+                <a:cs typeface="Symbol" panose="05050102010706020507" pitchFamily="18" charset="2"/>
+              </a:rPr>
+              <a:t>Editurile care emit cartile</a:t>
+            </a:r>
+            <a:endParaRPr lang="ru-RU" sz="2400" dirty="0">
+              <a:solidFill>
+                <a:schemeClr val="tx1"/>
+              </a:solidFill>
+              <a:effectLst/>
+              <a:latin typeface="Times New Roman" panose="02020603050405020304" pitchFamily="18" charset="0"/>
+              <a:ea typeface="Symbol" panose="05050102010706020507" pitchFamily="18" charset="2"/>
+              <a:cs typeface="Symbol" panose="05050102010706020507" pitchFamily="18" charset="2"/>
+            </a:endParaRPr>
+          </a:p>
+          <a:p>
+            <a:pPr marL="873252" lvl="1" indent="-342900">
+              <a:lnSpc>
+                <a:spcPts val="1705"/>
+              </a:lnSpc>
+              <a:buSzPts val="1400"/>
+              <a:buFont typeface="Symbol" panose="05050102010706020507" pitchFamily="18" charset="2"/>
+              <a:buChar char=""/>
+              <a:tabLst>
+                <a:tab pos="528955" algn="l"/>
+                <a:tab pos="529590" algn="l"/>
+              </a:tabLst>
+            </a:pPr>
+            <a:r>
+              <a:rPr lang="ro-RO" sz="2400" dirty="0">
+                <a:solidFill>
+                  <a:schemeClr val="tx1"/>
+                </a:solidFill>
+                <a:effectLst/>
+                <a:latin typeface="Times New Roman" panose="02020603050405020304" pitchFamily="18" charset="0"/>
+                <a:ea typeface="Symbol" panose="05050102010706020507" pitchFamily="18" charset="2"/>
+                <a:cs typeface="Symbol" panose="05050102010706020507" pitchFamily="18" charset="2"/>
+              </a:rPr>
+              <a:t>Autorii care scriu cartile</a:t>
+            </a:r>
+            <a:endParaRPr lang="ru-RU" sz="2400" dirty="0">
+              <a:solidFill>
+                <a:schemeClr val="tx1"/>
+              </a:solidFill>
+              <a:effectLst/>
+              <a:latin typeface="Times New Roman" panose="02020603050405020304" pitchFamily="18" charset="0"/>
+              <a:ea typeface="Symbol" panose="05050102010706020507" pitchFamily="18" charset="2"/>
+              <a:cs typeface="Symbol" panose="05050102010706020507" pitchFamily="18" charset="2"/>
+            </a:endParaRPr>
+          </a:p>
+          <a:p>
+            <a:pPr marL="873252" lvl="1" indent="-342900">
+              <a:lnSpc>
+                <a:spcPts val="1710"/>
+              </a:lnSpc>
+              <a:buSzPts val="1400"/>
+              <a:buFont typeface="Symbol" panose="05050102010706020507" pitchFamily="18" charset="2"/>
+              <a:buChar char=""/>
+              <a:tabLst>
+                <a:tab pos="528955" algn="l"/>
+                <a:tab pos="529590" algn="l"/>
+              </a:tabLst>
+            </a:pPr>
+            <a:r>
+              <a:rPr lang="ro-RO" sz="2400" dirty="0">
+                <a:solidFill>
+                  <a:schemeClr val="tx1"/>
+                </a:solidFill>
+                <a:effectLst/>
+                <a:latin typeface="Times New Roman" panose="02020603050405020304" pitchFamily="18" charset="0"/>
+                <a:ea typeface="Symbol" panose="05050102010706020507" pitchFamily="18" charset="2"/>
+                <a:cs typeface="Symbol" panose="05050102010706020507" pitchFamily="18" charset="2"/>
+              </a:rPr>
+              <a:t>Cartile propriu-zis</a:t>
+            </a:r>
+            <a:endParaRPr lang="ru-RU" sz="2400" dirty="0">
+              <a:solidFill>
+                <a:schemeClr val="tx1"/>
+              </a:solidFill>
+              <a:effectLst/>
+              <a:latin typeface="Times New Roman" panose="02020603050405020304" pitchFamily="18" charset="0"/>
+              <a:ea typeface="Symbol" panose="05050102010706020507" pitchFamily="18" charset="2"/>
+              <a:cs typeface="Symbol" panose="05050102010706020507" pitchFamily="18" charset="2"/>
+            </a:endParaRPr>
+          </a:p>
+          <a:p>
+            <a:endParaRPr lang="ru-RU" sz="2400" dirty="0">
+              <a:solidFill>
+                <a:schemeClr val="tx1"/>
+              </a:solidFill>
+              <a:effectLst/>
+              <a:latin typeface="Times New Roman" panose="02020603050405020304" pitchFamily="18" charset="0"/>
+              <a:ea typeface="Times New Roman" panose="02020603050405020304" pitchFamily="18" charset="0"/>
+            </a:endParaRPr>
+          </a:p>
+          <a:p>
+            <a:endParaRPr lang="ru-RU" sz="2400" dirty="0">
+              <a:solidFill>
+                <a:schemeClr val="tx1"/>
+              </a:solidFill>
+            </a:endParaRPr>
+          </a:p>
+        </p:txBody>
+      </p:sp>
+    </p:spTree>
+    <p:extLst>
+      <p:ext uri="{BB962C8B-B14F-4D97-AF65-F5344CB8AC3E}">
+        <p14:creationId xmlns:p14="http://schemas.microsoft.com/office/powerpoint/2010/main" val="4088120738"/>
+      </p:ext>
+    </p:extLst>
+  </p:cSld>
+  <p:clrMapOvr>
+    <a:masterClrMapping/>
+  </p:clrMapOvr>
+</p:sld>
+</file>
+
+<file path=ppt/slides/slide20.xml><?xml version="1.0" encoding="utf-8"?>
 <p:sld xmlns:a="http://schemas.openxmlformats.org/drawingml/2006/main" xmlns:r="http://schemas.openxmlformats.org/officeDocument/2006/relationships" xmlns:p="http://schemas.openxmlformats.org/presentationml/2006/main">
   <p:cSld>
     <p:spTree>
@@ -6605,7 +6784,7 @@
 </p:sld>
 </file>
 
-<file path=ppt/slides/slide23.xml><?xml version="1.0" encoding="utf-8"?>
+<file path=ppt/slides/slide21.xml><?xml version="1.0" encoding="utf-8"?>
 <p:sld xmlns:a="http://schemas.openxmlformats.org/drawingml/2006/main" xmlns:r="http://schemas.openxmlformats.org/officeDocument/2006/relationships" xmlns:p="http://schemas.openxmlformats.org/presentationml/2006/main">
   <p:cSld>
     <p:spTree>
@@ -6667,7 +6846,7 @@
 </p:sld>
 </file>
 
-<file path=ppt/slides/slide24.xml><?xml version="1.0" encoding="utf-8"?>
+<file path=ppt/slides/slide22.xml><?xml version="1.0" encoding="utf-8"?>
 <p:sld xmlns:a="http://schemas.openxmlformats.org/drawingml/2006/main" xmlns:r="http://schemas.openxmlformats.org/officeDocument/2006/relationships" xmlns:p="http://schemas.openxmlformats.org/presentationml/2006/main">
   <p:cSld>
     <p:spTree>
@@ -6819,7 +6998,7 @@
 </p:sld>
 </file>
 
-<file path=ppt/slides/slide25.xml><?xml version="1.0" encoding="utf-8"?>
+<file path=ppt/slides/slide23.xml><?xml version="1.0" encoding="utf-8"?>
 <p:sld xmlns:a="http://schemas.openxmlformats.org/drawingml/2006/main" xmlns:r="http://schemas.openxmlformats.org/officeDocument/2006/relationships" xmlns:p="http://schemas.openxmlformats.org/presentationml/2006/main">
   <p:cSld>
     <p:spTree>
@@ -6941,7 +7120,7 @@
 </p:sld>
 </file>
 
-<file path=ppt/slides/slide26.xml><?xml version="1.0" encoding="utf-8"?>
+<file path=ppt/slides/slide24.xml><?xml version="1.0" encoding="utf-8"?>
 <p:sld xmlns:a="http://schemas.openxmlformats.org/drawingml/2006/main" xmlns:r="http://schemas.openxmlformats.org/officeDocument/2006/relationships" xmlns:p="http://schemas.openxmlformats.org/presentationml/2006/main">
   <p:cSld>
     <p:spTree>
@@ -7003,7 +7182,7 @@
 </p:sld>
 </file>
 
-<file path=ppt/slides/slide27.xml><?xml version="1.0" encoding="utf-8"?>
+<file path=ppt/slides/slide25.xml><?xml version="1.0" encoding="utf-8"?>
 <p:sld xmlns:a="http://schemas.openxmlformats.org/drawingml/2006/main" xmlns:r="http://schemas.openxmlformats.org/officeDocument/2006/relationships" xmlns:p="http://schemas.openxmlformats.org/presentationml/2006/main">
   <p:cSld>
     <p:spTree>
@@ -7904,7 +8083,7 @@
 </p:sld>
 </file>
 
-<file path=ppt/slides/slide28.xml><?xml version="1.0" encoding="utf-8"?>
+<file path=ppt/slides/slide26.xml><?xml version="1.0" encoding="utf-8"?>
 <p:sld xmlns:a="http://schemas.openxmlformats.org/drawingml/2006/main" xmlns:r="http://schemas.openxmlformats.org/officeDocument/2006/relationships" xmlns:p="http://schemas.openxmlformats.org/presentationml/2006/main">
   <p:cSld>
     <p:spTree>
@@ -8980,7 +9159,7 @@
 </p:sld>
 </file>
 
-<file path=ppt/slides/slide29.xml><?xml version="1.0" encoding="utf-8"?>
+<file path=ppt/slides/slide27.xml><?xml version="1.0" encoding="utf-8"?>
 <p:sld xmlns:a="http://schemas.openxmlformats.org/drawingml/2006/main" xmlns:r="http://schemas.openxmlformats.org/officeDocument/2006/relationships" xmlns:p="http://schemas.openxmlformats.org/presentationml/2006/main">
   <p:cSld>
     <p:spTree>
@@ -9221,2413 +9400,6 @@
           <p:cNvPr id="2" name="Заголовок 1">
             <a:extLst>
               <a:ext uri="{FF2B5EF4-FFF2-40B4-BE49-F238E27FC236}">
-                <a16:creationId xmlns:a16="http://schemas.microsoft.com/office/drawing/2014/main" id="{7499618A-FF4D-4F85-B7AA-296BA7F6C679}"/>
-              </a:ext>
-            </a:extLst>
-          </p:cNvPr>
-          <p:cNvSpPr>
-            <a:spLocks noGrp="1"/>
-          </p:cNvSpPr>
-          <p:nvPr>
-            <p:ph type="title"/>
-          </p:nvPr>
-        </p:nvSpPr>
-        <p:spPr>
-          <a:xfrm>
-            <a:off x="1371600" y="685800"/>
-            <a:ext cx="9601200" cy="725905"/>
-          </a:xfrm>
-        </p:spPr>
-        <p:txBody>
-          <a:bodyPr/>
-          <a:lstStyle/>
-          <a:p>
-            <a:r>
-              <a:rPr lang="en-US" dirty="0"/>
-              <a:t>Microsoft SQL Server</a:t>
-            </a:r>
-            <a:endParaRPr lang="ru-RU" dirty="0"/>
-          </a:p>
-        </p:txBody>
-      </p:sp>
-      <p:sp>
-        <p:nvSpPr>
-          <p:cNvPr id="3" name="Объект 2">
-            <a:extLst>
-              <a:ext uri="{FF2B5EF4-FFF2-40B4-BE49-F238E27FC236}">
-                <a16:creationId xmlns:a16="http://schemas.microsoft.com/office/drawing/2014/main" id="{FBC0C83E-0642-449F-90C8-D02380ADB8AC}"/>
-              </a:ext>
-            </a:extLst>
-          </p:cNvPr>
-          <p:cNvSpPr>
-            <a:spLocks noGrp="1"/>
-          </p:cNvSpPr>
-          <p:nvPr>
-            <p:ph idx="1"/>
-          </p:nvPr>
-        </p:nvSpPr>
-        <p:spPr>
-          <a:xfrm>
-            <a:off x="1371600" y="1925053"/>
-            <a:ext cx="9601200" cy="3942347"/>
-          </a:xfrm>
-        </p:spPr>
-        <p:txBody>
-          <a:bodyPr>
-            <a:noAutofit/>
-          </a:bodyPr>
-          <a:lstStyle/>
-          <a:p>
-            <a:pPr marL="71755" marR="142240" indent="457200" algn="just">
-              <a:spcBef>
-                <a:spcPts val="115"/>
-              </a:spcBef>
-              <a:spcAft>
-                <a:spcPts val="0"/>
-              </a:spcAft>
-            </a:pPr>
-            <a:r>
-              <a:rPr lang="ro-RO" sz="2400" dirty="0">
-                <a:solidFill>
-                  <a:schemeClr val="tx1"/>
-                </a:solidFill>
-                <a:effectLst/>
-                <a:latin typeface="Times New Roman" panose="02020603050405020304" pitchFamily="18" charset="0"/>
-                <a:ea typeface="Times New Roman" panose="02020603050405020304" pitchFamily="18" charset="0"/>
-              </a:rPr>
-              <a:t>Microsoft</a:t>
-            </a:r>
-            <a:r>
-              <a:rPr lang="ro-RO" sz="2400" spc="5" dirty="0">
-                <a:solidFill>
-                  <a:schemeClr val="tx1"/>
-                </a:solidFill>
-                <a:effectLst/>
-                <a:latin typeface="Times New Roman" panose="02020603050405020304" pitchFamily="18" charset="0"/>
-                <a:ea typeface="Times New Roman" panose="02020603050405020304" pitchFamily="18" charset="0"/>
-              </a:rPr>
-              <a:t> </a:t>
-            </a:r>
-            <a:r>
-              <a:rPr lang="ro-RO" sz="2400" dirty="0">
-                <a:solidFill>
-                  <a:schemeClr val="tx1"/>
-                </a:solidFill>
-                <a:effectLst/>
-                <a:latin typeface="Times New Roman" panose="02020603050405020304" pitchFamily="18" charset="0"/>
-                <a:ea typeface="Times New Roman" panose="02020603050405020304" pitchFamily="18" charset="0"/>
-              </a:rPr>
-              <a:t>SQL</a:t>
-            </a:r>
-            <a:r>
-              <a:rPr lang="ro-RO" sz="2400" spc="5" dirty="0">
-                <a:solidFill>
-                  <a:schemeClr val="tx1"/>
-                </a:solidFill>
-                <a:effectLst/>
-                <a:latin typeface="Times New Roman" panose="02020603050405020304" pitchFamily="18" charset="0"/>
-                <a:ea typeface="Times New Roman" panose="02020603050405020304" pitchFamily="18" charset="0"/>
-              </a:rPr>
-              <a:t> </a:t>
-            </a:r>
-            <a:r>
-              <a:rPr lang="ro-RO" sz="2400" dirty="0">
-                <a:solidFill>
-                  <a:schemeClr val="tx1"/>
-                </a:solidFill>
-                <a:effectLst/>
-                <a:latin typeface="Times New Roman" panose="02020603050405020304" pitchFamily="18" charset="0"/>
-                <a:ea typeface="Times New Roman" panose="02020603050405020304" pitchFamily="18" charset="0"/>
-              </a:rPr>
-              <a:t>Server este</a:t>
-            </a:r>
-            <a:r>
-              <a:rPr lang="ro-RO" sz="2400" spc="5" dirty="0">
-                <a:solidFill>
-                  <a:schemeClr val="tx1"/>
-                </a:solidFill>
-                <a:effectLst/>
-                <a:latin typeface="Times New Roman" panose="02020603050405020304" pitchFamily="18" charset="0"/>
-                <a:ea typeface="Times New Roman" panose="02020603050405020304" pitchFamily="18" charset="0"/>
-              </a:rPr>
-              <a:t> </a:t>
-            </a:r>
-            <a:r>
-              <a:rPr lang="ro-RO" sz="2400" dirty="0">
-                <a:solidFill>
-                  <a:schemeClr val="tx1"/>
-                </a:solidFill>
-                <a:effectLst/>
-                <a:latin typeface="Times New Roman" panose="02020603050405020304" pitchFamily="18" charset="0"/>
-                <a:ea typeface="Times New Roman" panose="02020603050405020304" pitchFamily="18" charset="0"/>
-              </a:rPr>
-              <a:t>un</a:t>
-            </a:r>
-            <a:r>
-              <a:rPr lang="ro-RO" sz="2400" spc="5" dirty="0">
-                <a:solidFill>
-                  <a:schemeClr val="tx1"/>
-                </a:solidFill>
-                <a:effectLst/>
-                <a:latin typeface="Times New Roman" panose="02020603050405020304" pitchFamily="18" charset="0"/>
-                <a:ea typeface="Times New Roman" panose="02020603050405020304" pitchFamily="18" charset="0"/>
-              </a:rPr>
-              <a:t> </a:t>
-            </a:r>
-            <a:r>
-              <a:rPr lang="ro-RO" sz="2400" dirty="0">
-                <a:solidFill>
-                  <a:schemeClr val="tx1"/>
-                </a:solidFill>
-                <a:effectLst/>
-                <a:latin typeface="Times New Roman" panose="02020603050405020304" pitchFamily="18" charset="0"/>
-                <a:ea typeface="Times New Roman" panose="02020603050405020304" pitchFamily="18" charset="0"/>
-              </a:rPr>
-              <a:t>sistem</a:t>
-            </a:r>
-            <a:r>
-              <a:rPr lang="ro-RO" sz="2400" spc="5" dirty="0">
-                <a:solidFill>
-                  <a:schemeClr val="tx1"/>
-                </a:solidFill>
-                <a:effectLst/>
-                <a:latin typeface="Times New Roman" panose="02020603050405020304" pitchFamily="18" charset="0"/>
-                <a:ea typeface="Times New Roman" panose="02020603050405020304" pitchFamily="18" charset="0"/>
-              </a:rPr>
-              <a:t> </a:t>
-            </a:r>
-            <a:r>
-              <a:rPr lang="ro-RO" sz="2400" dirty="0">
-                <a:solidFill>
-                  <a:schemeClr val="tx1"/>
-                </a:solidFill>
-                <a:effectLst/>
-                <a:latin typeface="Times New Roman" panose="02020603050405020304" pitchFamily="18" charset="0"/>
-                <a:ea typeface="Times New Roman" panose="02020603050405020304" pitchFamily="18" charset="0"/>
-              </a:rPr>
-              <a:t>de</a:t>
-            </a:r>
-            <a:r>
-              <a:rPr lang="ro-RO" sz="2400" spc="5" dirty="0">
-                <a:solidFill>
-                  <a:schemeClr val="tx1"/>
-                </a:solidFill>
-                <a:effectLst/>
-                <a:latin typeface="Times New Roman" panose="02020603050405020304" pitchFamily="18" charset="0"/>
-                <a:ea typeface="Times New Roman" panose="02020603050405020304" pitchFamily="18" charset="0"/>
-              </a:rPr>
-              <a:t> </a:t>
-            </a:r>
-            <a:r>
-              <a:rPr lang="ro-RO" sz="2400" dirty="0">
-                <a:solidFill>
-                  <a:schemeClr val="tx1"/>
-                </a:solidFill>
-                <a:effectLst/>
-                <a:latin typeface="Times New Roman" panose="02020603050405020304" pitchFamily="18" charset="0"/>
-                <a:ea typeface="Times New Roman" panose="02020603050405020304" pitchFamily="18" charset="0"/>
-              </a:rPr>
-              <a:t>gestionare</a:t>
-            </a:r>
-            <a:r>
-              <a:rPr lang="ro-RO" sz="2400" spc="5" dirty="0">
-                <a:solidFill>
-                  <a:schemeClr val="tx1"/>
-                </a:solidFill>
-                <a:effectLst/>
-                <a:latin typeface="Times New Roman" panose="02020603050405020304" pitchFamily="18" charset="0"/>
-                <a:ea typeface="Times New Roman" panose="02020603050405020304" pitchFamily="18" charset="0"/>
-              </a:rPr>
-              <a:t> </a:t>
-            </a:r>
-            <a:r>
-              <a:rPr lang="ro-RO" sz="2400" dirty="0">
-                <a:solidFill>
-                  <a:schemeClr val="tx1"/>
-                </a:solidFill>
-                <a:effectLst/>
-                <a:latin typeface="Times New Roman" panose="02020603050405020304" pitchFamily="18" charset="0"/>
-                <a:ea typeface="Times New Roman" panose="02020603050405020304" pitchFamily="18" charset="0"/>
-              </a:rPr>
-              <a:t>de </a:t>
-            </a:r>
-            <a:r>
-              <a:rPr lang="ro-RO" sz="2400" dirty="0">
-                <a:solidFill>
-                  <a:schemeClr val="tx1"/>
-                </a:solidFill>
-                <a:latin typeface="Times New Roman" panose="02020603050405020304" pitchFamily="18" charset="0"/>
-                <a:ea typeface="Times New Roman" panose="02020603050405020304" pitchFamily="18" charset="0"/>
-              </a:rPr>
-              <a:t>baze</a:t>
-            </a:r>
-            <a:r>
-              <a:rPr lang="ro-RO" sz="2400" spc="5" dirty="0">
-                <a:solidFill>
-                  <a:schemeClr val="tx1"/>
-                </a:solidFill>
-                <a:latin typeface="Times New Roman" panose="02020603050405020304" pitchFamily="18" charset="0"/>
-                <a:ea typeface="Times New Roman" panose="02020603050405020304" pitchFamily="18" charset="0"/>
-              </a:rPr>
-              <a:t> </a:t>
-            </a:r>
-            <a:r>
-              <a:rPr lang="ro-RO" sz="2400" dirty="0">
-                <a:solidFill>
-                  <a:schemeClr val="tx1"/>
-                </a:solidFill>
-                <a:latin typeface="Times New Roman" panose="02020603050405020304" pitchFamily="18" charset="0"/>
-                <a:ea typeface="Times New Roman" panose="02020603050405020304" pitchFamily="18" charset="0"/>
-              </a:rPr>
-              <a:t>de</a:t>
-            </a:r>
-            <a:r>
-              <a:rPr lang="ro-RO" sz="2400" spc="5" dirty="0">
-                <a:solidFill>
-                  <a:schemeClr val="tx1"/>
-                </a:solidFill>
-                <a:latin typeface="Times New Roman" panose="02020603050405020304" pitchFamily="18" charset="0"/>
-                <a:ea typeface="Times New Roman" panose="02020603050405020304" pitchFamily="18" charset="0"/>
-              </a:rPr>
-              <a:t> </a:t>
-            </a:r>
-            <a:r>
-              <a:rPr lang="ro-RO" sz="2400" dirty="0">
-                <a:solidFill>
-                  <a:schemeClr val="tx1"/>
-                </a:solidFill>
-                <a:latin typeface="Times New Roman" panose="02020603050405020304" pitchFamily="18" charset="0"/>
-                <a:ea typeface="Times New Roman" panose="02020603050405020304" pitchFamily="18" charset="0"/>
-              </a:rPr>
-              <a:t>date</a:t>
-            </a:r>
-            <a:r>
-              <a:rPr lang="en-US" sz="2400" strike="noStrike" dirty="0">
-                <a:solidFill>
-                  <a:schemeClr val="tx1"/>
-                </a:solidFill>
-                <a:effectLst/>
-                <a:latin typeface="Times New Roman" panose="02020603050405020304" pitchFamily="18" charset="0"/>
-                <a:ea typeface="Times New Roman" panose="02020603050405020304" pitchFamily="18" charset="0"/>
-              </a:rPr>
-              <a:t> </a:t>
-            </a:r>
-            <a:r>
-              <a:rPr lang="ro-RO" sz="2400" dirty="0">
-                <a:solidFill>
-                  <a:schemeClr val="tx1"/>
-                </a:solidFill>
-                <a:effectLst/>
-                <a:latin typeface="Times New Roman" panose="02020603050405020304" pitchFamily="18" charset="0"/>
-                <a:ea typeface="Times New Roman" panose="02020603050405020304" pitchFamily="18" charset="0"/>
-              </a:rPr>
-              <a:t>relaționale</a:t>
-            </a:r>
-            <a:r>
-              <a:rPr lang="ro-RO" sz="2400" spc="5" dirty="0">
-                <a:solidFill>
-                  <a:schemeClr val="tx1"/>
-                </a:solidFill>
-                <a:effectLst/>
-                <a:latin typeface="Times New Roman" panose="02020603050405020304" pitchFamily="18" charset="0"/>
-                <a:ea typeface="Times New Roman" panose="02020603050405020304" pitchFamily="18" charset="0"/>
-              </a:rPr>
-              <a:t> </a:t>
-            </a:r>
-            <a:r>
-              <a:rPr lang="ro-RO" sz="2400" dirty="0">
-                <a:solidFill>
-                  <a:schemeClr val="tx1"/>
-                </a:solidFill>
-                <a:effectLst/>
-                <a:latin typeface="Times New Roman" panose="02020603050405020304" pitchFamily="18" charset="0"/>
-                <a:ea typeface="Times New Roman" panose="02020603050405020304" pitchFamily="18" charset="0"/>
-              </a:rPr>
-              <a:t>(RDBMS) produs de compania </a:t>
-            </a:r>
-            <a:r>
-              <a:rPr lang="ro-RO" sz="2400" dirty="0">
-                <a:solidFill>
-                  <a:schemeClr val="tx1"/>
-                </a:solidFill>
-                <a:latin typeface="Times New Roman" panose="02020603050405020304" pitchFamily="18" charset="0"/>
-                <a:ea typeface="Times New Roman" panose="02020603050405020304" pitchFamily="18" charset="0"/>
-              </a:rPr>
-              <a:t>americană Microsoft </a:t>
-            </a:r>
-            <a:r>
-              <a:rPr lang="ro-RO" sz="2400" dirty="0">
-                <a:solidFill>
-                  <a:schemeClr val="tx1"/>
-                </a:solidFill>
-                <a:effectLst/>
-                <a:latin typeface="Times New Roman" panose="02020603050405020304" pitchFamily="18" charset="0"/>
-                <a:ea typeface="Times New Roman" panose="02020603050405020304" pitchFamily="18" charset="0"/>
-              </a:rPr>
-              <a:t>Corp. Limbajul de interogare este SQL</a:t>
-            </a:r>
-            <a:r>
-              <a:rPr lang="ro-RO" sz="2400" spc="5" dirty="0">
-                <a:solidFill>
-                  <a:schemeClr val="tx1"/>
-                </a:solidFill>
-                <a:effectLst/>
-                <a:latin typeface="Times New Roman" panose="02020603050405020304" pitchFamily="18" charset="0"/>
-                <a:ea typeface="Times New Roman" panose="02020603050405020304" pitchFamily="18" charset="0"/>
-              </a:rPr>
-              <a:t> </a:t>
-            </a:r>
-            <a:r>
-              <a:rPr lang="ro-RO" sz="2400" dirty="0">
-                <a:solidFill>
-                  <a:schemeClr val="tx1"/>
-                </a:solidFill>
-                <a:effectLst/>
-                <a:latin typeface="Times New Roman" panose="02020603050405020304" pitchFamily="18" charset="0"/>
-                <a:ea typeface="Times New Roman" panose="02020603050405020304" pitchFamily="18" charset="0"/>
-              </a:rPr>
-              <a:t>iar</a:t>
-            </a:r>
-            <a:r>
-              <a:rPr lang="ro-RO" sz="2400" spc="-5" dirty="0">
-                <a:solidFill>
-                  <a:schemeClr val="tx1"/>
-                </a:solidFill>
-                <a:effectLst/>
-                <a:latin typeface="Times New Roman" panose="02020603050405020304" pitchFamily="18" charset="0"/>
-                <a:ea typeface="Times New Roman" panose="02020603050405020304" pitchFamily="18" charset="0"/>
-              </a:rPr>
-              <a:t> </a:t>
-            </a:r>
-            <a:r>
-              <a:rPr lang="ro-RO" sz="2400" dirty="0">
-                <a:solidFill>
-                  <a:schemeClr val="tx1"/>
-                </a:solidFill>
-                <a:effectLst/>
-                <a:latin typeface="Times New Roman" panose="02020603050405020304" pitchFamily="18" charset="0"/>
-                <a:ea typeface="Times New Roman" panose="02020603050405020304" pitchFamily="18" charset="0"/>
-              </a:rPr>
-              <a:t>extensia</a:t>
-            </a:r>
-            <a:r>
-              <a:rPr lang="ro-RO" sz="2400" spc="10" dirty="0">
-                <a:solidFill>
-                  <a:schemeClr val="tx1"/>
-                </a:solidFill>
-                <a:effectLst/>
-                <a:latin typeface="Times New Roman" panose="02020603050405020304" pitchFamily="18" charset="0"/>
-                <a:ea typeface="Times New Roman" panose="02020603050405020304" pitchFamily="18" charset="0"/>
-              </a:rPr>
-              <a:t> </a:t>
-            </a:r>
-            <a:r>
-              <a:rPr lang="ro-RO" sz="2400" dirty="0">
-                <a:solidFill>
-                  <a:schemeClr val="tx1"/>
-                </a:solidFill>
-                <a:effectLst/>
-                <a:latin typeface="Times New Roman" panose="02020603050405020304" pitchFamily="18" charset="0"/>
-                <a:ea typeface="Times New Roman" panose="02020603050405020304" pitchFamily="18" charset="0"/>
-              </a:rPr>
-              <a:t>procedurală</a:t>
-            </a:r>
-            <a:r>
-              <a:rPr lang="ro-RO" sz="2400" spc="10" dirty="0">
-                <a:solidFill>
-                  <a:schemeClr val="tx1"/>
-                </a:solidFill>
-                <a:effectLst/>
-                <a:latin typeface="Times New Roman" panose="02020603050405020304" pitchFamily="18" charset="0"/>
-                <a:ea typeface="Times New Roman" panose="02020603050405020304" pitchFamily="18" charset="0"/>
-              </a:rPr>
-              <a:t> </a:t>
-            </a:r>
-            <a:r>
-              <a:rPr lang="ro-RO" sz="2400" dirty="0">
-                <a:solidFill>
-                  <a:schemeClr val="tx1"/>
-                </a:solidFill>
-                <a:effectLst/>
-                <a:latin typeface="Times New Roman" panose="02020603050405020304" pitchFamily="18" charset="0"/>
-                <a:ea typeface="Times New Roman" panose="02020603050405020304" pitchFamily="18" charset="0"/>
-              </a:rPr>
-              <a:t>este</a:t>
-            </a:r>
-            <a:r>
-              <a:rPr lang="ro-RO" sz="2400" spc="5" dirty="0">
-                <a:solidFill>
-                  <a:schemeClr val="tx1"/>
-                </a:solidFill>
-                <a:effectLst/>
-                <a:latin typeface="Times New Roman" panose="02020603050405020304" pitchFamily="18" charset="0"/>
-                <a:ea typeface="Times New Roman" panose="02020603050405020304" pitchFamily="18" charset="0"/>
-              </a:rPr>
-              <a:t> </a:t>
-            </a:r>
-            <a:r>
-              <a:rPr lang="ro-RO" sz="2400" dirty="0">
-                <a:solidFill>
-                  <a:schemeClr val="tx1"/>
-                </a:solidFill>
-                <a:effectLst/>
-                <a:latin typeface="Times New Roman" panose="02020603050405020304" pitchFamily="18" charset="0"/>
-                <a:ea typeface="Times New Roman" panose="02020603050405020304" pitchFamily="18" charset="0"/>
-              </a:rPr>
-              <a:t>T-SQL.</a:t>
-            </a:r>
-            <a:endParaRPr lang="ru-RU" sz="2400" dirty="0">
-              <a:solidFill>
-                <a:schemeClr val="tx1"/>
-              </a:solidFill>
-              <a:effectLst/>
-              <a:latin typeface="Times New Roman" panose="02020603050405020304" pitchFamily="18" charset="0"/>
-              <a:ea typeface="Times New Roman" panose="02020603050405020304" pitchFamily="18" charset="0"/>
-            </a:endParaRPr>
-          </a:p>
-          <a:p>
-            <a:pPr marL="71755" marR="142240" indent="457200" algn="just">
-              <a:spcAft>
-                <a:spcPts val="0"/>
-              </a:spcAft>
-            </a:pPr>
-            <a:r>
-              <a:rPr lang="ro-RO" sz="2400" dirty="0">
-                <a:solidFill>
-                  <a:schemeClr val="tx1"/>
-                </a:solidFill>
-                <a:effectLst/>
-                <a:latin typeface="Times New Roman" panose="02020603050405020304" pitchFamily="18" charset="0"/>
-                <a:ea typeface="Times New Roman" panose="02020603050405020304" pitchFamily="18" charset="0"/>
-              </a:rPr>
-              <a:t>Suportă versiunea companiei Microsoft de </a:t>
-            </a:r>
-            <a:r>
-              <a:rPr lang="ro-RO" sz="2400" dirty="0">
-                <a:solidFill>
-                  <a:schemeClr val="tx1"/>
-                </a:solidFill>
-                <a:latin typeface="Times New Roman" panose="02020603050405020304" pitchFamily="18" charset="0"/>
-                <a:ea typeface="Times New Roman" panose="02020603050405020304" pitchFamily="18" charset="0"/>
-              </a:rPr>
-              <a:t>SQL</a:t>
-            </a:r>
-            <a:r>
-              <a:rPr lang="en-US" sz="2400" dirty="0">
-                <a:solidFill>
-                  <a:schemeClr val="tx1"/>
-                </a:solidFill>
-                <a:latin typeface="Times New Roman" panose="02020603050405020304" pitchFamily="18" charset="0"/>
-                <a:ea typeface="Times New Roman" panose="02020603050405020304" pitchFamily="18" charset="0"/>
-              </a:rPr>
-              <a:t> </a:t>
-            </a:r>
-            <a:r>
-              <a:rPr lang="ro-RO" sz="2400" dirty="0">
-                <a:solidFill>
-                  <a:schemeClr val="tx1"/>
-                </a:solidFill>
-                <a:effectLst/>
-                <a:latin typeface="Times New Roman" panose="02020603050405020304" pitchFamily="18" charset="0"/>
-                <a:ea typeface="Times New Roman" panose="02020603050405020304" pitchFamily="18" charset="0"/>
-              </a:rPr>
-              <a:t>(</a:t>
-            </a:r>
-            <a:r>
-              <a:rPr lang="ro-RO" sz="2400" i="1" dirty="0">
-                <a:solidFill>
-                  <a:schemeClr val="tx1"/>
-                </a:solidFill>
-                <a:effectLst/>
-                <a:latin typeface="Times New Roman" panose="02020603050405020304" pitchFamily="18" charset="0"/>
-                <a:ea typeface="Times New Roman" panose="02020603050405020304" pitchFamily="18" charset="0"/>
-              </a:rPr>
-              <a:t>Structured Query Language </a:t>
-            </a:r>
-            <a:r>
-              <a:rPr lang="ro-RO" sz="2400" dirty="0">
-                <a:solidFill>
-                  <a:schemeClr val="tx1"/>
-                </a:solidFill>
-                <a:effectLst/>
-                <a:latin typeface="Times New Roman" panose="02020603050405020304" pitchFamily="18" charset="0"/>
-                <a:ea typeface="Times New Roman" panose="02020603050405020304" pitchFamily="18" charset="0"/>
-              </a:rPr>
-              <a:t>- limbaj</a:t>
-            </a:r>
-            <a:r>
-              <a:rPr lang="ro-RO" sz="2400" spc="5" dirty="0">
-                <a:solidFill>
-                  <a:schemeClr val="tx1"/>
-                </a:solidFill>
-                <a:effectLst/>
-                <a:latin typeface="Times New Roman" panose="02020603050405020304" pitchFamily="18" charset="0"/>
-                <a:ea typeface="Times New Roman" panose="02020603050405020304" pitchFamily="18" charset="0"/>
-              </a:rPr>
-              <a:t> </a:t>
-            </a:r>
-            <a:r>
-              <a:rPr lang="ro-RO" sz="2400" dirty="0">
-                <a:solidFill>
-                  <a:schemeClr val="tx1"/>
-                </a:solidFill>
-                <a:effectLst/>
-                <a:latin typeface="Times New Roman" panose="02020603050405020304" pitchFamily="18" charset="0"/>
-                <a:ea typeface="Times New Roman" panose="02020603050405020304" pitchFamily="18" charset="0"/>
-              </a:rPr>
-              <a:t>structurat de interogări), cel mai răspândit limbaj de interogare pentru bazele de date. Este</a:t>
-            </a:r>
-            <a:r>
-              <a:rPr lang="ro-RO" sz="2400" spc="5" dirty="0">
-                <a:solidFill>
-                  <a:schemeClr val="tx1"/>
-                </a:solidFill>
-                <a:effectLst/>
-                <a:latin typeface="Times New Roman" panose="02020603050405020304" pitchFamily="18" charset="0"/>
-                <a:ea typeface="Times New Roman" panose="02020603050405020304" pitchFamily="18" charset="0"/>
-              </a:rPr>
-              <a:t> </a:t>
-            </a:r>
-            <a:r>
-              <a:rPr lang="ro-RO" sz="2400" dirty="0">
-                <a:solidFill>
-                  <a:schemeClr val="tx1"/>
-                </a:solidFill>
-                <a:effectLst/>
-                <a:latin typeface="Times New Roman" panose="02020603050405020304" pitchFamily="18" charset="0"/>
-                <a:ea typeface="Times New Roman" panose="02020603050405020304" pitchFamily="18" charset="0"/>
-              </a:rPr>
-              <a:t>considerat</a:t>
-            </a:r>
-            <a:r>
-              <a:rPr lang="ro-RO" sz="2400" spc="-15" dirty="0">
-                <a:solidFill>
-                  <a:schemeClr val="tx1"/>
-                </a:solidFill>
-                <a:effectLst/>
-                <a:latin typeface="Times New Roman" panose="02020603050405020304" pitchFamily="18" charset="0"/>
-                <a:ea typeface="Times New Roman" panose="02020603050405020304" pitchFamily="18" charset="0"/>
-              </a:rPr>
-              <a:t> </a:t>
-            </a:r>
-            <a:r>
-              <a:rPr lang="ro-RO" sz="2400" dirty="0">
-                <a:solidFill>
-                  <a:schemeClr val="tx1"/>
-                </a:solidFill>
-                <a:effectLst/>
-                <a:latin typeface="Times New Roman" panose="02020603050405020304" pitchFamily="18" charset="0"/>
-                <a:ea typeface="Times New Roman" panose="02020603050405020304" pitchFamily="18" charset="0"/>
-              </a:rPr>
-              <a:t>un</a:t>
-            </a:r>
-            <a:r>
-              <a:rPr lang="ro-RO" sz="2400" spc="-60" dirty="0">
-                <a:solidFill>
-                  <a:schemeClr val="tx1"/>
-                </a:solidFill>
-                <a:effectLst/>
-                <a:latin typeface="Times New Roman" panose="02020603050405020304" pitchFamily="18" charset="0"/>
-                <a:ea typeface="Times New Roman" panose="02020603050405020304" pitchFamily="18" charset="0"/>
-              </a:rPr>
-              <a:t> </a:t>
-            </a:r>
-            <a:r>
-              <a:rPr lang="ro-RO" sz="2400" dirty="0">
-                <a:solidFill>
-                  <a:schemeClr val="tx1"/>
-                </a:solidFill>
-                <a:effectLst/>
-                <a:latin typeface="Times New Roman" panose="02020603050405020304" pitchFamily="18" charset="0"/>
-                <a:ea typeface="Times New Roman" panose="02020603050405020304" pitchFamily="18" charset="0"/>
-              </a:rPr>
-              <a:t>sistem</a:t>
-            </a:r>
-            <a:r>
-              <a:rPr lang="ro-RO" sz="2400" spc="-60" dirty="0">
-                <a:solidFill>
-                  <a:schemeClr val="tx1"/>
-                </a:solidFill>
-                <a:effectLst/>
-                <a:latin typeface="Times New Roman" panose="02020603050405020304" pitchFamily="18" charset="0"/>
-                <a:ea typeface="Times New Roman" panose="02020603050405020304" pitchFamily="18" charset="0"/>
-              </a:rPr>
-              <a:t> </a:t>
-            </a:r>
-            <a:r>
-              <a:rPr lang="ro-RO" sz="2400" dirty="0">
-                <a:solidFill>
-                  <a:schemeClr val="tx1"/>
-                </a:solidFill>
-                <a:effectLst/>
-                <a:latin typeface="Times New Roman" panose="02020603050405020304" pitchFamily="18" charset="0"/>
-                <a:ea typeface="Times New Roman" panose="02020603050405020304" pitchFamily="18" charset="0"/>
-              </a:rPr>
-              <a:t>de</a:t>
-            </a:r>
-            <a:r>
-              <a:rPr lang="ro-RO" sz="2400" spc="-35" dirty="0">
-                <a:solidFill>
-                  <a:schemeClr val="tx1"/>
-                </a:solidFill>
-                <a:effectLst/>
-                <a:latin typeface="Times New Roman" panose="02020603050405020304" pitchFamily="18" charset="0"/>
-                <a:ea typeface="Times New Roman" panose="02020603050405020304" pitchFamily="18" charset="0"/>
-              </a:rPr>
-              <a:t> </a:t>
-            </a:r>
-            <a:r>
-              <a:rPr lang="ro-RO" sz="2400" dirty="0">
-                <a:solidFill>
-                  <a:schemeClr val="tx1"/>
-                </a:solidFill>
-                <a:effectLst/>
-                <a:latin typeface="Times New Roman" panose="02020603050405020304" pitchFamily="18" charset="0"/>
-                <a:ea typeface="Times New Roman" panose="02020603050405020304" pitchFamily="18" charset="0"/>
-              </a:rPr>
-              <a:t>gestionare</a:t>
-            </a:r>
-            <a:r>
-              <a:rPr lang="ro-RO" sz="2400" spc="-30" dirty="0">
-                <a:solidFill>
-                  <a:schemeClr val="tx1"/>
-                </a:solidFill>
-                <a:effectLst/>
-                <a:latin typeface="Times New Roman" panose="02020603050405020304" pitchFamily="18" charset="0"/>
-                <a:ea typeface="Times New Roman" panose="02020603050405020304" pitchFamily="18" charset="0"/>
-              </a:rPr>
-              <a:t> </a:t>
-            </a:r>
-            <a:r>
-              <a:rPr lang="ro-RO" sz="2400" dirty="0">
-                <a:solidFill>
-                  <a:schemeClr val="tx1"/>
-                </a:solidFill>
-                <a:effectLst/>
-                <a:latin typeface="Times New Roman" panose="02020603050405020304" pitchFamily="18" charset="0"/>
-                <a:ea typeface="Times New Roman" panose="02020603050405020304" pitchFamily="18" charset="0"/>
-              </a:rPr>
-              <a:t>a</a:t>
-            </a:r>
-            <a:r>
-              <a:rPr lang="ro-RO" sz="2400" spc="-35" dirty="0">
-                <a:solidFill>
-                  <a:schemeClr val="tx1"/>
-                </a:solidFill>
-                <a:effectLst/>
-                <a:latin typeface="Times New Roman" panose="02020603050405020304" pitchFamily="18" charset="0"/>
-                <a:ea typeface="Times New Roman" panose="02020603050405020304" pitchFamily="18" charset="0"/>
-              </a:rPr>
-              <a:t> </a:t>
-            </a:r>
-            <a:r>
-              <a:rPr lang="ro-RO" sz="2400" dirty="0">
-                <a:solidFill>
-                  <a:schemeClr val="tx1"/>
-                </a:solidFill>
-                <a:effectLst/>
-                <a:latin typeface="Times New Roman" panose="02020603050405020304" pitchFamily="18" charset="0"/>
-                <a:ea typeface="Times New Roman" panose="02020603050405020304" pitchFamily="18" charset="0"/>
-              </a:rPr>
-              <a:t>bazelor</a:t>
-            </a:r>
-            <a:r>
-              <a:rPr lang="ro-RO" sz="2400" spc="-20" dirty="0">
-                <a:solidFill>
-                  <a:schemeClr val="tx1"/>
-                </a:solidFill>
-                <a:effectLst/>
-                <a:latin typeface="Times New Roman" panose="02020603050405020304" pitchFamily="18" charset="0"/>
-                <a:ea typeface="Times New Roman" panose="02020603050405020304" pitchFamily="18" charset="0"/>
-              </a:rPr>
-              <a:t> </a:t>
-            </a:r>
-            <a:r>
-              <a:rPr lang="ro-RO" sz="2400" dirty="0">
-                <a:solidFill>
-                  <a:schemeClr val="tx1"/>
-                </a:solidFill>
-                <a:effectLst/>
-                <a:latin typeface="Times New Roman" panose="02020603050405020304" pitchFamily="18" charset="0"/>
-                <a:ea typeface="Times New Roman" panose="02020603050405020304" pitchFamily="18" charset="0"/>
-              </a:rPr>
-              <a:t>de</a:t>
-            </a:r>
-            <a:r>
-              <a:rPr lang="ro-RO" sz="2400" spc="-35" dirty="0">
-                <a:solidFill>
-                  <a:schemeClr val="tx1"/>
-                </a:solidFill>
-                <a:effectLst/>
-                <a:latin typeface="Times New Roman" panose="02020603050405020304" pitchFamily="18" charset="0"/>
-                <a:ea typeface="Times New Roman" panose="02020603050405020304" pitchFamily="18" charset="0"/>
-              </a:rPr>
-              <a:t> </a:t>
-            </a:r>
-            <a:r>
-              <a:rPr lang="ro-RO" sz="2400" dirty="0">
-                <a:solidFill>
-                  <a:schemeClr val="tx1"/>
-                </a:solidFill>
-                <a:effectLst/>
-                <a:latin typeface="Times New Roman" panose="02020603050405020304" pitchFamily="18" charset="0"/>
-                <a:ea typeface="Times New Roman" panose="02020603050405020304" pitchFamily="18" charset="0"/>
-              </a:rPr>
-              <a:t>date</a:t>
-            </a:r>
-            <a:r>
-              <a:rPr lang="ro-RO" sz="2400" spc="-35" dirty="0">
-                <a:solidFill>
-                  <a:schemeClr val="tx1"/>
-                </a:solidFill>
-                <a:effectLst/>
-                <a:latin typeface="Times New Roman" panose="02020603050405020304" pitchFamily="18" charset="0"/>
-                <a:ea typeface="Times New Roman" panose="02020603050405020304" pitchFamily="18" charset="0"/>
-              </a:rPr>
-              <a:t> </a:t>
-            </a:r>
-            <a:r>
-              <a:rPr lang="ro-RO" sz="2400" dirty="0">
-                <a:solidFill>
-                  <a:schemeClr val="tx1"/>
-                </a:solidFill>
-                <a:effectLst/>
-                <a:latin typeface="Times New Roman" panose="02020603050405020304" pitchFamily="18" charset="0"/>
-                <a:ea typeface="Times New Roman" panose="02020603050405020304" pitchFamily="18" charset="0"/>
-              </a:rPr>
-              <a:t>pentru</a:t>
-            </a:r>
-            <a:r>
-              <a:rPr lang="ro-RO" sz="2400" spc="-30" dirty="0">
-                <a:solidFill>
-                  <a:schemeClr val="tx1"/>
-                </a:solidFill>
-                <a:effectLst/>
-                <a:latin typeface="Times New Roman" panose="02020603050405020304" pitchFamily="18" charset="0"/>
-                <a:ea typeface="Times New Roman" panose="02020603050405020304" pitchFamily="18" charset="0"/>
-              </a:rPr>
-              <a:t> </a:t>
-            </a:r>
-            <a:r>
-              <a:rPr lang="ro-RO" sz="2400" dirty="0">
-                <a:solidFill>
-                  <a:schemeClr val="tx1"/>
-                </a:solidFill>
-                <a:effectLst/>
-                <a:latin typeface="Times New Roman" panose="02020603050405020304" pitchFamily="18" charset="0"/>
-                <a:ea typeface="Times New Roman" panose="02020603050405020304" pitchFamily="18" charset="0"/>
-              </a:rPr>
-              <a:t>întreprinderi</a:t>
-            </a:r>
-            <a:r>
-              <a:rPr lang="ro-RO" sz="2400" spc="-5" dirty="0">
-                <a:solidFill>
-                  <a:schemeClr val="tx1"/>
-                </a:solidFill>
-                <a:effectLst/>
-                <a:latin typeface="Times New Roman" panose="02020603050405020304" pitchFamily="18" charset="0"/>
-                <a:ea typeface="Times New Roman" panose="02020603050405020304" pitchFamily="18" charset="0"/>
-              </a:rPr>
-              <a:t> </a:t>
-            </a:r>
-            <a:r>
-              <a:rPr lang="ro-RO" sz="2400" dirty="0">
-                <a:solidFill>
-                  <a:schemeClr val="tx1"/>
-                </a:solidFill>
-                <a:effectLst/>
-                <a:latin typeface="Times New Roman" panose="02020603050405020304" pitchFamily="18" charset="0"/>
-                <a:ea typeface="Times New Roman" panose="02020603050405020304" pitchFamily="18" charset="0"/>
-              </a:rPr>
-              <a:t>-</a:t>
-            </a:r>
-            <a:r>
-              <a:rPr lang="ro-RO" sz="2400" spc="-45" dirty="0">
-                <a:solidFill>
-                  <a:schemeClr val="tx1"/>
-                </a:solidFill>
-                <a:effectLst/>
-                <a:latin typeface="Times New Roman" panose="02020603050405020304" pitchFamily="18" charset="0"/>
-                <a:ea typeface="Times New Roman" panose="02020603050405020304" pitchFamily="18" charset="0"/>
-              </a:rPr>
-              <a:t> </a:t>
-            </a:r>
-            <a:r>
-              <a:rPr lang="ro-RO" sz="2400" dirty="0">
-                <a:solidFill>
-                  <a:schemeClr val="tx1"/>
-                </a:solidFill>
-                <a:effectLst/>
-                <a:latin typeface="Times New Roman" panose="02020603050405020304" pitchFamily="18" charset="0"/>
-                <a:ea typeface="Times New Roman" panose="02020603050405020304" pitchFamily="18" charset="0"/>
-              </a:rPr>
-              <a:t>adică</a:t>
-            </a:r>
-            <a:r>
-              <a:rPr lang="ro-RO" sz="2400" spc="-30" dirty="0">
-                <a:solidFill>
-                  <a:schemeClr val="tx1"/>
-                </a:solidFill>
-                <a:effectLst/>
-                <a:latin typeface="Times New Roman" panose="02020603050405020304" pitchFamily="18" charset="0"/>
-                <a:ea typeface="Times New Roman" panose="02020603050405020304" pitchFamily="18" charset="0"/>
-              </a:rPr>
-              <a:t> </a:t>
-            </a:r>
-            <a:r>
-              <a:rPr lang="ro-RO" sz="2400" dirty="0">
-                <a:solidFill>
-                  <a:schemeClr val="tx1"/>
-                </a:solidFill>
-                <a:effectLst/>
-                <a:latin typeface="Times New Roman" panose="02020603050405020304" pitchFamily="18" charset="0"/>
-                <a:ea typeface="Times New Roman" panose="02020603050405020304" pitchFamily="18" charset="0"/>
-              </a:rPr>
-              <a:t>se</a:t>
-            </a:r>
-            <a:r>
-              <a:rPr lang="ro-RO" sz="2400" spc="-35" dirty="0">
-                <a:solidFill>
-                  <a:schemeClr val="tx1"/>
-                </a:solidFill>
-                <a:effectLst/>
-                <a:latin typeface="Times New Roman" panose="02020603050405020304" pitchFamily="18" charset="0"/>
-                <a:ea typeface="Times New Roman" panose="02020603050405020304" pitchFamily="18" charset="0"/>
-              </a:rPr>
-              <a:t> </a:t>
-            </a:r>
-            <a:r>
-              <a:rPr lang="ro-RO" sz="2400" dirty="0">
-                <a:solidFill>
-                  <a:schemeClr val="tx1"/>
-                </a:solidFill>
-                <a:effectLst/>
-                <a:latin typeface="Times New Roman" panose="02020603050405020304" pitchFamily="18" charset="0"/>
-                <a:ea typeface="Times New Roman" panose="02020603050405020304" pitchFamily="18" charset="0"/>
-              </a:rPr>
-              <a:t>poate</a:t>
-            </a:r>
-            <a:r>
-              <a:rPr lang="ro-RO" sz="2400" spc="-30" dirty="0">
-                <a:solidFill>
-                  <a:schemeClr val="tx1"/>
-                </a:solidFill>
-                <a:effectLst/>
-                <a:latin typeface="Times New Roman" panose="02020603050405020304" pitchFamily="18" charset="0"/>
-                <a:ea typeface="Times New Roman" panose="02020603050405020304" pitchFamily="18" charset="0"/>
-              </a:rPr>
-              <a:t> </a:t>
-            </a:r>
-            <a:r>
-              <a:rPr lang="ro-RO" sz="2400" dirty="0">
-                <a:solidFill>
-                  <a:schemeClr val="tx1"/>
-                </a:solidFill>
-                <a:effectLst/>
-                <a:latin typeface="Times New Roman" panose="02020603050405020304" pitchFamily="18" charset="0"/>
-                <a:ea typeface="Times New Roman" panose="02020603050405020304" pitchFamily="18" charset="0"/>
-              </a:rPr>
-              <a:t>aplica</a:t>
-            </a:r>
-            <a:r>
-              <a:rPr lang="ro-RO" sz="2400" spc="-335" dirty="0">
-                <a:solidFill>
-                  <a:schemeClr val="tx1"/>
-                </a:solidFill>
-                <a:effectLst/>
-                <a:latin typeface="Times New Roman" panose="02020603050405020304" pitchFamily="18" charset="0"/>
-                <a:ea typeface="Times New Roman" panose="02020603050405020304" pitchFamily="18" charset="0"/>
-              </a:rPr>
-              <a:t> </a:t>
-            </a:r>
-            <a:r>
-              <a:rPr lang="ro-RO" sz="2400" spc="-5" dirty="0">
-                <a:solidFill>
-                  <a:schemeClr val="tx1"/>
-                </a:solidFill>
-                <a:effectLst/>
-                <a:latin typeface="Times New Roman" panose="02020603050405020304" pitchFamily="18" charset="0"/>
-                <a:ea typeface="Times New Roman" panose="02020603050405020304" pitchFamily="18" charset="0"/>
-              </a:rPr>
-              <a:t>bazelor</a:t>
-            </a:r>
-            <a:r>
-              <a:rPr lang="ro-RO" sz="2400" spc="-70" dirty="0">
-                <a:solidFill>
-                  <a:schemeClr val="tx1"/>
-                </a:solidFill>
-                <a:effectLst/>
-                <a:latin typeface="Times New Roman" panose="02020603050405020304" pitchFamily="18" charset="0"/>
-                <a:ea typeface="Times New Roman" panose="02020603050405020304" pitchFamily="18" charset="0"/>
-              </a:rPr>
-              <a:t> </a:t>
-            </a:r>
-            <a:r>
-              <a:rPr lang="ro-RO" sz="2400" spc="-5" dirty="0">
-                <a:solidFill>
-                  <a:schemeClr val="tx1"/>
-                </a:solidFill>
-                <a:effectLst/>
-                <a:latin typeface="Times New Roman" panose="02020603050405020304" pitchFamily="18" charset="0"/>
-                <a:ea typeface="Times New Roman" panose="02020603050405020304" pitchFamily="18" charset="0"/>
-              </a:rPr>
-              <a:t>de</a:t>
-            </a:r>
-            <a:r>
-              <a:rPr lang="ro-RO" sz="2400" spc="-55" dirty="0">
-                <a:solidFill>
-                  <a:schemeClr val="tx1"/>
-                </a:solidFill>
-                <a:effectLst/>
-                <a:latin typeface="Times New Roman" panose="02020603050405020304" pitchFamily="18" charset="0"/>
-                <a:ea typeface="Times New Roman" panose="02020603050405020304" pitchFamily="18" charset="0"/>
-              </a:rPr>
-              <a:t> </a:t>
-            </a:r>
-            <a:r>
-              <a:rPr lang="ro-RO" sz="2400" spc="-5" dirty="0">
-                <a:solidFill>
-                  <a:schemeClr val="tx1"/>
-                </a:solidFill>
-                <a:effectLst/>
-                <a:latin typeface="Times New Roman" panose="02020603050405020304" pitchFamily="18" charset="0"/>
-                <a:ea typeface="Times New Roman" panose="02020603050405020304" pitchFamily="18" charset="0"/>
-              </a:rPr>
-              <a:t>date</a:t>
-            </a:r>
-            <a:r>
-              <a:rPr lang="ro-RO" sz="2400" spc="-75" dirty="0">
-                <a:solidFill>
-                  <a:schemeClr val="tx1"/>
-                </a:solidFill>
-                <a:effectLst/>
-                <a:latin typeface="Times New Roman" panose="02020603050405020304" pitchFamily="18" charset="0"/>
-                <a:ea typeface="Times New Roman" panose="02020603050405020304" pitchFamily="18" charset="0"/>
-              </a:rPr>
-              <a:t> </a:t>
-            </a:r>
-            <a:r>
-              <a:rPr lang="ro-RO" sz="2400" spc="-5" dirty="0">
-                <a:solidFill>
-                  <a:schemeClr val="tx1"/>
-                </a:solidFill>
-                <a:effectLst/>
-                <a:latin typeface="Times New Roman" panose="02020603050405020304" pitchFamily="18" charset="0"/>
-                <a:ea typeface="Times New Roman" panose="02020603050405020304" pitchFamily="18" charset="0"/>
-              </a:rPr>
-              <a:t>de</a:t>
-            </a:r>
-            <a:r>
-              <a:rPr lang="ro-RO" sz="2400" spc="-80" dirty="0">
-                <a:solidFill>
-                  <a:schemeClr val="tx1"/>
-                </a:solidFill>
-                <a:effectLst/>
-                <a:latin typeface="Times New Roman" panose="02020603050405020304" pitchFamily="18" charset="0"/>
-                <a:ea typeface="Times New Roman" panose="02020603050405020304" pitchFamily="18" charset="0"/>
-              </a:rPr>
-              <a:t> </a:t>
-            </a:r>
-            <a:r>
-              <a:rPr lang="ro-RO" sz="2400" spc="-5" dirty="0">
-                <a:solidFill>
-                  <a:schemeClr val="tx1"/>
-                </a:solidFill>
-                <a:effectLst/>
-                <a:latin typeface="Times New Roman" panose="02020603050405020304" pitchFamily="18" charset="0"/>
-                <a:ea typeface="Times New Roman" panose="02020603050405020304" pitchFamily="18" charset="0"/>
-              </a:rPr>
-              <a:t>dimensiuni</a:t>
-            </a:r>
-            <a:r>
-              <a:rPr lang="ro-RO" sz="2400" spc="-60" dirty="0">
-                <a:solidFill>
-                  <a:schemeClr val="tx1"/>
-                </a:solidFill>
-                <a:effectLst/>
-                <a:latin typeface="Times New Roman" panose="02020603050405020304" pitchFamily="18" charset="0"/>
-                <a:ea typeface="Times New Roman" panose="02020603050405020304" pitchFamily="18" charset="0"/>
-              </a:rPr>
-              <a:t> </a:t>
-            </a:r>
-            <a:r>
-              <a:rPr lang="ro-RO" sz="2400" dirty="0">
-                <a:solidFill>
-                  <a:schemeClr val="tx1"/>
-                </a:solidFill>
-                <a:effectLst/>
-                <a:latin typeface="Times New Roman" panose="02020603050405020304" pitchFamily="18" charset="0"/>
-                <a:ea typeface="Times New Roman" panose="02020603050405020304" pitchFamily="18" charset="0"/>
-              </a:rPr>
-              <a:t>foarte</a:t>
-            </a:r>
-            <a:r>
-              <a:rPr lang="ro-RO" sz="2400" spc="-35" dirty="0">
-                <a:solidFill>
-                  <a:schemeClr val="tx1"/>
-                </a:solidFill>
-                <a:effectLst/>
-                <a:latin typeface="Times New Roman" panose="02020603050405020304" pitchFamily="18" charset="0"/>
-                <a:ea typeface="Times New Roman" panose="02020603050405020304" pitchFamily="18" charset="0"/>
-              </a:rPr>
-              <a:t> </a:t>
-            </a:r>
-            <a:r>
-              <a:rPr lang="ro-RO" sz="2400" dirty="0">
-                <a:solidFill>
-                  <a:schemeClr val="tx1"/>
-                </a:solidFill>
-                <a:effectLst/>
-                <a:latin typeface="Times New Roman" panose="02020603050405020304" pitchFamily="18" charset="0"/>
-                <a:ea typeface="Times New Roman" panose="02020603050405020304" pitchFamily="18" charset="0"/>
-              </a:rPr>
-              <a:t>mari</a:t>
-            </a:r>
-            <a:r>
-              <a:rPr lang="ro-RO" sz="2400" spc="-75" dirty="0">
-                <a:solidFill>
-                  <a:schemeClr val="tx1"/>
-                </a:solidFill>
-                <a:effectLst/>
-                <a:latin typeface="Times New Roman" panose="02020603050405020304" pitchFamily="18" charset="0"/>
-                <a:ea typeface="Times New Roman" panose="02020603050405020304" pitchFamily="18" charset="0"/>
-              </a:rPr>
-              <a:t> </a:t>
-            </a:r>
-            <a:r>
-              <a:rPr lang="ro-RO" sz="2400" dirty="0">
-                <a:solidFill>
-                  <a:schemeClr val="tx1"/>
-                </a:solidFill>
-                <a:effectLst/>
-                <a:latin typeface="Times New Roman" panose="02020603050405020304" pitchFamily="18" charset="0"/>
-                <a:ea typeface="Times New Roman" panose="02020603050405020304" pitchFamily="18" charset="0"/>
-              </a:rPr>
-              <a:t>-</a:t>
-            </a:r>
-            <a:r>
-              <a:rPr lang="ro-RO" sz="2400" spc="-65" dirty="0">
-                <a:solidFill>
-                  <a:schemeClr val="tx1"/>
-                </a:solidFill>
-                <a:effectLst/>
-                <a:latin typeface="Times New Roman" panose="02020603050405020304" pitchFamily="18" charset="0"/>
-                <a:ea typeface="Times New Roman" panose="02020603050405020304" pitchFamily="18" charset="0"/>
-              </a:rPr>
-              <a:t> </a:t>
-            </a:r>
-            <a:r>
-              <a:rPr lang="ro-RO" sz="2400" dirty="0">
-                <a:solidFill>
-                  <a:schemeClr val="tx1"/>
-                </a:solidFill>
-                <a:effectLst/>
-                <a:latin typeface="Times New Roman" panose="02020603050405020304" pitchFamily="18" charset="0"/>
-                <a:ea typeface="Times New Roman" panose="02020603050405020304" pitchFamily="18" charset="0"/>
-              </a:rPr>
-              <a:t>însă</a:t>
-            </a:r>
-            <a:r>
-              <a:rPr lang="ro-RO" sz="2400" spc="-55" dirty="0">
-                <a:solidFill>
-                  <a:schemeClr val="tx1"/>
-                </a:solidFill>
-                <a:effectLst/>
-                <a:latin typeface="Times New Roman" panose="02020603050405020304" pitchFamily="18" charset="0"/>
-                <a:ea typeface="Times New Roman" panose="02020603050405020304" pitchFamily="18" charset="0"/>
-              </a:rPr>
-              <a:t> </a:t>
-            </a:r>
-            <a:r>
-              <a:rPr lang="ro-RO" sz="2400" dirty="0">
-                <a:solidFill>
-                  <a:schemeClr val="tx1"/>
-                </a:solidFill>
-                <a:effectLst/>
-                <a:latin typeface="Times New Roman" panose="02020603050405020304" pitchFamily="18" charset="0"/>
-                <a:ea typeface="Times New Roman" panose="02020603050405020304" pitchFamily="18" charset="0"/>
-              </a:rPr>
-              <a:t>la</a:t>
-            </a:r>
-            <a:r>
-              <a:rPr lang="ro-RO" sz="2400" spc="-50" dirty="0">
-                <a:solidFill>
-                  <a:schemeClr val="tx1"/>
-                </a:solidFill>
-                <a:effectLst/>
-                <a:latin typeface="Times New Roman" panose="02020603050405020304" pitchFamily="18" charset="0"/>
-                <a:ea typeface="Times New Roman" panose="02020603050405020304" pitchFamily="18" charset="0"/>
-              </a:rPr>
-              <a:t> </a:t>
-            </a:r>
-            <a:r>
-              <a:rPr lang="ro-RO" sz="2400" dirty="0">
-                <a:solidFill>
-                  <a:schemeClr val="tx1"/>
-                </a:solidFill>
-                <a:effectLst/>
-                <a:latin typeface="Times New Roman" panose="02020603050405020304" pitchFamily="18" charset="0"/>
-                <a:ea typeface="Times New Roman" panose="02020603050405020304" pitchFamily="18" charset="0"/>
-              </a:rPr>
-              <a:t>ultimele</a:t>
-            </a:r>
-            <a:r>
-              <a:rPr lang="ro-RO" sz="2400" spc="-35" dirty="0">
-                <a:solidFill>
-                  <a:schemeClr val="tx1"/>
-                </a:solidFill>
-                <a:effectLst/>
-                <a:latin typeface="Times New Roman" panose="02020603050405020304" pitchFamily="18" charset="0"/>
-                <a:ea typeface="Times New Roman" panose="02020603050405020304" pitchFamily="18" charset="0"/>
-              </a:rPr>
-              <a:t> </a:t>
-            </a:r>
-            <a:r>
-              <a:rPr lang="ro-RO" sz="2400" dirty="0">
-                <a:solidFill>
-                  <a:schemeClr val="tx1"/>
-                </a:solidFill>
-                <a:effectLst/>
-                <a:latin typeface="Times New Roman" panose="02020603050405020304" pitchFamily="18" charset="0"/>
-                <a:ea typeface="Times New Roman" panose="02020603050405020304" pitchFamily="18" charset="0"/>
-              </a:rPr>
-              <a:t>versiuni</a:t>
-            </a:r>
-            <a:r>
-              <a:rPr lang="ro-RO" sz="2400" spc="-90" dirty="0">
-                <a:solidFill>
-                  <a:schemeClr val="tx1"/>
-                </a:solidFill>
-                <a:effectLst/>
-                <a:latin typeface="Times New Roman" panose="02020603050405020304" pitchFamily="18" charset="0"/>
-                <a:ea typeface="Times New Roman" panose="02020603050405020304" pitchFamily="18" charset="0"/>
-              </a:rPr>
-              <a:t> </a:t>
-            </a:r>
-            <a:r>
-              <a:rPr lang="ro-RO" sz="2400" dirty="0">
-                <a:solidFill>
-                  <a:schemeClr val="tx1"/>
-                </a:solidFill>
-                <a:effectLst/>
-                <a:latin typeface="Times New Roman" panose="02020603050405020304" pitchFamily="18" charset="0"/>
-                <a:ea typeface="Times New Roman" panose="02020603050405020304" pitchFamily="18" charset="0"/>
-              </a:rPr>
-              <a:t>au</a:t>
-            </a:r>
-            <a:r>
-              <a:rPr lang="ro-RO" sz="2400" spc="-55" dirty="0">
-                <a:solidFill>
-                  <a:schemeClr val="tx1"/>
-                </a:solidFill>
-                <a:effectLst/>
-                <a:latin typeface="Times New Roman" panose="02020603050405020304" pitchFamily="18" charset="0"/>
-                <a:ea typeface="Times New Roman" panose="02020603050405020304" pitchFamily="18" charset="0"/>
-              </a:rPr>
-              <a:t> </a:t>
-            </a:r>
-            <a:r>
-              <a:rPr lang="ro-RO" sz="2400" dirty="0">
-                <a:solidFill>
-                  <a:schemeClr val="tx1"/>
-                </a:solidFill>
-                <a:effectLst/>
-                <a:latin typeface="Times New Roman" panose="02020603050405020304" pitchFamily="18" charset="0"/>
-                <a:ea typeface="Times New Roman" panose="02020603050405020304" pitchFamily="18" charset="0"/>
-              </a:rPr>
-              <a:t>venit</a:t>
-            </a:r>
-            <a:r>
-              <a:rPr lang="ro-RO" sz="2400" spc="-65" dirty="0">
-                <a:solidFill>
-                  <a:schemeClr val="tx1"/>
-                </a:solidFill>
-                <a:effectLst/>
-                <a:latin typeface="Times New Roman" panose="02020603050405020304" pitchFamily="18" charset="0"/>
-                <a:ea typeface="Times New Roman" panose="02020603050405020304" pitchFamily="18" charset="0"/>
-              </a:rPr>
-              <a:t> </a:t>
-            </a:r>
-            <a:r>
-              <a:rPr lang="ro-RO" sz="2400" dirty="0">
-                <a:solidFill>
-                  <a:schemeClr val="tx1"/>
-                </a:solidFill>
-                <a:effectLst/>
-                <a:latin typeface="Times New Roman" panose="02020603050405020304" pitchFamily="18" charset="0"/>
-                <a:ea typeface="Times New Roman" panose="02020603050405020304" pitchFamily="18" charset="0"/>
-              </a:rPr>
-              <a:t>cu</a:t>
-            </a:r>
-            <a:r>
-              <a:rPr lang="ro-RO" sz="2400" spc="-55" dirty="0">
-                <a:solidFill>
-                  <a:schemeClr val="tx1"/>
-                </a:solidFill>
-                <a:effectLst/>
-                <a:latin typeface="Times New Roman" panose="02020603050405020304" pitchFamily="18" charset="0"/>
-                <a:ea typeface="Times New Roman" panose="02020603050405020304" pitchFamily="18" charset="0"/>
-              </a:rPr>
-              <a:t> </a:t>
-            </a:r>
-            <a:r>
-              <a:rPr lang="ro-RO" sz="2400" dirty="0">
-                <a:solidFill>
-                  <a:schemeClr val="tx1"/>
-                </a:solidFill>
-                <a:effectLst/>
-                <a:latin typeface="Times New Roman" panose="02020603050405020304" pitchFamily="18" charset="0"/>
-                <a:ea typeface="Times New Roman" panose="02020603050405020304" pitchFamily="18" charset="0"/>
-              </a:rPr>
-              <a:t>mai</a:t>
-            </a:r>
-            <a:r>
-              <a:rPr lang="ro-RO" sz="2400" spc="-65" dirty="0">
-                <a:solidFill>
-                  <a:schemeClr val="tx1"/>
-                </a:solidFill>
-                <a:effectLst/>
-                <a:latin typeface="Times New Roman" panose="02020603050405020304" pitchFamily="18" charset="0"/>
-                <a:ea typeface="Times New Roman" panose="02020603050405020304" pitchFamily="18" charset="0"/>
-              </a:rPr>
-              <a:t> </a:t>
-            </a:r>
-            <a:r>
-              <a:rPr lang="ro-RO" sz="2400" dirty="0">
-                <a:solidFill>
-                  <a:schemeClr val="tx1"/>
-                </a:solidFill>
-                <a:effectLst/>
-                <a:latin typeface="Times New Roman" panose="02020603050405020304" pitchFamily="18" charset="0"/>
-                <a:ea typeface="Times New Roman" panose="02020603050405020304" pitchFamily="18" charset="0"/>
-              </a:rPr>
-              <a:t>multe</a:t>
-            </a:r>
-            <a:r>
-              <a:rPr lang="ro-RO" sz="2400" spc="-55" dirty="0">
-                <a:solidFill>
-                  <a:schemeClr val="tx1"/>
-                </a:solidFill>
-                <a:effectLst/>
-                <a:latin typeface="Times New Roman" panose="02020603050405020304" pitchFamily="18" charset="0"/>
-                <a:ea typeface="Times New Roman" panose="02020603050405020304" pitchFamily="18" charset="0"/>
-              </a:rPr>
-              <a:t> </a:t>
-            </a:r>
-            <a:r>
-              <a:rPr lang="ro-RO" sz="2400" dirty="0">
-                <a:solidFill>
-                  <a:schemeClr val="tx1"/>
-                </a:solidFill>
-                <a:effectLst/>
-                <a:latin typeface="Times New Roman" panose="02020603050405020304" pitchFamily="18" charset="0"/>
-                <a:ea typeface="Times New Roman" panose="02020603050405020304" pitchFamily="18" charset="0"/>
-              </a:rPr>
-              <a:t>tipuri</a:t>
-            </a:r>
-            <a:r>
-              <a:rPr lang="ro-RO" sz="2400" spc="-335" dirty="0">
-                <a:solidFill>
-                  <a:schemeClr val="tx1"/>
-                </a:solidFill>
-                <a:effectLst/>
-                <a:latin typeface="Times New Roman" panose="02020603050405020304" pitchFamily="18" charset="0"/>
-                <a:ea typeface="Times New Roman" panose="02020603050405020304" pitchFamily="18" charset="0"/>
-              </a:rPr>
-              <a:t> </a:t>
-            </a:r>
-            <a:r>
-              <a:rPr lang="ro-RO" sz="2400" dirty="0">
-                <a:solidFill>
-                  <a:schemeClr val="tx1"/>
-                </a:solidFill>
-                <a:effectLst/>
-                <a:latin typeface="Times New Roman" panose="02020603050405020304" pitchFamily="18" charset="0"/>
-                <a:ea typeface="Times New Roman" panose="02020603050405020304" pitchFamily="18" charset="0"/>
-              </a:rPr>
-              <a:t>de licențiere, de la cele free la unele avansate, astfel că în prezent putem spune că SQL Server</a:t>
-            </a:r>
-            <a:r>
-              <a:rPr lang="ro-RO" sz="2400" spc="-335" dirty="0">
-                <a:solidFill>
-                  <a:schemeClr val="tx1"/>
-                </a:solidFill>
-                <a:effectLst/>
-                <a:latin typeface="Times New Roman" panose="02020603050405020304" pitchFamily="18" charset="0"/>
-                <a:ea typeface="Times New Roman" panose="02020603050405020304" pitchFamily="18" charset="0"/>
-              </a:rPr>
-              <a:t> </a:t>
-            </a:r>
-            <a:r>
-              <a:rPr lang="ro-RO" sz="2400" dirty="0">
-                <a:solidFill>
-                  <a:schemeClr val="tx1"/>
-                </a:solidFill>
-                <a:effectLst/>
-                <a:latin typeface="Times New Roman" panose="02020603050405020304" pitchFamily="18" charset="0"/>
-                <a:ea typeface="Times New Roman" panose="02020603050405020304" pitchFamily="18" charset="0"/>
-              </a:rPr>
-              <a:t>se</a:t>
-            </a:r>
-            <a:r>
-              <a:rPr lang="ro-RO" sz="2400" spc="5" dirty="0">
-                <a:solidFill>
-                  <a:schemeClr val="tx1"/>
-                </a:solidFill>
-                <a:effectLst/>
-                <a:latin typeface="Times New Roman" panose="02020603050405020304" pitchFamily="18" charset="0"/>
-                <a:ea typeface="Times New Roman" panose="02020603050405020304" pitchFamily="18" charset="0"/>
-              </a:rPr>
-              <a:t> </a:t>
-            </a:r>
-            <a:r>
-              <a:rPr lang="ro-RO" sz="2400" dirty="0">
-                <a:solidFill>
-                  <a:schemeClr val="tx1"/>
-                </a:solidFill>
-                <a:effectLst/>
-                <a:latin typeface="Times New Roman" panose="02020603050405020304" pitchFamily="18" charset="0"/>
-                <a:ea typeface="Times New Roman" panose="02020603050405020304" pitchFamily="18" charset="0"/>
-              </a:rPr>
-              <a:t>poate</a:t>
-            </a:r>
-            <a:r>
-              <a:rPr lang="ro-RO" sz="2400" spc="5" dirty="0">
-                <a:solidFill>
-                  <a:schemeClr val="tx1"/>
-                </a:solidFill>
-                <a:effectLst/>
-                <a:latin typeface="Times New Roman" panose="02020603050405020304" pitchFamily="18" charset="0"/>
-                <a:ea typeface="Times New Roman" panose="02020603050405020304" pitchFamily="18" charset="0"/>
-              </a:rPr>
-              <a:t> </a:t>
-            </a:r>
-            <a:r>
-              <a:rPr lang="ro-RO" sz="2400" dirty="0">
-                <a:solidFill>
-                  <a:schemeClr val="tx1"/>
-                </a:solidFill>
-                <a:effectLst/>
-                <a:latin typeface="Times New Roman" panose="02020603050405020304" pitchFamily="18" charset="0"/>
-                <a:ea typeface="Times New Roman" panose="02020603050405020304" pitchFamily="18" charset="0"/>
-              </a:rPr>
-              <a:t>folosi</a:t>
-            </a:r>
-            <a:r>
-              <a:rPr lang="ro-RO" sz="2400" spc="-20" dirty="0">
-                <a:solidFill>
-                  <a:schemeClr val="tx1"/>
-                </a:solidFill>
-                <a:effectLst/>
-                <a:latin typeface="Times New Roman" panose="02020603050405020304" pitchFamily="18" charset="0"/>
-                <a:ea typeface="Times New Roman" panose="02020603050405020304" pitchFamily="18" charset="0"/>
-              </a:rPr>
-              <a:t> </a:t>
-            </a:r>
-            <a:r>
-              <a:rPr lang="ro-RO" sz="2400" dirty="0">
-                <a:solidFill>
-                  <a:schemeClr val="tx1"/>
-                </a:solidFill>
-                <a:effectLst/>
-                <a:latin typeface="Times New Roman" panose="02020603050405020304" pitchFamily="18" charset="0"/>
-                <a:ea typeface="Times New Roman" panose="02020603050405020304" pitchFamily="18" charset="0"/>
-              </a:rPr>
-              <a:t>pentru</a:t>
-            </a:r>
-            <a:r>
-              <a:rPr lang="ro-RO" sz="2400" spc="-20" dirty="0">
-                <a:solidFill>
-                  <a:schemeClr val="tx1"/>
-                </a:solidFill>
-                <a:effectLst/>
-                <a:latin typeface="Times New Roman" panose="02020603050405020304" pitchFamily="18" charset="0"/>
-                <a:ea typeface="Times New Roman" panose="02020603050405020304" pitchFamily="18" charset="0"/>
-              </a:rPr>
-              <a:t> </a:t>
-            </a:r>
-            <a:r>
-              <a:rPr lang="ro-RO" sz="2400" dirty="0">
-                <a:solidFill>
-                  <a:schemeClr val="tx1"/>
-                </a:solidFill>
-                <a:effectLst/>
-                <a:latin typeface="Times New Roman" panose="02020603050405020304" pitchFamily="18" charset="0"/>
-                <a:ea typeface="Times New Roman" panose="02020603050405020304" pitchFamily="18" charset="0"/>
-              </a:rPr>
-              <a:t>baze</a:t>
-            </a:r>
-            <a:r>
-              <a:rPr lang="ro-RO" sz="2400" spc="5" dirty="0">
-                <a:solidFill>
-                  <a:schemeClr val="tx1"/>
-                </a:solidFill>
-                <a:effectLst/>
-                <a:latin typeface="Times New Roman" panose="02020603050405020304" pitchFamily="18" charset="0"/>
-                <a:ea typeface="Times New Roman" panose="02020603050405020304" pitchFamily="18" charset="0"/>
-              </a:rPr>
-              <a:t> </a:t>
-            </a:r>
-            <a:r>
-              <a:rPr lang="ro-RO" sz="2400" dirty="0">
-                <a:solidFill>
-                  <a:schemeClr val="tx1"/>
-                </a:solidFill>
-                <a:effectLst/>
-                <a:latin typeface="Times New Roman" panose="02020603050405020304" pitchFamily="18" charset="0"/>
-                <a:ea typeface="Times New Roman" panose="02020603050405020304" pitchFamily="18" charset="0"/>
-              </a:rPr>
-              <a:t>de</a:t>
-            </a:r>
-            <a:r>
-              <a:rPr lang="ro-RO" sz="2400" spc="10" dirty="0">
-                <a:solidFill>
-                  <a:schemeClr val="tx1"/>
-                </a:solidFill>
-                <a:effectLst/>
-                <a:latin typeface="Times New Roman" panose="02020603050405020304" pitchFamily="18" charset="0"/>
-                <a:ea typeface="Times New Roman" panose="02020603050405020304" pitchFamily="18" charset="0"/>
-              </a:rPr>
-              <a:t> </a:t>
-            </a:r>
-            <a:r>
-              <a:rPr lang="ro-RO" sz="2400" dirty="0">
-                <a:solidFill>
-                  <a:schemeClr val="tx1"/>
-                </a:solidFill>
-                <a:effectLst/>
-                <a:latin typeface="Times New Roman" panose="02020603050405020304" pitchFamily="18" charset="0"/>
-                <a:ea typeface="Times New Roman" panose="02020603050405020304" pitchFamily="18" charset="0"/>
-              </a:rPr>
-              <a:t>date</a:t>
-            </a:r>
-            <a:r>
-              <a:rPr lang="ro-RO" sz="2400" spc="5" dirty="0">
-                <a:solidFill>
-                  <a:schemeClr val="tx1"/>
-                </a:solidFill>
-                <a:effectLst/>
-                <a:latin typeface="Times New Roman" panose="02020603050405020304" pitchFamily="18" charset="0"/>
-                <a:ea typeface="Times New Roman" panose="02020603050405020304" pitchFamily="18" charset="0"/>
-              </a:rPr>
-              <a:t> </a:t>
-            </a:r>
-            <a:r>
-              <a:rPr lang="ro-RO" sz="2400" dirty="0">
-                <a:solidFill>
-                  <a:schemeClr val="tx1"/>
-                </a:solidFill>
-                <a:effectLst/>
-                <a:latin typeface="Times New Roman" panose="02020603050405020304" pitchFamily="18" charset="0"/>
-                <a:ea typeface="Times New Roman" panose="02020603050405020304" pitchFamily="18" charset="0"/>
-              </a:rPr>
-              <a:t>de</a:t>
-            </a:r>
-            <a:r>
-              <a:rPr lang="ro-RO" sz="2400" spc="10" dirty="0">
-                <a:solidFill>
-                  <a:schemeClr val="tx1"/>
-                </a:solidFill>
-                <a:effectLst/>
-                <a:latin typeface="Times New Roman" panose="02020603050405020304" pitchFamily="18" charset="0"/>
-                <a:ea typeface="Times New Roman" panose="02020603050405020304" pitchFamily="18" charset="0"/>
-              </a:rPr>
-              <a:t> </a:t>
-            </a:r>
-            <a:r>
-              <a:rPr lang="ro-RO" sz="2400" dirty="0">
-                <a:solidFill>
-                  <a:schemeClr val="tx1"/>
-                </a:solidFill>
-                <a:effectLst/>
-                <a:latin typeface="Times New Roman" panose="02020603050405020304" pitchFamily="18" charset="0"/>
-                <a:ea typeface="Times New Roman" panose="02020603050405020304" pitchFamily="18" charset="0"/>
-              </a:rPr>
-              <a:t>orice</a:t>
-            </a:r>
-            <a:r>
-              <a:rPr lang="ro-RO" sz="2400" spc="30" dirty="0">
-                <a:solidFill>
-                  <a:schemeClr val="tx1"/>
-                </a:solidFill>
-                <a:effectLst/>
-                <a:latin typeface="Times New Roman" panose="02020603050405020304" pitchFamily="18" charset="0"/>
-                <a:ea typeface="Times New Roman" panose="02020603050405020304" pitchFamily="18" charset="0"/>
-              </a:rPr>
-              <a:t> </a:t>
-            </a:r>
-            <a:r>
-              <a:rPr lang="ro-RO" sz="2400" dirty="0">
-                <a:solidFill>
-                  <a:schemeClr val="tx1"/>
-                </a:solidFill>
-                <a:effectLst/>
-                <a:latin typeface="Times New Roman" panose="02020603050405020304" pitchFamily="18" charset="0"/>
-                <a:ea typeface="Times New Roman" panose="02020603050405020304" pitchFamily="18" charset="0"/>
-              </a:rPr>
-              <a:t>dimensiune.</a:t>
-            </a:r>
-            <a:endParaRPr lang="ru-RU" sz="2400" dirty="0">
-              <a:solidFill>
-                <a:schemeClr val="tx1"/>
-              </a:solidFill>
-              <a:effectLst/>
-              <a:latin typeface="Times New Roman" panose="02020603050405020304" pitchFamily="18" charset="0"/>
-              <a:ea typeface="Times New Roman" panose="02020603050405020304" pitchFamily="18" charset="0"/>
-            </a:endParaRPr>
-          </a:p>
-          <a:p>
-            <a:endParaRPr lang="ru-RU" sz="2400" dirty="0">
-              <a:solidFill>
-                <a:schemeClr val="tx1"/>
-              </a:solidFill>
-            </a:endParaRPr>
-          </a:p>
-        </p:txBody>
-      </p:sp>
-    </p:spTree>
-    <p:extLst>
-      <p:ext uri="{BB962C8B-B14F-4D97-AF65-F5344CB8AC3E}">
-        <p14:creationId xmlns:p14="http://schemas.microsoft.com/office/powerpoint/2010/main" val="1265625414"/>
-      </p:ext>
-    </p:extLst>
-  </p:cSld>
-  <p:clrMapOvr>
-    <a:masterClrMapping/>
-  </p:clrMapOvr>
-</p:sld>
-</file>
-
-<file path=ppt/slides/slide4.xml><?xml version="1.0" encoding="utf-8"?>
-<p:sld xmlns:a="http://schemas.openxmlformats.org/drawingml/2006/main" xmlns:r="http://schemas.openxmlformats.org/officeDocument/2006/relationships" xmlns:p="http://schemas.openxmlformats.org/presentationml/2006/main">
-  <p:cSld>
-    <p:spTree>
-      <p:nvGrpSpPr>
-        <p:cNvPr id="1" name=""/>
-        <p:cNvGrpSpPr/>
-        <p:nvPr/>
-      </p:nvGrpSpPr>
-      <p:grpSpPr>
-        <a:xfrm>
-          <a:off x="0" y="0"/>
-          <a:ext cx="0" cy="0"/>
-          <a:chOff x="0" y="0"/>
-          <a:chExt cx="0" cy="0"/>
-        </a:xfrm>
-      </p:grpSpPr>
-      <p:sp>
-        <p:nvSpPr>
-          <p:cNvPr id="2" name="Заголовок 1">
-            <a:extLst>
-              <a:ext uri="{FF2B5EF4-FFF2-40B4-BE49-F238E27FC236}">
-                <a16:creationId xmlns:a16="http://schemas.microsoft.com/office/drawing/2014/main" id="{62D0FC7E-71D6-452C-A081-6B474CC53369}"/>
-              </a:ext>
-            </a:extLst>
-          </p:cNvPr>
-          <p:cNvSpPr>
-            <a:spLocks noGrp="1"/>
-          </p:cNvSpPr>
-          <p:nvPr>
-            <p:ph type="title"/>
-          </p:nvPr>
-        </p:nvSpPr>
-        <p:spPr>
-          <a:xfrm>
-            <a:off x="1371600" y="204537"/>
-            <a:ext cx="9601200" cy="677779"/>
-          </a:xfrm>
-        </p:spPr>
-        <p:txBody>
-          <a:bodyPr>
-            <a:normAutofit fontScale="90000"/>
-          </a:bodyPr>
-          <a:lstStyle/>
-          <a:p>
-            <a:r>
-              <a:rPr lang="en-US" dirty="0" err="1"/>
-              <a:t>Definirea</a:t>
-            </a:r>
-            <a:r>
-              <a:rPr lang="en-US" dirty="0"/>
-              <a:t> </a:t>
-            </a:r>
-            <a:r>
-              <a:rPr lang="en-US" dirty="0" err="1"/>
-              <a:t>temei</a:t>
-            </a:r>
-            <a:r>
-              <a:rPr lang="en-US" dirty="0"/>
-              <a:t> </a:t>
-            </a:r>
-            <a:r>
-              <a:rPr lang="en-US" dirty="0" err="1"/>
-              <a:t>proiectului</a:t>
-            </a:r>
-            <a:endParaRPr lang="ru-RU" dirty="0"/>
-          </a:p>
-        </p:txBody>
-      </p:sp>
-      <p:sp>
-        <p:nvSpPr>
-          <p:cNvPr id="3" name="Объект 2">
-            <a:extLst>
-              <a:ext uri="{FF2B5EF4-FFF2-40B4-BE49-F238E27FC236}">
-                <a16:creationId xmlns:a16="http://schemas.microsoft.com/office/drawing/2014/main" id="{2BA94B1A-74F6-41E3-99E8-51D00660328A}"/>
-              </a:ext>
-            </a:extLst>
-          </p:cNvPr>
-          <p:cNvSpPr>
-            <a:spLocks noGrp="1"/>
-          </p:cNvSpPr>
-          <p:nvPr>
-            <p:ph idx="1"/>
-          </p:nvPr>
-        </p:nvSpPr>
-        <p:spPr>
-          <a:xfrm>
-            <a:off x="1371600" y="882315"/>
-            <a:ext cx="9601200" cy="5771147"/>
-          </a:xfrm>
-        </p:spPr>
-        <p:txBody>
-          <a:bodyPr>
-            <a:noAutofit/>
-          </a:bodyPr>
-          <a:lstStyle/>
-          <a:p>
-            <a:r>
-              <a:rPr lang="ro-RO" sz="2400" dirty="0">
-                <a:solidFill>
-                  <a:schemeClr val="tx1"/>
-                </a:solidFill>
-                <a:effectLst/>
-                <a:latin typeface="Times New Roman" panose="02020603050405020304" pitchFamily="18" charset="0"/>
-                <a:ea typeface="Times New Roman" panose="02020603050405020304" pitchFamily="18" charset="0"/>
-              </a:rPr>
-              <a:t>O carte este o colecție de </a:t>
-            </a:r>
-            <a:r>
-              <a:rPr lang="ro-RO" sz="2400" u="sng" dirty="0">
-                <a:solidFill>
-                  <a:schemeClr val="tx1"/>
-                </a:solidFill>
-                <a:effectLst/>
-                <a:latin typeface="Times New Roman" panose="02020603050405020304" pitchFamily="18" charset="0"/>
-                <a:ea typeface="Times New Roman" panose="02020603050405020304" pitchFamily="18" charset="0"/>
-                <a:hlinkClick r:id="rId2" tooltip="Hârtie">
-                  <a:extLst>
-                    <a:ext uri="{A12FA001-AC4F-418D-AE19-62706E023703}">
-                      <ahyp:hlinkClr xmlns:ahyp="http://schemas.microsoft.com/office/drawing/2018/hyperlinkcolor" val="tx"/>
-                    </a:ext>
-                  </a:extLst>
-                </a:hlinkClick>
-              </a:rPr>
-              <a:t>hârtii</a:t>
-            </a:r>
-            <a:r>
-              <a:rPr lang="ro-RO" sz="2400" dirty="0">
-                <a:solidFill>
-                  <a:schemeClr val="tx1"/>
-                </a:solidFill>
-                <a:effectLst/>
-                <a:latin typeface="Times New Roman" panose="02020603050405020304" pitchFamily="18" charset="0"/>
-                <a:ea typeface="Times New Roman" panose="02020603050405020304" pitchFamily="18" charset="0"/>
-              </a:rPr>
-              <a:t>, </a:t>
-            </a:r>
-            <a:r>
-              <a:rPr lang="ro-RO" sz="2400" u="sng" dirty="0">
-                <a:solidFill>
-                  <a:schemeClr val="tx1"/>
-                </a:solidFill>
-                <a:effectLst/>
-                <a:latin typeface="Times New Roman" panose="02020603050405020304" pitchFamily="18" charset="0"/>
-                <a:ea typeface="Times New Roman" panose="02020603050405020304" pitchFamily="18" charset="0"/>
-                <a:hlinkClick r:id="rId3" tooltip="Pergament">
-                  <a:extLst>
-                    <a:ext uri="{A12FA001-AC4F-418D-AE19-62706E023703}">
-                      <ahyp:hlinkClr xmlns:ahyp="http://schemas.microsoft.com/office/drawing/2018/hyperlinkcolor" val="tx"/>
-                    </a:ext>
-                  </a:extLst>
-                </a:hlinkClick>
-              </a:rPr>
-              <a:t>pergamente</a:t>
-            </a:r>
-            <a:r>
-              <a:rPr lang="ro-RO" sz="2400" dirty="0">
-                <a:solidFill>
-                  <a:schemeClr val="tx1"/>
-                </a:solidFill>
-                <a:effectLst/>
-                <a:latin typeface="Times New Roman" panose="02020603050405020304" pitchFamily="18" charset="0"/>
-                <a:ea typeface="Times New Roman" panose="02020603050405020304" pitchFamily="18" charset="0"/>
-              </a:rPr>
-              <a:t> sau alte astfel de materiale, în formă de coli sau foi de cele mai multe ori egale între ele și legate sau broșate într-un volum. Cărțile sunt de obicei </a:t>
-            </a:r>
-            <a:r>
-              <a:rPr lang="ro-RO" sz="2400" u="sng" dirty="0">
-                <a:solidFill>
-                  <a:schemeClr val="tx1"/>
-                </a:solidFill>
-                <a:effectLst/>
-                <a:latin typeface="Times New Roman" panose="02020603050405020304" pitchFamily="18" charset="0"/>
-                <a:ea typeface="Times New Roman" panose="02020603050405020304" pitchFamily="18" charset="0"/>
-                <a:hlinkClick r:id="rId4" tooltip="Tipărire">
-                  <a:extLst>
-                    <a:ext uri="{A12FA001-AC4F-418D-AE19-62706E023703}">
-                      <ahyp:hlinkClr xmlns:ahyp="http://schemas.microsoft.com/office/drawing/2018/hyperlinkcolor" val="tx"/>
-                    </a:ext>
-                  </a:extLst>
-                </a:hlinkClick>
-              </a:rPr>
-              <a:t>tipărite</a:t>
-            </a:r>
-            <a:r>
-              <a:rPr lang="ro-RO" sz="2400" dirty="0">
-                <a:solidFill>
-                  <a:schemeClr val="tx1"/>
-                </a:solidFill>
-                <a:effectLst/>
-                <a:latin typeface="Times New Roman" panose="02020603050405020304" pitchFamily="18" charset="0"/>
-                <a:ea typeface="Times New Roman" panose="02020603050405020304" pitchFamily="18" charset="0"/>
-              </a:rPr>
-              <a:t> (rareori scrise și de mână) și conțin diverse lucrări </a:t>
-            </a:r>
-            <a:r>
-              <a:rPr lang="ro-RO" sz="2400" u="sng" dirty="0">
-                <a:solidFill>
-                  <a:schemeClr val="tx1"/>
-                </a:solidFill>
-                <a:effectLst/>
-                <a:latin typeface="Times New Roman" panose="02020603050405020304" pitchFamily="18" charset="0"/>
-                <a:ea typeface="Times New Roman" panose="02020603050405020304" pitchFamily="18" charset="0"/>
-                <a:hlinkClick r:id="rId5" tooltip="Scriere">
-                  <a:extLst>
-                    <a:ext uri="{A12FA001-AC4F-418D-AE19-62706E023703}">
-                      <ahyp:hlinkClr xmlns:ahyp="http://schemas.microsoft.com/office/drawing/2018/hyperlinkcolor" val="tx"/>
-                    </a:ext>
-                  </a:extLst>
-                </a:hlinkClick>
-              </a:rPr>
-              <a:t>scrise</a:t>
-            </a:r>
-            <a:r>
-              <a:rPr lang="ro-RO" sz="2400" dirty="0">
-                <a:solidFill>
-                  <a:schemeClr val="tx1"/>
-                </a:solidFill>
-                <a:effectLst/>
-                <a:latin typeface="Times New Roman" panose="02020603050405020304" pitchFamily="18" charset="0"/>
-                <a:ea typeface="Times New Roman" panose="02020603050405020304" pitchFamily="18" charset="0"/>
-              </a:rPr>
-              <a:t>, pe cea mai mare diversitate de teme. O carte este de asemenea o operă literară sau științifică sau o parte semnificativă dintr-o astfel de operă.</a:t>
-            </a:r>
-            <a:endParaRPr lang="en-US" sz="2400" dirty="0">
-              <a:solidFill>
-                <a:schemeClr val="tx1"/>
-              </a:solidFill>
-              <a:effectLst/>
-              <a:latin typeface="Times New Roman" panose="02020603050405020304" pitchFamily="18" charset="0"/>
-              <a:ea typeface="Times New Roman" panose="02020603050405020304" pitchFamily="18" charset="0"/>
-            </a:endParaRPr>
-          </a:p>
-          <a:p>
-            <a:r>
-              <a:rPr lang="ro-RO" sz="2400" dirty="0">
-                <a:solidFill>
-                  <a:schemeClr val="tx1"/>
-                </a:solidFill>
-                <a:effectLst/>
-                <a:latin typeface="Times New Roman" panose="02020603050405020304" pitchFamily="18" charset="0"/>
-                <a:ea typeface="Times New Roman" panose="02020603050405020304" pitchFamily="18" charset="0"/>
-              </a:rPr>
-              <a:t>In zilele noastre pentru a putea detine o carte este destul sa o cumparam de la un magazin de carti, deobicei pe rafturile magazinului se afla la moment cele mai populare carti din diferite domenii si de la diferiti autori.</a:t>
-            </a:r>
-            <a:endParaRPr lang="ru-RU" sz="2400" dirty="0">
-              <a:solidFill>
-                <a:schemeClr val="tx1"/>
-              </a:solidFill>
-              <a:effectLst/>
-              <a:latin typeface="Times New Roman" panose="02020603050405020304" pitchFamily="18" charset="0"/>
-              <a:ea typeface="Times New Roman" panose="02020603050405020304" pitchFamily="18" charset="0"/>
-            </a:endParaRPr>
-          </a:p>
-          <a:p>
-            <a:r>
-              <a:rPr lang="ro-RO" sz="2400" dirty="0">
-                <a:solidFill>
-                  <a:schemeClr val="tx1"/>
-                </a:solidFill>
-                <a:effectLst/>
-                <a:latin typeface="Times New Roman" panose="02020603050405020304" pitchFamily="18" charset="0"/>
-                <a:ea typeface="Times New Roman" panose="02020603050405020304" pitchFamily="18" charset="0"/>
-              </a:rPr>
-              <a:t>Tema</a:t>
-            </a:r>
-            <a:r>
-              <a:rPr lang="ro-RO" sz="2400" spc="5" dirty="0">
-                <a:solidFill>
-                  <a:schemeClr val="tx1"/>
-                </a:solidFill>
-                <a:effectLst/>
-                <a:latin typeface="Times New Roman" panose="02020603050405020304" pitchFamily="18" charset="0"/>
-                <a:ea typeface="Times New Roman" panose="02020603050405020304" pitchFamily="18" charset="0"/>
-              </a:rPr>
-              <a:t> </a:t>
-            </a:r>
-            <a:r>
-              <a:rPr lang="ro-RO" sz="2400" dirty="0">
-                <a:solidFill>
-                  <a:schemeClr val="tx1"/>
-                </a:solidFill>
-                <a:effectLst/>
-                <a:latin typeface="Times New Roman" panose="02020603050405020304" pitchFamily="18" charset="0"/>
-                <a:ea typeface="Times New Roman" panose="02020603050405020304" pitchFamily="18" charset="0"/>
-              </a:rPr>
-              <a:t>proiectului</a:t>
-            </a:r>
-            <a:r>
-              <a:rPr lang="ro-RO" sz="2400" spc="5" dirty="0">
-                <a:solidFill>
-                  <a:schemeClr val="tx1"/>
-                </a:solidFill>
-                <a:effectLst/>
-                <a:latin typeface="Times New Roman" panose="02020603050405020304" pitchFamily="18" charset="0"/>
-                <a:ea typeface="Times New Roman" panose="02020603050405020304" pitchFamily="18" charset="0"/>
-              </a:rPr>
-              <a:t> </a:t>
-            </a:r>
-            <a:r>
-              <a:rPr lang="ro-RO" sz="2400" dirty="0">
-                <a:solidFill>
-                  <a:schemeClr val="tx1"/>
-                </a:solidFill>
-                <a:effectLst/>
-                <a:latin typeface="Times New Roman" panose="02020603050405020304" pitchFamily="18" charset="0"/>
-                <a:ea typeface="Times New Roman" panose="02020603050405020304" pitchFamily="18" charset="0"/>
-              </a:rPr>
-              <a:t>este</a:t>
-            </a:r>
-            <a:r>
-              <a:rPr lang="ro-RO" sz="2400" spc="5" dirty="0">
-                <a:solidFill>
-                  <a:schemeClr val="tx1"/>
-                </a:solidFill>
-                <a:effectLst/>
-                <a:latin typeface="Times New Roman" panose="02020603050405020304" pitchFamily="18" charset="0"/>
-                <a:ea typeface="Times New Roman" panose="02020603050405020304" pitchFamily="18" charset="0"/>
-              </a:rPr>
-              <a:t> </a:t>
-            </a:r>
-            <a:r>
-              <a:rPr lang="ro-RO" sz="2400" dirty="0">
-                <a:solidFill>
-                  <a:schemeClr val="tx1"/>
-                </a:solidFill>
-                <a:effectLst/>
-                <a:latin typeface="Times New Roman" panose="02020603050405020304" pitchFamily="18" charset="0"/>
-                <a:ea typeface="Times New Roman" panose="02020603050405020304" pitchFamily="18" charset="0"/>
-              </a:rPr>
-              <a:t>elaborarea</a:t>
-            </a:r>
-            <a:r>
-              <a:rPr lang="ro-RO" sz="2400" spc="5" dirty="0">
-                <a:solidFill>
-                  <a:schemeClr val="tx1"/>
-                </a:solidFill>
-                <a:effectLst/>
-                <a:latin typeface="Times New Roman" panose="02020603050405020304" pitchFamily="18" charset="0"/>
-                <a:ea typeface="Times New Roman" panose="02020603050405020304" pitchFamily="18" charset="0"/>
-              </a:rPr>
-              <a:t> </a:t>
-            </a:r>
-            <a:r>
-              <a:rPr lang="ro-RO" sz="2400" dirty="0">
-                <a:solidFill>
-                  <a:schemeClr val="tx1"/>
-                </a:solidFill>
-                <a:effectLst/>
-                <a:latin typeface="Times New Roman" panose="02020603050405020304" pitchFamily="18" charset="0"/>
-                <a:ea typeface="Times New Roman" panose="02020603050405020304" pitchFamily="18" charset="0"/>
-              </a:rPr>
-              <a:t>unei baze</a:t>
-            </a:r>
-            <a:r>
-              <a:rPr lang="ro-RO" sz="2400" spc="5" dirty="0">
-                <a:solidFill>
-                  <a:schemeClr val="tx1"/>
-                </a:solidFill>
-                <a:effectLst/>
-                <a:latin typeface="Times New Roman" panose="02020603050405020304" pitchFamily="18" charset="0"/>
-                <a:ea typeface="Times New Roman" panose="02020603050405020304" pitchFamily="18" charset="0"/>
-              </a:rPr>
-              <a:t> </a:t>
-            </a:r>
-            <a:r>
-              <a:rPr lang="ro-RO" sz="2400" dirty="0">
-                <a:solidFill>
-                  <a:schemeClr val="tx1"/>
-                </a:solidFill>
-                <a:effectLst/>
-                <a:latin typeface="Times New Roman" panose="02020603050405020304" pitchFamily="18" charset="0"/>
-                <a:ea typeface="Times New Roman" panose="02020603050405020304" pitchFamily="18" charset="0"/>
-              </a:rPr>
-              <a:t>de date</a:t>
-            </a:r>
-            <a:r>
-              <a:rPr lang="ro-RO" sz="2400" spc="5" dirty="0">
-                <a:solidFill>
-                  <a:schemeClr val="tx1"/>
-                </a:solidFill>
-                <a:effectLst/>
-                <a:latin typeface="Times New Roman" panose="02020603050405020304" pitchFamily="18" charset="0"/>
-                <a:ea typeface="Times New Roman" panose="02020603050405020304" pitchFamily="18" charset="0"/>
-              </a:rPr>
-              <a:t> </a:t>
-            </a:r>
-            <a:r>
-              <a:rPr lang="ro-RO" sz="2400" dirty="0">
-                <a:solidFill>
-                  <a:schemeClr val="tx1"/>
-                </a:solidFill>
-                <a:effectLst/>
-                <a:latin typeface="Times New Roman" panose="02020603050405020304" pitchFamily="18" charset="0"/>
-                <a:ea typeface="Times New Roman" panose="02020603050405020304" pitchFamily="18" charset="0"/>
-              </a:rPr>
-              <a:t>pentru un magazin de carti mediu. Baza de date trebuie să permită</a:t>
-            </a:r>
-            <a:r>
-              <a:rPr lang="ro-RO" sz="2400" spc="5" dirty="0">
-                <a:solidFill>
-                  <a:schemeClr val="tx1"/>
-                </a:solidFill>
-                <a:effectLst/>
-                <a:latin typeface="Times New Roman" panose="02020603050405020304" pitchFamily="18" charset="0"/>
-                <a:ea typeface="Times New Roman" panose="02020603050405020304" pitchFamily="18" charset="0"/>
-              </a:rPr>
-              <a:t> </a:t>
-            </a:r>
-            <a:r>
-              <a:rPr lang="ro-RO" sz="2400" dirty="0">
-                <a:solidFill>
-                  <a:schemeClr val="tx1"/>
-                </a:solidFill>
-                <a:effectLst/>
-                <a:latin typeface="Times New Roman" panose="02020603050405020304" pitchFamily="18" charset="0"/>
-                <a:ea typeface="Times New Roman" panose="02020603050405020304" pitchFamily="18" charset="0"/>
-              </a:rPr>
-              <a:t>posibilitatea</a:t>
-            </a:r>
-            <a:r>
-              <a:rPr lang="ro-RO" sz="2400" spc="5" dirty="0">
-                <a:solidFill>
-                  <a:schemeClr val="tx1"/>
-                </a:solidFill>
-                <a:effectLst/>
-                <a:latin typeface="Times New Roman" panose="02020603050405020304" pitchFamily="18" charset="0"/>
-                <a:ea typeface="Times New Roman" panose="02020603050405020304" pitchFamily="18" charset="0"/>
-              </a:rPr>
-              <a:t> </a:t>
-            </a:r>
-            <a:r>
-              <a:rPr lang="ro-RO" sz="2400" dirty="0">
-                <a:solidFill>
-                  <a:schemeClr val="tx1"/>
-                </a:solidFill>
-                <a:effectLst/>
-                <a:latin typeface="Times New Roman" panose="02020603050405020304" pitchFamily="18" charset="0"/>
-                <a:ea typeface="Times New Roman" panose="02020603050405020304" pitchFamily="18" charset="0"/>
-              </a:rPr>
-              <a:t>de</a:t>
-            </a:r>
-            <a:r>
-              <a:rPr lang="ro-RO" sz="2400" spc="5" dirty="0">
-                <a:solidFill>
-                  <a:schemeClr val="tx1"/>
-                </a:solidFill>
-                <a:effectLst/>
-                <a:latin typeface="Times New Roman" panose="02020603050405020304" pitchFamily="18" charset="0"/>
-                <a:ea typeface="Times New Roman" panose="02020603050405020304" pitchFamily="18" charset="0"/>
-              </a:rPr>
-              <a:t> </a:t>
-            </a:r>
-            <a:r>
-              <a:rPr lang="ro-RO" sz="2400" dirty="0">
-                <a:solidFill>
-                  <a:schemeClr val="tx1"/>
-                </a:solidFill>
-                <a:effectLst/>
-                <a:latin typeface="Times New Roman" panose="02020603050405020304" pitchFamily="18" charset="0"/>
-                <a:ea typeface="Times New Roman" panose="02020603050405020304" pitchFamily="18" charset="0"/>
-              </a:rPr>
-              <a:t>stocare</a:t>
-            </a:r>
-            <a:r>
-              <a:rPr lang="ro-RO" sz="2400" spc="5" dirty="0">
-                <a:solidFill>
-                  <a:schemeClr val="tx1"/>
-                </a:solidFill>
-                <a:effectLst/>
-                <a:latin typeface="Times New Roman" panose="02020603050405020304" pitchFamily="18" charset="0"/>
-                <a:ea typeface="Times New Roman" panose="02020603050405020304" pitchFamily="18" charset="0"/>
-              </a:rPr>
-              <a:t> </a:t>
-            </a:r>
-            <a:r>
-              <a:rPr lang="ro-RO" sz="2400" dirty="0">
-                <a:solidFill>
-                  <a:schemeClr val="tx1"/>
-                </a:solidFill>
-                <a:effectLst/>
-                <a:latin typeface="Times New Roman" panose="02020603050405020304" pitchFamily="18" charset="0"/>
-                <a:ea typeface="Times New Roman" panose="02020603050405020304" pitchFamily="18" charset="0"/>
-              </a:rPr>
-              <a:t>a</a:t>
-            </a:r>
-            <a:r>
-              <a:rPr lang="ro-RO" sz="2400" spc="5" dirty="0">
-                <a:solidFill>
-                  <a:schemeClr val="tx1"/>
-                </a:solidFill>
-                <a:effectLst/>
-                <a:latin typeface="Times New Roman" panose="02020603050405020304" pitchFamily="18" charset="0"/>
-                <a:ea typeface="Times New Roman" panose="02020603050405020304" pitchFamily="18" charset="0"/>
-              </a:rPr>
-              <a:t> </a:t>
-            </a:r>
-            <a:r>
-              <a:rPr lang="ro-RO" sz="2400" dirty="0">
-                <a:solidFill>
-                  <a:schemeClr val="tx1"/>
-                </a:solidFill>
-                <a:effectLst/>
-                <a:latin typeface="Times New Roman" panose="02020603050405020304" pitchFamily="18" charset="0"/>
-                <a:ea typeface="Times New Roman" panose="02020603050405020304" pitchFamily="18" charset="0"/>
-              </a:rPr>
-              <a:t>datelor</a:t>
-            </a:r>
-            <a:r>
-              <a:rPr lang="ro-RO" sz="2400" spc="-5" dirty="0">
-                <a:solidFill>
-                  <a:schemeClr val="tx1"/>
-                </a:solidFill>
-                <a:effectLst/>
-                <a:latin typeface="Times New Roman" panose="02020603050405020304" pitchFamily="18" charset="0"/>
-                <a:ea typeface="Times New Roman" panose="02020603050405020304" pitchFamily="18" charset="0"/>
-              </a:rPr>
-              <a:t> </a:t>
-            </a:r>
-            <a:r>
-              <a:rPr lang="ro-RO" sz="2400" dirty="0">
-                <a:solidFill>
-                  <a:schemeClr val="tx1"/>
-                </a:solidFill>
-                <a:effectLst/>
-                <a:latin typeface="Times New Roman" panose="02020603050405020304" pitchFamily="18" charset="0"/>
-                <a:ea typeface="Times New Roman" panose="02020603050405020304" pitchFamily="18" charset="0"/>
-              </a:rPr>
-              <a:t>pe</a:t>
-            </a:r>
-            <a:r>
-              <a:rPr lang="ro-RO" sz="2400" spc="5" dirty="0">
-                <a:solidFill>
-                  <a:schemeClr val="tx1"/>
-                </a:solidFill>
-                <a:effectLst/>
-                <a:latin typeface="Times New Roman" panose="02020603050405020304" pitchFamily="18" charset="0"/>
-                <a:ea typeface="Times New Roman" panose="02020603050405020304" pitchFamily="18" charset="0"/>
-              </a:rPr>
-              <a:t> </a:t>
-            </a:r>
-            <a:r>
-              <a:rPr lang="ro-RO" sz="2400" dirty="0">
-                <a:solidFill>
-                  <a:schemeClr val="tx1"/>
-                </a:solidFill>
-                <a:effectLst/>
-                <a:latin typeface="Times New Roman" panose="02020603050405020304" pitchFamily="18" charset="0"/>
-                <a:ea typeface="Times New Roman" panose="02020603050405020304" pitchFamily="18" charset="0"/>
-              </a:rPr>
-              <a:t>diverse</a:t>
-            </a:r>
-            <a:r>
-              <a:rPr lang="ro-RO" sz="2400" spc="25" dirty="0">
-                <a:solidFill>
-                  <a:schemeClr val="tx1"/>
-                </a:solidFill>
-                <a:effectLst/>
-                <a:latin typeface="Times New Roman" panose="02020603050405020304" pitchFamily="18" charset="0"/>
-                <a:ea typeface="Times New Roman" panose="02020603050405020304" pitchFamily="18" charset="0"/>
-              </a:rPr>
-              <a:t> </a:t>
-            </a:r>
-            <a:r>
-              <a:rPr lang="ro-RO" sz="2400" dirty="0">
-                <a:solidFill>
-                  <a:schemeClr val="tx1"/>
-                </a:solidFill>
-                <a:effectLst/>
-                <a:latin typeface="Times New Roman" panose="02020603050405020304" pitchFamily="18" charset="0"/>
-                <a:ea typeface="Times New Roman" panose="02020603050405020304" pitchFamily="18" charset="0"/>
-              </a:rPr>
-              <a:t>categorii</a:t>
-            </a:r>
-            <a:r>
-              <a:rPr lang="ro-RO" sz="2400" spc="-30" dirty="0">
-                <a:solidFill>
-                  <a:schemeClr val="tx1"/>
-                </a:solidFill>
-                <a:effectLst/>
-                <a:latin typeface="Times New Roman" panose="02020603050405020304" pitchFamily="18" charset="0"/>
-                <a:ea typeface="Times New Roman" panose="02020603050405020304" pitchFamily="18" charset="0"/>
-              </a:rPr>
-              <a:t> </a:t>
-            </a:r>
-            <a:r>
-              <a:rPr lang="ro-RO" sz="2400" dirty="0">
-                <a:solidFill>
-                  <a:schemeClr val="tx1"/>
-                </a:solidFill>
-                <a:effectLst/>
-                <a:latin typeface="Times New Roman" panose="02020603050405020304" pitchFamily="18" charset="0"/>
-                <a:ea typeface="Times New Roman" panose="02020603050405020304" pitchFamily="18" charset="0"/>
-              </a:rPr>
-              <a:t>de</a:t>
-            </a:r>
-            <a:r>
-              <a:rPr lang="ro-RO" sz="2400" spc="5" dirty="0">
-                <a:solidFill>
-                  <a:schemeClr val="tx1"/>
-                </a:solidFill>
-                <a:effectLst/>
-                <a:latin typeface="Times New Roman" panose="02020603050405020304" pitchFamily="18" charset="0"/>
-                <a:ea typeface="Times New Roman" panose="02020603050405020304" pitchFamily="18" charset="0"/>
-              </a:rPr>
-              <a:t> </a:t>
-            </a:r>
-            <a:r>
-              <a:rPr lang="ro-RO" sz="2400" dirty="0">
-                <a:solidFill>
-                  <a:schemeClr val="tx1"/>
-                </a:solidFill>
-                <a:effectLst/>
-                <a:latin typeface="Times New Roman" panose="02020603050405020304" pitchFamily="18" charset="0"/>
-                <a:ea typeface="Times New Roman" panose="02020603050405020304" pitchFamily="18" charset="0"/>
-              </a:rPr>
-              <a:t>informații</a:t>
-            </a:r>
-            <a:r>
-              <a:rPr lang="ro-RO" sz="2400" spc="-30" dirty="0">
-                <a:solidFill>
-                  <a:schemeClr val="tx1"/>
-                </a:solidFill>
-                <a:effectLst/>
-                <a:latin typeface="Times New Roman" panose="02020603050405020304" pitchFamily="18" charset="0"/>
-                <a:ea typeface="Times New Roman" panose="02020603050405020304" pitchFamily="18" charset="0"/>
-              </a:rPr>
-              <a:t> </a:t>
-            </a:r>
-            <a:r>
-              <a:rPr lang="ro-RO" sz="2400" dirty="0">
-                <a:solidFill>
-                  <a:schemeClr val="tx1"/>
-                </a:solidFill>
-                <a:effectLst/>
-                <a:latin typeface="Times New Roman" panose="02020603050405020304" pitchFamily="18" charset="0"/>
-                <a:ea typeface="Times New Roman" panose="02020603050405020304" pitchFamily="18" charset="0"/>
-              </a:rPr>
-              <a:t>și</a:t>
-            </a:r>
-            <a:r>
-              <a:rPr lang="ro-RO" sz="2400" spc="-25" dirty="0">
-                <a:solidFill>
-                  <a:schemeClr val="tx1"/>
-                </a:solidFill>
-                <a:effectLst/>
-                <a:latin typeface="Times New Roman" panose="02020603050405020304" pitchFamily="18" charset="0"/>
-                <a:ea typeface="Times New Roman" panose="02020603050405020304" pitchFamily="18" charset="0"/>
-              </a:rPr>
-              <a:t> </a:t>
-            </a:r>
-            <a:r>
-              <a:rPr lang="ro-RO" sz="2400" dirty="0">
-                <a:solidFill>
-                  <a:schemeClr val="tx1"/>
-                </a:solidFill>
-                <a:effectLst/>
-                <a:latin typeface="Times New Roman" panose="02020603050405020304" pitchFamily="18" charset="0"/>
-                <a:ea typeface="Times New Roman" panose="02020603050405020304" pitchFamily="18" charset="0"/>
-              </a:rPr>
-              <a:t>anume:</a:t>
-            </a:r>
-            <a:endParaRPr lang="ru-RU" sz="2400" dirty="0">
-              <a:solidFill>
-                <a:schemeClr val="tx1"/>
-              </a:solidFill>
-              <a:effectLst/>
-              <a:latin typeface="Times New Roman" panose="02020603050405020304" pitchFamily="18" charset="0"/>
-              <a:ea typeface="Times New Roman" panose="02020603050405020304" pitchFamily="18" charset="0"/>
-            </a:endParaRPr>
-          </a:p>
-          <a:p>
-            <a:pPr marL="873252" lvl="1" indent="-342900">
-              <a:lnSpc>
-                <a:spcPts val="1700"/>
-              </a:lnSpc>
-              <a:buSzPts val="1400"/>
-              <a:buFont typeface="Symbol" panose="05050102010706020507" pitchFamily="18" charset="2"/>
-              <a:buChar char=""/>
-              <a:tabLst>
-                <a:tab pos="528955" algn="l"/>
-                <a:tab pos="529590" algn="l"/>
-              </a:tabLst>
-            </a:pPr>
-            <a:r>
-              <a:rPr lang="ro-RO" sz="2400" dirty="0">
-                <a:solidFill>
-                  <a:schemeClr val="tx1"/>
-                </a:solidFill>
-                <a:effectLst/>
-                <a:latin typeface="Times New Roman" panose="02020603050405020304" pitchFamily="18" charset="0"/>
-                <a:ea typeface="Symbol" panose="05050102010706020507" pitchFamily="18" charset="2"/>
-                <a:cs typeface="Symbol" panose="05050102010706020507" pitchFamily="18" charset="2"/>
-              </a:rPr>
-              <a:t>Editurile care emit cartile</a:t>
-            </a:r>
-            <a:endParaRPr lang="ru-RU" sz="2400" dirty="0">
-              <a:solidFill>
-                <a:schemeClr val="tx1"/>
-              </a:solidFill>
-              <a:effectLst/>
-              <a:latin typeface="Times New Roman" panose="02020603050405020304" pitchFamily="18" charset="0"/>
-              <a:ea typeface="Symbol" panose="05050102010706020507" pitchFamily="18" charset="2"/>
-              <a:cs typeface="Symbol" panose="05050102010706020507" pitchFamily="18" charset="2"/>
-            </a:endParaRPr>
-          </a:p>
-          <a:p>
-            <a:pPr marL="873252" lvl="1" indent="-342900">
-              <a:lnSpc>
-                <a:spcPts val="1705"/>
-              </a:lnSpc>
-              <a:buSzPts val="1400"/>
-              <a:buFont typeface="Symbol" panose="05050102010706020507" pitchFamily="18" charset="2"/>
-              <a:buChar char=""/>
-              <a:tabLst>
-                <a:tab pos="528955" algn="l"/>
-                <a:tab pos="529590" algn="l"/>
-              </a:tabLst>
-            </a:pPr>
-            <a:r>
-              <a:rPr lang="ro-RO" sz="2400" dirty="0">
-                <a:solidFill>
-                  <a:schemeClr val="tx1"/>
-                </a:solidFill>
-                <a:effectLst/>
-                <a:latin typeface="Times New Roman" panose="02020603050405020304" pitchFamily="18" charset="0"/>
-                <a:ea typeface="Symbol" panose="05050102010706020507" pitchFamily="18" charset="2"/>
-                <a:cs typeface="Symbol" panose="05050102010706020507" pitchFamily="18" charset="2"/>
-              </a:rPr>
-              <a:t>Autorii care scriu cartile</a:t>
-            </a:r>
-            <a:endParaRPr lang="ru-RU" sz="2400" dirty="0">
-              <a:solidFill>
-                <a:schemeClr val="tx1"/>
-              </a:solidFill>
-              <a:effectLst/>
-              <a:latin typeface="Times New Roman" panose="02020603050405020304" pitchFamily="18" charset="0"/>
-              <a:ea typeface="Symbol" panose="05050102010706020507" pitchFamily="18" charset="2"/>
-              <a:cs typeface="Symbol" panose="05050102010706020507" pitchFamily="18" charset="2"/>
-            </a:endParaRPr>
-          </a:p>
-          <a:p>
-            <a:pPr marL="873252" lvl="1" indent="-342900">
-              <a:lnSpc>
-                <a:spcPts val="1710"/>
-              </a:lnSpc>
-              <a:buSzPts val="1400"/>
-              <a:buFont typeface="Symbol" panose="05050102010706020507" pitchFamily="18" charset="2"/>
-              <a:buChar char=""/>
-              <a:tabLst>
-                <a:tab pos="528955" algn="l"/>
-                <a:tab pos="529590" algn="l"/>
-              </a:tabLst>
-            </a:pPr>
-            <a:r>
-              <a:rPr lang="ro-RO" sz="2400" dirty="0">
-                <a:solidFill>
-                  <a:schemeClr val="tx1"/>
-                </a:solidFill>
-                <a:effectLst/>
-                <a:latin typeface="Times New Roman" panose="02020603050405020304" pitchFamily="18" charset="0"/>
-                <a:ea typeface="Symbol" panose="05050102010706020507" pitchFamily="18" charset="2"/>
-                <a:cs typeface="Symbol" panose="05050102010706020507" pitchFamily="18" charset="2"/>
-              </a:rPr>
-              <a:t>Cartile propriu-zis</a:t>
-            </a:r>
-            <a:endParaRPr lang="ru-RU" sz="2400" dirty="0">
-              <a:solidFill>
-                <a:schemeClr val="tx1"/>
-              </a:solidFill>
-              <a:effectLst/>
-              <a:latin typeface="Times New Roman" panose="02020603050405020304" pitchFamily="18" charset="0"/>
-              <a:ea typeface="Symbol" panose="05050102010706020507" pitchFamily="18" charset="2"/>
-              <a:cs typeface="Symbol" panose="05050102010706020507" pitchFamily="18" charset="2"/>
-            </a:endParaRPr>
-          </a:p>
-          <a:p>
-            <a:endParaRPr lang="ru-RU" sz="2400" dirty="0">
-              <a:solidFill>
-                <a:schemeClr val="tx1"/>
-              </a:solidFill>
-              <a:effectLst/>
-              <a:latin typeface="Times New Roman" panose="02020603050405020304" pitchFamily="18" charset="0"/>
-              <a:ea typeface="Times New Roman" panose="02020603050405020304" pitchFamily="18" charset="0"/>
-            </a:endParaRPr>
-          </a:p>
-          <a:p>
-            <a:endParaRPr lang="ru-RU" sz="2400" dirty="0">
-              <a:solidFill>
-                <a:schemeClr val="tx1"/>
-              </a:solidFill>
-            </a:endParaRPr>
-          </a:p>
-        </p:txBody>
-      </p:sp>
-    </p:spTree>
-    <p:extLst>
-      <p:ext uri="{BB962C8B-B14F-4D97-AF65-F5344CB8AC3E}">
-        <p14:creationId xmlns:p14="http://schemas.microsoft.com/office/powerpoint/2010/main" val="4088120738"/>
-      </p:ext>
-    </p:extLst>
-  </p:cSld>
-  <p:clrMapOvr>
-    <a:masterClrMapping/>
-  </p:clrMapOvr>
-</p:sld>
-</file>
-
-<file path=ppt/slides/slide5.xml><?xml version="1.0" encoding="utf-8"?>
-<p:sld xmlns:a="http://schemas.openxmlformats.org/drawingml/2006/main" xmlns:r="http://schemas.openxmlformats.org/officeDocument/2006/relationships" xmlns:p="http://schemas.openxmlformats.org/presentationml/2006/main">
-  <p:cSld>
-    <p:spTree>
-      <p:nvGrpSpPr>
-        <p:cNvPr id="1" name=""/>
-        <p:cNvGrpSpPr/>
-        <p:nvPr/>
-      </p:nvGrpSpPr>
-      <p:grpSpPr>
-        <a:xfrm>
-          <a:off x="0" y="0"/>
-          <a:ext cx="0" cy="0"/>
-          <a:chOff x="0" y="0"/>
-          <a:chExt cx="0" cy="0"/>
-        </a:xfrm>
-      </p:grpSpPr>
-      <p:sp>
-        <p:nvSpPr>
-          <p:cNvPr id="2" name="Заголовок 1">
-            <a:extLst>
-              <a:ext uri="{FF2B5EF4-FFF2-40B4-BE49-F238E27FC236}">
                 <a16:creationId xmlns:a16="http://schemas.microsoft.com/office/drawing/2014/main" id="{B37DB6A9-6FBF-48E7-89D0-97EDB4D5218A}"/>
               </a:ext>
             </a:extLst>
@@ -11731,7 +9503,7 @@
 </p:sld>
 </file>
 
-<file path=ppt/slides/slide6.xml><?xml version="1.0" encoding="utf-8"?>
+<file path=ppt/slides/slide4.xml><?xml version="1.0" encoding="utf-8"?>
 <p:sld xmlns:a="http://schemas.openxmlformats.org/drawingml/2006/main" xmlns:r="http://schemas.openxmlformats.org/officeDocument/2006/relationships" xmlns:p="http://schemas.openxmlformats.org/presentationml/2006/main">
   <p:cSld>
     <p:spTree>
@@ -11864,7 +9636,7 @@
 </p:sld>
 </file>
 
-<file path=ppt/slides/slide7.xml><?xml version="1.0" encoding="utf-8"?>
+<file path=ppt/slides/slide5.xml><?xml version="1.0" encoding="utf-8"?>
 <p:sld xmlns:a="http://schemas.openxmlformats.org/drawingml/2006/main" xmlns:r="http://schemas.openxmlformats.org/officeDocument/2006/relationships" xmlns:p="http://schemas.openxmlformats.org/presentationml/2006/main">
   <p:cSld>
     <p:spTree>
@@ -12008,7 +9780,7 @@
 </p:sld>
 </file>
 
-<file path=ppt/slides/slide8.xml><?xml version="1.0" encoding="utf-8"?>
+<file path=ppt/slides/slide6.xml><?xml version="1.0" encoding="utf-8"?>
 <p:sld xmlns:a="http://schemas.openxmlformats.org/drawingml/2006/main" xmlns:r="http://schemas.openxmlformats.org/officeDocument/2006/relationships" xmlns:p="http://schemas.openxmlformats.org/presentationml/2006/main">
   <p:cSld>
     <p:spTree>
@@ -12127,7 +9899,7 @@
 </p:sld>
 </file>
 
-<file path=ppt/slides/slide9.xml><?xml version="1.0" encoding="utf-8"?>
+<file path=ppt/slides/slide7.xml><?xml version="1.0" encoding="utf-8"?>
 <p:sld xmlns:a="http://schemas.openxmlformats.org/drawingml/2006/main" xmlns:r="http://schemas.openxmlformats.org/officeDocument/2006/relationships" xmlns:p="http://schemas.openxmlformats.org/presentationml/2006/main">
   <p:cSld>
     <p:spTree>
@@ -12237,6 +10009,365 @@
     <p:extLst>
       <p:ext uri="{BB962C8B-B14F-4D97-AF65-F5344CB8AC3E}">
         <p14:creationId xmlns:p14="http://schemas.microsoft.com/office/powerpoint/2010/main" val="489395757"/>
+      </p:ext>
+    </p:extLst>
+  </p:cSld>
+  <p:clrMapOvr>
+    <a:masterClrMapping/>
+  </p:clrMapOvr>
+</p:sld>
+</file>
+
+<file path=ppt/slides/slide8.xml><?xml version="1.0" encoding="utf-8"?>
+<p:sld xmlns:a="http://schemas.openxmlformats.org/drawingml/2006/main" xmlns:r="http://schemas.openxmlformats.org/officeDocument/2006/relationships" xmlns:p="http://schemas.openxmlformats.org/presentationml/2006/main">
+  <p:cSld>
+    <p:spTree>
+      <p:nvGrpSpPr>
+        <p:cNvPr id="1" name=""/>
+        <p:cNvGrpSpPr/>
+        <p:nvPr/>
+      </p:nvGrpSpPr>
+      <p:grpSpPr>
+        <a:xfrm>
+          <a:off x="0" y="0"/>
+          <a:ext cx="0" cy="0"/>
+          <a:chOff x="0" y="0"/>
+          <a:chExt cx="0" cy="0"/>
+        </a:xfrm>
+      </p:grpSpPr>
+      <p:pic>
+        <p:nvPicPr>
+          <p:cNvPr id="5" name="Picture 17">
+            <a:extLst>
+              <a:ext uri="{FF2B5EF4-FFF2-40B4-BE49-F238E27FC236}">
+                <a16:creationId xmlns:a16="http://schemas.microsoft.com/office/drawing/2014/main" id="{E908B59B-70E4-46CF-A8AC-789AEAF9ABC5}"/>
+              </a:ext>
+            </a:extLst>
+          </p:cNvPr>
+          <p:cNvPicPr>
+            <a:picLocks noGrp="1" noChangeAspect="1"/>
+          </p:cNvPicPr>
+          <p:nvPr>
+            <p:ph idx="1"/>
+          </p:nvPr>
+        </p:nvPicPr>
+        <p:blipFill>
+          <a:blip r:embed="rId2">
+            <a:extLst>
+              <a:ext uri="{28A0092B-C50C-407E-A947-70E740481C1C}">
+                <a14:useLocalDpi xmlns:a14="http://schemas.microsoft.com/office/drawing/2010/main" val="0"/>
+              </a:ext>
+            </a:extLst>
+          </a:blip>
+          <a:srcRect/>
+          <a:stretch>
+            <a:fillRect/>
+          </a:stretch>
+        </p:blipFill>
+        <p:spPr bwMode="auto">
+          <a:xfrm>
+            <a:off x="841520" y="344904"/>
+            <a:ext cx="3235623" cy="4352925"/>
+          </a:xfrm>
+          <a:prstGeom prst="rect">
+            <a:avLst/>
+          </a:prstGeom>
+          <a:noFill/>
+          <a:ln>
+            <a:noFill/>
+          </a:ln>
+        </p:spPr>
+      </p:pic>
+      <p:pic>
+        <p:nvPicPr>
+          <p:cNvPr id="6" name="Picture 1">
+            <a:extLst>
+              <a:ext uri="{FF2B5EF4-FFF2-40B4-BE49-F238E27FC236}">
+                <a16:creationId xmlns:a16="http://schemas.microsoft.com/office/drawing/2014/main" id="{7D9FBAF3-F7E4-4DF1-B524-8C9507408750}"/>
+              </a:ext>
+            </a:extLst>
+          </p:cNvPr>
+          <p:cNvPicPr>
+            <a:picLocks noChangeAspect="1"/>
+          </p:cNvPicPr>
+          <p:nvPr/>
+        </p:nvPicPr>
+        <p:blipFill>
+          <a:blip r:embed="rId3"/>
+          <a:stretch>
+            <a:fillRect/>
+          </a:stretch>
+        </p:blipFill>
+        <p:spPr>
+          <a:xfrm>
+            <a:off x="4468663" y="344904"/>
+            <a:ext cx="3486150" cy="4029075"/>
+          </a:xfrm>
+          <a:prstGeom prst="rect">
+            <a:avLst/>
+          </a:prstGeom>
+        </p:spPr>
+      </p:pic>
+      <p:pic>
+        <p:nvPicPr>
+          <p:cNvPr id="7" name="Picture 2">
+            <a:extLst>
+              <a:ext uri="{FF2B5EF4-FFF2-40B4-BE49-F238E27FC236}">
+                <a16:creationId xmlns:a16="http://schemas.microsoft.com/office/drawing/2014/main" id="{D1D39442-3E6E-4014-82EB-9FE03AF298C4}"/>
+              </a:ext>
+            </a:extLst>
+          </p:cNvPr>
+          <p:cNvPicPr>
+            <a:picLocks noChangeAspect="1"/>
+          </p:cNvPicPr>
+          <p:nvPr/>
+        </p:nvPicPr>
+        <p:blipFill>
+          <a:blip r:embed="rId4"/>
+          <a:stretch>
+            <a:fillRect/>
+          </a:stretch>
+        </p:blipFill>
+        <p:spPr>
+          <a:xfrm>
+            <a:off x="8346334" y="344905"/>
+            <a:ext cx="3467100" cy="4352925"/>
+          </a:xfrm>
+          <a:prstGeom prst="rect">
+            <a:avLst/>
+          </a:prstGeom>
+        </p:spPr>
+      </p:pic>
+    </p:spTree>
+    <p:extLst>
+      <p:ext uri="{BB962C8B-B14F-4D97-AF65-F5344CB8AC3E}">
+        <p14:creationId xmlns:p14="http://schemas.microsoft.com/office/powerpoint/2010/main" val="3729711997"/>
+      </p:ext>
+    </p:extLst>
+  </p:cSld>
+  <p:clrMapOvr>
+    <a:masterClrMapping/>
+  </p:clrMapOvr>
+</p:sld>
+</file>
+
+<file path=ppt/slides/slide9.xml><?xml version="1.0" encoding="utf-8"?>
+<p:sld xmlns:a="http://schemas.openxmlformats.org/drawingml/2006/main" xmlns:r="http://schemas.openxmlformats.org/officeDocument/2006/relationships" xmlns:p="http://schemas.openxmlformats.org/presentationml/2006/main">
+  <p:cSld>
+    <p:spTree>
+      <p:nvGrpSpPr>
+        <p:cNvPr id="1" name=""/>
+        <p:cNvGrpSpPr/>
+        <p:nvPr/>
+      </p:nvGrpSpPr>
+      <p:grpSpPr>
+        <a:xfrm>
+          <a:off x="0" y="0"/>
+          <a:ext cx="0" cy="0"/>
+          <a:chOff x="0" y="0"/>
+          <a:chExt cx="0" cy="0"/>
+        </a:xfrm>
+      </p:grpSpPr>
+      <p:sp>
+        <p:nvSpPr>
+          <p:cNvPr id="2" name="Заголовок 1">
+            <a:extLst>
+              <a:ext uri="{FF2B5EF4-FFF2-40B4-BE49-F238E27FC236}">
+                <a16:creationId xmlns:a16="http://schemas.microsoft.com/office/drawing/2014/main" id="{DECB42DC-FED0-46C6-918F-D6916D905816}"/>
+              </a:ext>
+            </a:extLst>
+          </p:cNvPr>
+          <p:cNvSpPr>
+            <a:spLocks noGrp="1"/>
+          </p:cNvSpPr>
+          <p:nvPr>
+            <p:ph type="title"/>
+          </p:nvPr>
+        </p:nvSpPr>
+        <p:spPr>
+          <a:xfrm>
+            <a:off x="1371600" y="685800"/>
+            <a:ext cx="9601200" cy="741947"/>
+          </a:xfrm>
+        </p:spPr>
+        <p:txBody>
+          <a:bodyPr/>
+          <a:lstStyle/>
+          <a:p>
+            <a:r>
+              <a:rPr lang="en-US" dirty="0" err="1"/>
+              <a:t>Crearea</a:t>
+            </a:r>
+            <a:r>
+              <a:rPr lang="en-US" dirty="0"/>
+              <a:t> </a:t>
+            </a:r>
+            <a:r>
+              <a:rPr lang="en-US" dirty="0" err="1"/>
+              <a:t>si</a:t>
+            </a:r>
+            <a:r>
+              <a:rPr lang="en-US" dirty="0"/>
+              <a:t> </a:t>
+            </a:r>
+            <a:r>
+              <a:rPr lang="en-US" dirty="0" err="1"/>
+              <a:t>gestionarea</a:t>
+            </a:r>
+            <a:r>
+              <a:rPr lang="en-US" dirty="0"/>
+              <a:t> </a:t>
+            </a:r>
+            <a:r>
+              <a:rPr lang="en-US" dirty="0" err="1"/>
+              <a:t>interogarilor</a:t>
+            </a:r>
+            <a:r>
+              <a:rPr lang="en-US" dirty="0"/>
+              <a:t> SQL</a:t>
+            </a:r>
+            <a:endParaRPr lang="ru-RU" dirty="0"/>
+          </a:p>
+        </p:txBody>
+      </p:sp>
+      <p:pic>
+        <p:nvPicPr>
+          <p:cNvPr id="4" name="Picture 21">
+            <a:extLst>
+              <a:ext uri="{FF2B5EF4-FFF2-40B4-BE49-F238E27FC236}">
+                <a16:creationId xmlns:a16="http://schemas.microsoft.com/office/drawing/2014/main" id="{0F8F9FE6-9174-4528-900C-217D49B92399}"/>
+              </a:ext>
+            </a:extLst>
+          </p:cNvPr>
+          <p:cNvPicPr>
+            <a:picLocks noGrp="1" noChangeAspect="1"/>
+          </p:cNvPicPr>
+          <p:nvPr>
+            <p:ph idx="1"/>
+          </p:nvPr>
+        </p:nvPicPr>
+        <p:blipFill rotWithShape="1">
+          <a:blip r:embed="rId2">
+            <a:extLst>
+              <a:ext uri="{28A0092B-C50C-407E-A947-70E740481C1C}">
+                <a14:useLocalDpi xmlns:a14="http://schemas.microsoft.com/office/drawing/2010/main" val="0"/>
+              </a:ext>
+            </a:extLst>
+          </a:blip>
+          <a:srcRect t="1274"/>
+          <a:stretch/>
+        </p:blipFill>
+        <p:spPr bwMode="auto">
+          <a:xfrm>
+            <a:off x="1371600" y="1836821"/>
+            <a:ext cx="5109411" cy="4451322"/>
+          </a:xfrm>
+          <a:prstGeom prst="rect">
+            <a:avLst/>
+          </a:prstGeom>
+          <a:noFill/>
+          <a:ln>
+            <a:noFill/>
+          </a:ln>
+          <a:extLst>
+            <a:ext uri="{53640926-AAD7-44D8-BBD7-CCE9431645EC}">
+              <a14:shadowObscured xmlns:a14="http://schemas.microsoft.com/office/drawing/2010/main"/>
+            </a:ext>
+          </a:extLst>
+        </p:spPr>
+      </p:pic>
+      <p:pic>
+        <p:nvPicPr>
+          <p:cNvPr id="5" name="Picture 22">
+            <a:extLst>
+              <a:ext uri="{FF2B5EF4-FFF2-40B4-BE49-F238E27FC236}">
+                <a16:creationId xmlns:a16="http://schemas.microsoft.com/office/drawing/2014/main" id="{BD1E5411-2543-4835-8F4A-7798166D3F61}"/>
+              </a:ext>
+            </a:extLst>
+          </p:cNvPr>
+          <p:cNvPicPr>
+            <a:picLocks noChangeAspect="1"/>
+          </p:cNvPicPr>
+          <p:nvPr/>
+        </p:nvPicPr>
+        <p:blipFill rotWithShape="1">
+          <a:blip r:embed="rId3">
+            <a:extLst>
+              <a:ext uri="{28A0092B-C50C-407E-A947-70E740481C1C}">
+                <a14:useLocalDpi xmlns:a14="http://schemas.microsoft.com/office/drawing/2010/main" val="0"/>
+              </a:ext>
+            </a:extLst>
+          </a:blip>
+          <a:srcRect t="3603"/>
+          <a:stretch/>
+        </p:blipFill>
+        <p:spPr bwMode="auto">
+          <a:xfrm>
+            <a:off x="7826041" y="1836821"/>
+            <a:ext cx="3114675" cy="2038350"/>
+          </a:xfrm>
+          <a:prstGeom prst="rect">
+            <a:avLst/>
+          </a:prstGeom>
+          <a:noFill/>
+          <a:ln>
+            <a:noFill/>
+          </a:ln>
+          <a:extLst>
+            <a:ext uri="{53640926-AAD7-44D8-BBD7-CCE9431645EC}">
+              <a14:shadowObscured xmlns:a14="http://schemas.microsoft.com/office/drawing/2010/main"/>
+            </a:ext>
+          </a:extLst>
+        </p:spPr>
+      </p:pic>
+      <p:pic>
+        <p:nvPicPr>
+          <p:cNvPr id="6" name="Picture 24">
+            <a:extLst>
+              <a:ext uri="{FF2B5EF4-FFF2-40B4-BE49-F238E27FC236}">
+                <a16:creationId xmlns:a16="http://schemas.microsoft.com/office/drawing/2014/main" id="{25898DE5-D101-4633-B867-F7BCB9B75CFA}"/>
+              </a:ext>
+            </a:extLst>
+          </p:cNvPr>
+          <p:cNvPicPr>
+            <a:picLocks noChangeAspect="1"/>
+          </p:cNvPicPr>
+          <p:nvPr/>
+        </p:nvPicPr>
+        <p:blipFill rotWithShape="1">
+          <a:blip r:embed="rId4">
+            <a:extLst>
+              <a:ext uri="{28A0092B-C50C-407E-A947-70E740481C1C}">
+                <a14:useLocalDpi xmlns:a14="http://schemas.microsoft.com/office/drawing/2010/main" val="0"/>
+              </a:ext>
+            </a:extLst>
+          </a:blip>
+          <a:srcRect t="3955"/>
+          <a:stretch/>
+        </p:blipFill>
+        <p:spPr bwMode="auto">
+          <a:xfrm>
+            <a:off x="7597440" y="4328361"/>
+            <a:ext cx="3571875" cy="1619250"/>
+          </a:xfrm>
+          <a:prstGeom prst="rect">
+            <a:avLst/>
+          </a:prstGeom>
+          <a:noFill/>
+          <a:ln>
+            <a:noFill/>
+          </a:ln>
+          <a:extLst>
+            <a:ext uri="{53640926-AAD7-44D8-BBD7-CCE9431645EC}">
+              <a14:shadowObscured xmlns:a14="http://schemas.microsoft.com/office/drawing/2010/main"/>
+            </a:ext>
+          </a:extLst>
+        </p:spPr>
+      </p:pic>
+    </p:spTree>
+    <p:extLst>
+      <p:ext uri="{BB962C8B-B14F-4D97-AF65-F5344CB8AC3E}">
+        <p14:creationId xmlns:p14="http://schemas.microsoft.com/office/powerpoint/2010/main" val="378834972"/>
       </p:ext>
     </p:extLst>
   </p:cSld>
